--- a/Math-Tester.pptx
+++ b/Math-Tester.pptx
@@ -2,7 +2,7 @@
 <file path=ppt/presentation.xml><?xml version="1.0" encoding="utf-8"?>
 <p:presentation xmlns:a="http://schemas.openxmlformats.org/drawingml/2006/main" xmlns:r="http://schemas.openxmlformats.org/officeDocument/2006/relationships" xmlns:p="http://schemas.openxmlformats.org/presentationml/2006/main" saveSubsetFonts="1">
   <p:sldMasterIdLst>
-    <p:sldMasterId id="2147483648" r:id="rId1"/>
+    <p:sldMasterId id="2147483675" r:id="rId1"/>
   </p:sldMasterIdLst>
   <p:sldIdLst>
     <p:sldId id="256" r:id="rId2"/>
@@ -15,9 +15,9 @@
   <p:notesSz cx="6858000" cy="9144000"/>
   <p:defaultTextStyle>
     <a:defPPr>
-      <a:defRPr lang="ru-RU"/>
+      <a:defRPr lang="en-US"/>
     </a:defPPr>
-    <a:lvl1pPr marL="0" algn="l" defTabSz="914400" rtl="0" eaLnBrk="1" latinLnBrk="0" hangingPunct="1">
+    <a:lvl1pPr marL="0" algn="l" defTabSz="457200" rtl="0" eaLnBrk="1" latinLnBrk="0" hangingPunct="1">
       <a:defRPr sz="1800" kern="1200">
         <a:solidFill>
           <a:schemeClr val="tx1"/>
@@ -27,7 +27,7 @@
         <a:cs typeface="+mn-cs"/>
       </a:defRPr>
     </a:lvl1pPr>
-    <a:lvl2pPr marL="457200" algn="l" defTabSz="914400" rtl="0" eaLnBrk="1" latinLnBrk="0" hangingPunct="1">
+    <a:lvl2pPr marL="457200" algn="l" defTabSz="457200" rtl="0" eaLnBrk="1" latinLnBrk="0" hangingPunct="1">
       <a:defRPr sz="1800" kern="1200">
         <a:solidFill>
           <a:schemeClr val="tx1"/>
@@ -37,7 +37,7 @@
         <a:cs typeface="+mn-cs"/>
       </a:defRPr>
     </a:lvl2pPr>
-    <a:lvl3pPr marL="914400" algn="l" defTabSz="914400" rtl="0" eaLnBrk="1" latinLnBrk="0" hangingPunct="1">
+    <a:lvl3pPr marL="914400" algn="l" defTabSz="457200" rtl="0" eaLnBrk="1" latinLnBrk="0" hangingPunct="1">
       <a:defRPr sz="1800" kern="1200">
         <a:solidFill>
           <a:schemeClr val="tx1"/>
@@ -47,7 +47,7 @@
         <a:cs typeface="+mn-cs"/>
       </a:defRPr>
     </a:lvl3pPr>
-    <a:lvl4pPr marL="1371600" algn="l" defTabSz="914400" rtl="0" eaLnBrk="1" latinLnBrk="0" hangingPunct="1">
+    <a:lvl4pPr marL="1371600" algn="l" defTabSz="457200" rtl="0" eaLnBrk="1" latinLnBrk="0" hangingPunct="1">
       <a:defRPr sz="1800" kern="1200">
         <a:solidFill>
           <a:schemeClr val="tx1"/>
@@ -57,7 +57,7 @@
         <a:cs typeface="+mn-cs"/>
       </a:defRPr>
     </a:lvl4pPr>
-    <a:lvl5pPr marL="1828800" algn="l" defTabSz="914400" rtl="0" eaLnBrk="1" latinLnBrk="0" hangingPunct="1">
+    <a:lvl5pPr marL="1828800" algn="l" defTabSz="457200" rtl="0" eaLnBrk="1" latinLnBrk="0" hangingPunct="1">
       <a:defRPr sz="1800" kern="1200">
         <a:solidFill>
           <a:schemeClr val="tx1"/>
@@ -67,7 +67,7 @@
         <a:cs typeface="+mn-cs"/>
       </a:defRPr>
     </a:lvl5pPr>
-    <a:lvl6pPr marL="2286000" algn="l" defTabSz="914400" rtl="0" eaLnBrk="1" latinLnBrk="0" hangingPunct="1">
+    <a:lvl6pPr marL="2286000" algn="l" defTabSz="457200" rtl="0" eaLnBrk="1" latinLnBrk="0" hangingPunct="1">
       <a:defRPr sz="1800" kern="1200">
         <a:solidFill>
           <a:schemeClr val="tx1"/>
@@ -77,7 +77,7 @@
         <a:cs typeface="+mn-cs"/>
       </a:defRPr>
     </a:lvl6pPr>
-    <a:lvl7pPr marL="2743200" algn="l" defTabSz="914400" rtl="0" eaLnBrk="1" latinLnBrk="0" hangingPunct="1">
+    <a:lvl7pPr marL="2743200" algn="l" defTabSz="457200" rtl="0" eaLnBrk="1" latinLnBrk="0" hangingPunct="1">
       <a:defRPr sz="1800" kern="1200">
         <a:solidFill>
           <a:schemeClr val="tx1"/>
@@ -87,7 +87,7 @@
         <a:cs typeface="+mn-cs"/>
       </a:defRPr>
     </a:lvl7pPr>
-    <a:lvl8pPr marL="3200400" algn="l" defTabSz="914400" rtl="0" eaLnBrk="1" latinLnBrk="0" hangingPunct="1">
+    <a:lvl8pPr marL="3200400" algn="l" defTabSz="457200" rtl="0" eaLnBrk="1" latinLnBrk="0" hangingPunct="1">
       <a:defRPr sz="1800" kern="1200">
         <a:solidFill>
           <a:schemeClr val="tx1"/>
@@ -97,7 +97,7 @@
         <a:cs typeface="+mn-cs"/>
       </a:defRPr>
     </a:lvl8pPr>
-    <a:lvl9pPr marL="3657600" algn="l" defTabSz="914400" rtl="0" eaLnBrk="1" latinLnBrk="0" hangingPunct="1">
+    <a:lvl9pPr marL="3657600" algn="l" defTabSz="457200" rtl="0" eaLnBrk="1" latinLnBrk="0" hangingPunct="1">
       <a:defRPr sz="1800" kern="1200">
         <a:solidFill>
           <a:schemeClr val="tx1"/>
@@ -108,6 +108,11 @@
       </a:defRPr>
     </a:lvl9pPr>
   </p:defaultTextStyle>
+  <p:extLst>
+    <p:ext uri="{EFAFB233-063F-42B5-8137-9DF3F51BA10A}">
+      <p15:sldGuideLst xmlns:p15="http://schemas.microsoft.com/office/powerpoint/2012/main"/>
+    </p:ext>
+  </p:extLst>
 </p:presentation>
 </file>
 
@@ -128,15 +133,39 @@
           <a:chExt cx="0" cy="0"/>
         </a:xfrm>
       </p:grpSpPr>
-      <p:sp>
-        <p:nvSpPr>
-          <p:cNvPr id="2" name="Заголовок 1">
+      <p:pic>
+        <p:nvPicPr>
+          <p:cNvPr id="7" name="Picture 6" descr="C0-HD-BTM.png"/>
+          <p:cNvPicPr>
+            <a:picLocks noChangeAspect="1"/>
+          </p:cNvPicPr>
+          <p:nvPr/>
+        </p:nvPicPr>
+        <p:blipFill>
+          <a:blip r:embed="rId2">
             <a:extLst>
-              <a:ext uri="{FF2B5EF4-FFF2-40B4-BE49-F238E27FC236}">
-                <a16:creationId xmlns:a16="http://schemas.microsoft.com/office/drawing/2014/main" id="{D047D5FA-D9E5-4610-B9CD-3F2A16BEDBE8}"/>
+              <a:ext uri="{28A0092B-C50C-407E-A947-70E740481C1C}">
+                <a14:useLocalDpi xmlns:a14="http://schemas.microsoft.com/office/drawing/2010/main" val="0"/>
               </a:ext>
             </a:extLst>
-          </p:cNvPr>
+          </a:blip>
+          <a:stretch>
+            <a:fillRect/>
+          </a:stretch>
+        </p:blipFill>
+        <p:spPr>
+          <a:xfrm>
+            <a:off x="0" y="4375150"/>
+            <a:ext cx="12192000" cy="2482850"/>
+          </a:xfrm>
+          <a:prstGeom prst="rect">
+            <a:avLst/>
+          </a:prstGeom>
+        </p:spPr>
+      </p:pic>
+      <p:sp>
+        <p:nvSpPr>
+          <p:cNvPr id="2" name="Title 1"/>
           <p:cNvSpPr>
             <a:spLocks noGrp="1"/>
           </p:cNvSpPr>
@@ -146,14 +175,16 @@
         </p:nvSpPr>
         <p:spPr>
           <a:xfrm>
-            <a:off x="1524000" y="1122363"/>
-            <a:ext cx="9144000" cy="2387600"/>
-          </a:xfrm>
-        </p:spPr>
-        <p:txBody>
-          <a:bodyPr anchor="b"/>
+            <a:off x="1371600" y="1803405"/>
+            <a:ext cx="9448800" cy="1825096"/>
+          </a:xfrm>
+        </p:spPr>
+        <p:txBody>
+          <a:bodyPr anchor="b">
+            <a:normAutofit/>
+          </a:bodyPr>
           <a:lstStyle>
-            <a:lvl1pPr algn="ctr">
+            <a:lvl1pPr algn="l">
               <a:defRPr sz="6000"/>
             </a:lvl1pPr>
           </a:lstStyle>
@@ -162,18 +193,13 @@
               <a:rPr lang="ru-RU"/>
               <a:t>Образец заголовка</a:t>
             </a:r>
-          </a:p>
-        </p:txBody>
-      </p:sp>
-      <p:sp>
-        <p:nvSpPr>
-          <p:cNvPr id="3" name="Подзаголовок 2">
-            <a:extLst>
-              <a:ext uri="{FF2B5EF4-FFF2-40B4-BE49-F238E27FC236}">
-                <a16:creationId xmlns:a16="http://schemas.microsoft.com/office/drawing/2014/main" id="{3E56436B-97EA-4BB6-925E-EAC38595C10A}"/>
-              </a:ext>
-            </a:extLst>
-          </p:cNvPr>
+            <a:endParaRPr lang="en-US" dirty="0"/>
+          </a:p>
+        </p:txBody>
+      </p:sp>
+      <p:sp>
+        <p:nvSpPr>
+          <p:cNvPr id="3" name="Subtitle 2"/>
           <p:cNvSpPr>
             <a:spLocks noGrp="1"/>
           </p:cNvSpPr>
@@ -183,16 +209,18 @@
         </p:nvSpPr>
         <p:spPr>
           <a:xfrm>
-            <a:off x="1524000" y="3602038"/>
-            <a:ext cx="9144000" cy="1655762"/>
-          </a:xfrm>
-        </p:spPr>
-        <p:txBody>
-          <a:bodyPr/>
+            <a:off x="1371600" y="3632201"/>
+            <a:ext cx="9448800" cy="685800"/>
+          </a:xfrm>
+        </p:spPr>
+        <p:txBody>
+          <a:bodyPr>
+            <a:normAutofit/>
+          </a:bodyPr>
           <a:lstStyle>
-            <a:lvl1pPr marL="0" indent="0" algn="ctr">
-              <a:buNone/>
-              <a:defRPr sz="2400"/>
+            <a:lvl1pPr marL="0" indent="0" algn="l">
+              <a:buNone/>
+              <a:defRPr sz="2000"/>
             </a:lvl1pPr>
             <a:lvl2pPr marL="457200" indent="0" algn="ctr">
               <a:buNone/>
@@ -232,18 +260,13 @@
               <a:rPr lang="ru-RU"/>
               <a:t>Образец подзаголовка</a:t>
             </a:r>
-          </a:p>
-        </p:txBody>
-      </p:sp>
-      <p:sp>
-        <p:nvSpPr>
-          <p:cNvPr id="4" name="Дата 3">
-            <a:extLst>
-              <a:ext uri="{FF2B5EF4-FFF2-40B4-BE49-F238E27FC236}">
-                <a16:creationId xmlns:a16="http://schemas.microsoft.com/office/drawing/2014/main" id="{17F56A79-C537-45C4-AF3E-BC59B130C634}"/>
-              </a:ext>
-            </a:extLst>
-          </p:cNvPr>
+            <a:endParaRPr lang="en-US" dirty="0"/>
+          </a:p>
+        </p:txBody>
+      </p:sp>
+      <p:sp>
+        <p:nvSpPr>
+          <p:cNvPr id="4" name="Date Placeholder 3"/>
           <p:cNvSpPr>
             <a:spLocks noGrp="1"/>
           </p:cNvSpPr>
@@ -251,14 +274,19 @@
             <p:ph type="dt" sz="half" idx="10"/>
           </p:nvPr>
         </p:nvSpPr>
-        <p:spPr/>
+        <p:spPr>
+          <a:xfrm>
+            <a:off x="7909561" y="4314328"/>
+            <a:ext cx="2910840" cy="374642"/>
+          </a:xfrm>
+        </p:spPr>
         <p:txBody>
           <a:bodyPr/>
           <a:lstStyle/>
           <a:p>
             <a:fld id="{2D35C71F-6809-43C0-A892-EF4C918F4A43}" type="datetimeFigureOut">
               <a:rPr lang="ru-RU" smtClean="0"/>
-              <a:t>13.04.2022</a:t>
+              <a:t>17.04.2022</a:t>
             </a:fld>
             <a:endParaRPr lang="ru-RU"/>
           </a:p>
@@ -266,13 +294,7 @@
       </p:sp>
       <p:sp>
         <p:nvSpPr>
-          <p:cNvPr id="5" name="Нижний колонтитул 4">
-            <a:extLst>
-              <a:ext uri="{FF2B5EF4-FFF2-40B4-BE49-F238E27FC236}">
-                <a16:creationId xmlns:a16="http://schemas.microsoft.com/office/drawing/2014/main" id="{F4C2278A-63D5-4D28-AE54-AD56650D18B4}"/>
-              </a:ext>
-            </a:extLst>
-          </p:cNvPr>
+          <p:cNvPr id="5" name="Footer Placeholder 4"/>
           <p:cNvSpPr>
             <a:spLocks noGrp="1"/>
           </p:cNvSpPr>
@@ -280,7 +302,12 @@
             <p:ph type="ftr" sz="quarter" idx="11"/>
           </p:nvPr>
         </p:nvSpPr>
-        <p:spPr/>
+        <p:spPr>
+          <a:xfrm>
+            <a:off x="1371600" y="4323845"/>
+            <a:ext cx="6400800" cy="365125"/>
+          </a:xfrm>
+        </p:spPr>
         <p:txBody>
           <a:bodyPr/>
           <a:lstStyle/>
@@ -291,13 +318,7 @@
       </p:sp>
       <p:sp>
         <p:nvSpPr>
-          <p:cNvPr id="6" name="Номер слайда 5">
-            <a:extLst>
-              <a:ext uri="{FF2B5EF4-FFF2-40B4-BE49-F238E27FC236}">
-                <a16:creationId xmlns:a16="http://schemas.microsoft.com/office/drawing/2014/main" id="{D253D7F3-648F-4AED-9DC4-347C9B6C0667}"/>
-              </a:ext>
-            </a:extLst>
-          </p:cNvPr>
+          <p:cNvPr id="6" name="Slide Number Placeholder 5"/>
           <p:cNvSpPr>
             <a:spLocks noGrp="1"/>
           </p:cNvSpPr>
@@ -305,7 +326,12 @@
             <p:ph type="sldNum" sz="quarter" idx="12"/>
           </p:nvPr>
         </p:nvSpPr>
-        <p:spPr/>
+        <p:spPr>
+          <a:xfrm>
+            <a:off x="8077200" y="1430866"/>
+            <a:ext cx="2743200" cy="365125"/>
+          </a:xfrm>
+        </p:spPr>
         <p:txBody>
           <a:bodyPr/>
           <a:lstStyle/>
@@ -321,7 +347,7 @@
     </p:spTree>
     <p:extLst>
       <p:ext uri="{BB962C8B-B14F-4D97-AF65-F5344CB8AC3E}">
-        <p14:creationId xmlns:p14="http://schemas.microsoft.com/office/powerpoint/2010/main" val="3772136749"/>
+        <p14:creationId xmlns:p14="http://schemas.microsoft.com/office/powerpoint/2010/main" val="2596855635"/>
       </p:ext>
     </p:extLst>
   </p:cSld>
@@ -332,6 +358,2598 @@
 </file>
 
 <file path=ppt/slideLayouts/slideLayout10.xml><?xml version="1.0" encoding="utf-8"?>
+<p:sldLayout xmlns:a="http://schemas.openxmlformats.org/drawingml/2006/main" xmlns:r="http://schemas.openxmlformats.org/officeDocument/2006/relationships" xmlns:p="http://schemas.openxmlformats.org/presentationml/2006/main" preserve="1">
+  <p:cSld name="Панорамная фотография с подписью">
+    <p:spTree>
+      <p:nvGrpSpPr>
+        <p:cNvPr id="1" name=""/>
+        <p:cNvGrpSpPr/>
+        <p:nvPr/>
+      </p:nvGrpSpPr>
+      <p:grpSpPr>
+        <a:xfrm>
+          <a:off x="0" y="0"/>
+          <a:ext cx="0" cy="0"/>
+          <a:chOff x="0" y="0"/>
+          <a:chExt cx="0" cy="0"/>
+        </a:xfrm>
+      </p:grpSpPr>
+      <p:sp>
+        <p:nvSpPr>
+          <p:cNvPr id="2" name="Title 1"/>
+          <p:cNvSpPr>
+            <a:spLocks noGrp="1"/>
+          </p:cNvSpPr>
+          <p:nvPr>
+            <p:ph type="title"/>
+          </p:nvPr>
+        </p:nvSpPr>
+        <p:spPr>
+          <a:xfrm>
+            <a:off x="685777" y="4697360"/>
+            <a:ext cx="10822034" cy="819355"/>
+          </a:xfrm>
+        </p:spPr>
+        <p:txBody>
+          <a:bodyPr anchor="b"/>
+          <a:lstStyle>
+            <a:lvl1pPr algn="l">
+              <a:defRPr sz="3200"/>
+            </a:lvl1pPr>
+          </a:lstStyle>
+          <a:p>
+            <a:r>
+              <a:rPr lang="ru-RU"/>
+              <a:t>Образец заголовка</a:t>
+            </a:r>
+            <a:endParaRPr lang="en-US" dirty="0"/>
+          </a:p>
+        </p:txBody>
+      </p:sp>
+      <p:sp>
+        <p:nvSpPr>
+          <p:cNvPr id="3" name="Picture Placeholder 2"/>
+          <p:cNvSpPr>
+            <a:spLocks noGrp="1" noChangeAspect="1"/>
+          </p:cNvSpPr>
+          <p:nvPr>
+            <p:ph type="pic" idx="1"/>
+          </p:nvPr>
+        </p:nvSpPr>
+        <p:spPr>
+          <a:xfrm>
+            <a:off x="681727" y="941439"/>
+            <a:ext cx="10821840" cy="3478161"/>
+          </a:xfrm>
+        </p:spPr>
+        <p:txBody>
+          <a:bodyPr anchor="t"/>
+          <a:lstStyle>
+            <a:lvl1pPr marL="0" indent="0">
+              <a:buNone/>
+              <a:defRPr sz="3200"/>
+            </a:lvl1pPr>
+            <a:lvl2pPr marL="457200" indent="0">
+              <a:buNone/>
+              <a:defRPr sz="2800"/>
+            </a:lvl2pPr>
+            <a:lvl3pPr marL="914400" indent="0">
+              <a:buNone/>
+              <a:defRPr sz="2400"/>
+            </a:lvl3pPr>
+            <a:lvl4pPr marL="1371600" indent="0">
+              <a:buNone/>
+              <a:defRPr sz="2000"/>
+            </a:lvl4pPr>
+            <a:lvl5pPr marL="1828800" indent="0">
+              <a:buNone/>
+              <a:defRPr sz="2000"/>
+            </a:lvl5pPr>
+            <a:lvl6pPr marL="2286000" indent="0">
+              <a:buNone/>
+              <a:defRPr sz="2000"/>
+            </a:lvl6pPr>
+            <a:lvl7pPr marL="2743200" indent="0">
+              <a:buNone/>
+              <a:defRPr sz="2000"/>
+            </a:lvl7pPr>
+            <a:lvl8pPr marL="3200400" indent="0">
+              <a:buNone/>
+              <a:defRPr sz="2000"/>
+            </a:lvl8pPr>
+            <a:lvl9pPr marL="3657600" indent="0">
+              <a:buNone/>
+              <a:defRPr sz="2000"/>
+            </a:lvl9pPr>
+          </a:lstStyle>
+          <a:p>
+            <a:r>
+              <a:rPr lang="ru-RU"/>
+              <a:t>Вставка рисунка</a:t>
+            </a:r>
+            <a:endParaRPr lang="en-US" dirty="0"/>
+          </a:p>
+        </p:txBody>
+      </p:sp>
+      <p:sp>
+        <p:nvSpPr>
+          <p:cNvPr id="4" name="Text Placeholder 3"/>
+          <p:cNvSpPr>
+            <a:spLocks noGrp="1"/>
+          </p:cNvSpPr>
+          <p:nvPr>
+            <p:ph type="body" sz="half" idx="2"/>
+          </p:nvPr>
+        </p:nvSpPr>
+        <p:spPr>
+          <a:xfrm>
+            <a:off x="685800" y="5516715"/>
+            <a:ext cx="10820400" cy="701969"/>
+          </a:xfrm>
+        </p:spPr>
+        <p:txBody>
+          <a:bodyPr/>
+          <a:lstStyle>
+            <a:lvl1pPr marL="0" indent="0" algn="l">
+              <a:buNone/>
+              <a:defRPr sz="1600"/>
+            </a:lvl1pPr>
+            <a:lvl2pPr marL="457200" indent="0">
+              <a:buNone/>
+              <a:defRPr sz="1400"/>
+            </a:lvl2pPr>
+            <a:lvl3pPr marL="914400" indent="0">
+              <a:buNone/>
+              <a:defRPr sz="1200"/>
+            </a:lvl3pPr>
+            <a:lvl4pPr marL="1371600" indent="0">
+              <a:buNone/>
+              <a:defRPr sz="1000"/>
+            </a:lvl4pPr>
+            <a:lvl5pPr marL="1828800" indent="0">
+              <a:buNone/>
+              <a:defRPr sz="1000"/>
+            </a:lvl5pPr>
+            <a:lvl6pPr marL="2286000" indent="0">
+              <a:buNone/>
+              <a:defRPr sz="1000"/>
+            </a:lvl6pPr>
+            <a:lvl7pPr marL="2743200" indent="0">
+              <a:buNone/>
+              <a:defRPr sz="1000"/>
+            </a:lvl7pPr>
+            <a:lvl8pPr marL="3200400" indent="0">
+              <a:buNone/>
+              <a:defRPr sz="1000"/>
+            </a:lvl8pPr>
+            <a:lvl9pPr marL="3657600" indent="0">
+              <a:buNone/>
+              <a:defRPr sz="1000"/>
+            </a:lvl9pPr>
+          </a:lstStyle>
+          <a:p>
+            <a:pPr lvl="0"/>
+            <a:r>
+              <a:rPr lang="ru-RU"/>
+              <a:t>Образец текста</a:t>
+            </a:r>
+          </a:p>
+        </p:txBody>
+      </p:sp>
+      <p:sp>
+        <p:nvSpPr>
+          <p:cNvPr id="5" name="Date Placeholder 4"/>
+          <p:cNvSpPr>
+            <a:spLocks noGrp="1"/>
+          </p:cNvSpPr>
+          <p:nvPr>
+            <p:ph type="dt" sz="half" idx="10"/>
+          </p:nvPr>
+        </p:nvSpPr>
+        <p:spPr/>
+        <p:txBody>
+          <a:bodyPr/>
+          <a:lstStyle/>
+          <a:p>
+            <a:fld id="{2D35C71F-6809-43C0-A892-EF4C918F4A43}" type="datetimeFigureOut">
+              <a:rPr lang="ru-RU" smtClean="0"/>
+              <a:t>17.04.2022</a:t>
+            </a:fld>
+            <a:endParaRPr lang="ru-RU"/>
+          </a:p>
+        </p:txBody>
+      </p:sp>
+      <p:sp>
+        <p:nvSpPr>
+          <p:cNvPr id="6" name="Footer Placeholder 5"/>
+          <p:cNvSpPr>
+            <a:spLocks noGrp="1"/>
+          </p:cNvSpPr>
+          <p:nvPr>
+            <p:ph type="ftr" sz="quarter" idx="11"/>
+          </p:nvPr>
+        </p:nvSpPr>
+        <p:spPr/>
+        <p:txBody>
+          <a:bodyPr/>
+          <a:lstStyle/>
+          <a:p>
+            <a:endParaRPr lang="ru-RU"/>
+          </a:p>
+        </p:txBody>
+      </p:sp>
+      <p:sp>
+        <p:nvSpPr>
+          <p:cNvPr id="7" name="Slide Number Placeholder 6"/>
+          <p:cNvSpPr>
+            <a:spLocks noGrp="1"/>
+          </p:cNvSpPr>
+          <p:nvPr>
+            <p:ph type="sldNum" sz="quarter" idx="12"/>
+          </p:nvPr>
+        </p:nvSpPr>
+        <p:spPr/>
+        <p:txBody>
+          <a:bodyPr/>
+          <a:lstStyle/>
+          <a:p>
+            <a:fld id="{8369EA29-5DDC-4077-9896-092CB85F640F}" type="slidenum">
+              <a:rPr lang="ru-RU" smtClean="0"/>
+              <a:t>‹#›</a:t>
+            </a:fld>
+            <a:endParaRPr lang="ru-RU"/>
+          </a:p>
+        </p:txBody>
+      </p:sp>
+    </p:spTree>
+    <p:extLst>
+      <p:ext uri="{BB962C8B-B14F-4D97-AF65-F5344CB8AC3E}">
+        <p14:creationId xmlns:p14="http://schemas.microsoft.com/office/powerpoint/2010/main" val="3956719266"/>
+      </p:ext>
+    </p:extLst>
+  </p:cSld>
+  <p:clrMapOvr>
+    <a:masterClrMapping/>
+  </p:clrMapOvr>
+</p:sldLayout>
+</file>
+
+<file path=ppt/slideLayouts/slideLayout11.xml><?xml version="1.0" encoding="utf-8"?>
+<p:sldLayout xmlns:a="http://schemas.openxmlformats.org/drawingml/2006/main" xmlns:r="http://schemas.openxmlformats.org/officeDocument/2006/relationships" xmlns:p="http://schemas.openxmlformats.org/presentationml/2006/main" showMasterSp="0" preserve="1">
+  <p:cSld name="Заголовок и подпись">
+    <p:spTree>
+      <p:nvGrpSpPr>
+        <p:cNvPr id="1" name=""/>
+        <p:cNvGrpSpPr/>
+        <p:nvPr/>
+      </p:nvGrpSpPr>
+      <p:grpSpPr>
+        <a:xfrm>
+          <a:off x="0" y="0"/>
+          <a:ext cx="0" cy="0"/>
+          <a:chOff x="0" y="0"/>
+          <a:chExt cx="0" cy="0"/>
+        </a:xfrm>
+      </p:grpSpPr>
+      <p:pic>
+        <p:nvPicPr>
+          <p:cNvPr id="8" name="Picture 7" descr="C0-HD-BTM.png"/>
+          <p:cNvPicPr>
+            <a:picLocks noChangeAspect="1"/>
+          </p:cNvPicPr>
+          <p:nvPr/>
+        </p:nvPicPr>
+        <p:blipFill>
+          <a:blip r:embed="rId2">
+            <a:extLst>
+              <a:ext uri="{28A0092B-C50C-407E-A947-70E740481C1C}">
+                <a14:useLocalDpi xmlns:a14="http://schemas.microsoft.com/office/drawing/2010/main" val="0"/>
+              </a:ext>
+            </a:extLst>
+          </a:blip>
+          <a:stretch>
+            <a:fillRect/>
+          </a:stretch>
+        </p:blipFill>
+        <p:spPr>
+          <a:xfrm>
+            <a:off x="0" y="4375150"/>
+            <a:ext cx="12192000" cy="2482850"/>
+          </a:xfrm>
+          <a:prstGeom prst="rect">
+            <a:avLst/>
+          </a:prstGeom>
+        </p:spPr>
+      </p:pic>
+      <p:sp>
+        <p:nvSpPr>
+          <p:cNvPr id="2" name="Title 1"/>
+          <p:cNvSpPr>
+            <a:spLocks noGrp="1"/>
+          </p:cNvSpPr>
+          <p:nvPr>
+            <p:ph type="title"/>
+          </p:nvPr>
+        </p:nvSpPr>
+        <p:spPr>
+          <a:xfrm>
+            <a:off x="685800" y="753532"/>
+            <a:ext cx="10820400" cy="2802467"/>
+          </a:xfrm>
+        </p:spPr>
+        <p:txBody>
+          <a:bodyPr anchor="ctr"/>
+          <a:lstStyle>
+            <a:lvl1pPr algn="l">
+              <a:defRPr sz="3200"/>
+            </a:lvl1pPr>
+          </a:lstStyle>
+          <a:p>
+            <a:r>
+              <a:rPr lang="ru-RU"/>
+              <a:t>Образец заголовка</a:t>
+            </a:r>
+            <a:endParaRPr lang="en-US" dirty="0"/>
+          </a:p>
+        </p:txBody>
+      </p:sp>
+      <p:sp>
+        <p:nvSpPr>
+          <p:cNvPr id="4" name="Text Placeholder 3"/>
+          <p:cNvSpPr>
+            <a:spLocks noGrp="1"/>
+          </p:cNvSpPr>
+          <p:nvPr>
+            <p:ph type="body" sz="half" idx="2"/>
+          </p:nvPr>
+        </p:nvSpPr>
+        <p:spPr>
+          <a:xfrm>
+            <a:off x="1024467" y="3649133"/>
+            <a:ext cx="10130516" cy="999067"/>
+          </a:xfrm>
+        </p:spPr>
+        <p:txBody>
+          <a:bodyPr anchor="ctr"/>
+          <a:lstStyle>
+            <a:lvl1pPr marL="0" indent="0">
+              <a:buNone/>
+              <a:defRPr sz="1600"/>
+            </a:lvl1pPr>
+            <a:lvl2pPr marL="457200" indent="0">
+              <a:buNone/>
+              <a:defRPr sz="1400"/>
+            </a:lvl2pPr>
+            <a:lvl3pPr marL="914400" indent="0">
+              <a:buNone/>
+              <a:defRPr sz="1200"/>
+            </a:lvl3pPr>
+            <a:lvl4pPr marL="1371600" indent="0">
+              <a:buNone/>
+              <a:defRPr sz="1000"/>
+            </a:lvl4pPr>
+            <a:lvl5pPr marL="1828800" indent="0">
+              <a:buNone/>
+              <a:defRPr sz="1000"/>
+            </a:lvl5pPr>
+            <a:lvl6pPr marL="2286000" indent="0">
+              <a:buNone/>
+              <a:defRPr sz="1000"/>
+            </a:lvl6pPr>
+            <a:lvl7pPr marL="2743200" indent="0">
+              <a:buNone/>
+              <a:defRPr sz="1000"/>
+            </a:lvl7pPr>
+            <a:lvl8pPr marL="3200400" indent="0">
+              <a:buNone/>
+              <a:defRPr sz="1000"/>
+            </a:lvl8pPr>
+            <a:lvl9pPr marL="3657600" indent="0">
+              <a:buNone/>
+              <a:defRPr sz="1000"/>
+            </a:lvl9pPr>
+          </a:lstStyle>
+          <a:p>
+            <a:pPr lvl="0"/>
+            <a:r>
+              <a:rPr lang="ru-RU"/>
+              <a:t>Образец текста</a:t>
+            </a:r>
+          </a:p>
+        </p:txBody>
+      </p:sp>
+      <p:sp>
+        <p:nvSpPr>
+          <p:cNvPr id="5" name="Date Placeholder 4"/>
+          <p:cNvSpPr>
+            <a:spLocks noGrp="1"/>
+          </p:cNvSpPr>
+          <p:nvPr>
+            <p:ph type="dt" sz="half" idx="10"/>
+          </p:nvPr>
+        </p:nvSpPr>
+        <p:spPr>
+          <a:xfrm>
+            <a:off x="7814452" y="381000"/>
+            <a:ext cx="2910840" cy="365125"/>
+          </a:xfrm>
+        </p:spPr>
+        <p:txBody>
+          <a:bodyPr/>
+          <a:lstStyle>
+            <a:lvl1pPr algn="r">
+              <a:defRPr/>
+            </a:lvl1pPr>
+          </a:lstStyle>
+          <a:p>
+            <a:fld id="{2D35C71F-6809-43C0-A892-EF4C918F4A43}" type="datetimeFigureOut">
+              <a:rPr lang="ru-RU" smtClean="0"/>
+              <a:t>17.04.2022</a:t>
+            </a:fld>
+            <a:endParaRPr lang="ru-RU"/>
+          </a:p>
+        </p:txBody>
+      </p:sp>
+      <p:sp>
+        <p:nvSpPr>
+          <p:cNvPr id="6" name="Footer Placeholder 5"/>
+          <p:cNvSpPr>
+            <a:spLocks noGrp="1"/>
+          </p:cNvSpPr>
+          <p:nvPr>
+            <p:ph type="ftr" sz="quarter" idx="11"/>
+          </p:nvPr>
+        </p:nvSpPr>
+        <p:spPr>
+          <a:xfrm>
+            <a:off x="685800" y="379941"/>
+            <a:ext cx="6991492" cy="365125"/>
+          </a:xfrm>
+        </p:spPr>
+        <p:txBody>
+          <a:bodyPr/>
+          <a:lstStyle/>
+          <a:p>
+            <a:endParaRPr lang="ru-RU"/>
+          </a:p>
+        </p:txBody>
+      </p:sp>
+      <p:sp>
+        <p:nvSpPr>
+          <p:cNvPr id="7" name="Slide Number Placeholder 6"/>
+          <p:cNvSpPr>
+            <a:spLocks noGrp="1"/>
+          </p:cNvSpPr>
+          <p:nvPr>
+            <p:ph type="sldNum" sz="quarter" idx="12"/>
+          </p:nvPr>
+        </p:nvSpPr>
+        <p:spPr>
+          <a:xfrm>
+            <a:off x="10862452" y="381000"/>
+            <a:ext cx="643748" cy="365125"/>
+          </a:xfrm>
+        </p:spPr>
+        <p:txBody>
+          <a:bodyPr/>
+          <a:lstStyle/>
+          <a:p>
+            <a:fld id="{8369EA29-5DDC-4077-9896-092CB85F640F}" type="slidenum">
+              <a:rPr lang="ru-RU" smtClean="0"/>
+              <a:t>‹#›</a:t>
+            </a:fld>
+            <a:endParaRPr lang="ru-RU"/>
+          </a:p>
+        </p:txBody>
+      </p:sp>
+    </p:spTree>
+    <p:extLst>
+      <p:ext uri="{BB962C8B-B14F-4D97-AF65-F5344CB8AC3E}">
+        <p14:creationId xmlns:p14="http://schemas.microsoft.com/office/powerpoint/2010/main" val="388110395"/>
+      </p:ext>
+    </p:extLst>
+  </p:cSld>
+  <p:clrMapOvr>
+    <a:masterClrMapping/>
+  </p:clrMapOvr>
+</p:sldLayout>
+</file>
+
+<file path=ppt/slideLayouts/slideLayout12.xml><?xml version="1.0" encoding="utf-8"?>
+<p:sldLayout xmlns:a="http://schemas.openxmlformats.org/drawingml/2006/main" xmlns:r="http://schemas.openxmlformats.org/officeDocument/2006/relationships" xmlns:p="http://schemas.openxmlformats.org/presentationml/2006/main" showMasterSp="0" preserve="1">
+  <p:cSld name="Цитата с подписью">
+    <p:spTree>
+      <p:nvGrpSpPr>
+        <p:cNvPr id="1" name=""/>
+        <p:cNvGrpSpPr/>
+        <p:nvPr/>
+      </p:nvGrpSpPr>
+      <p:grpSpPr>
+        <a:xfrm>
+          <a:off x="0" y="0"/>
+          <a:ext cx="0" cy="0"/>
+          <a:chOff x="0" y="0"/>
+          <a:chExt cx="0" cy="0"/>
+        </a:xfrm>
+      </p:grpSpPr>
+      <p:pic>
+        <p:nvPicPr>
+          <p:cNvPr id="13" name="Picture 12" descr="C0-HD-BTM.png"/>
+          <p:cNvPicPr>
+            <a:picLocks noChangeAspect="1"/>
+          </p:cNvPicPr>
+          <p:nvPr/>
+        </p:nvPicPr>
+        <p:blipFill>
+          <a:blip r:embed="rId2">
+            <a:extLst>
+              <a:ext uri="{28A0092B-C50C-407E-A947-70E740481C1C}">
+                <a14:useLocalDpi xmlns:a14="http://schemas.microsoft.com/office/drawing/2010/main" val="0"/>
+              </a:ext>
+            </a:extLst>
+          </a:blip>
+          <a:stretch>
+            <a:fillRect/>
+          </a:stretch>
+        </p:blipFill>
+        <p:spPr>
+          <a:xfrm>
+            <a:off x="0" y="4375150"/>
+            <a:ext cx="12192000" cy="2482850"/>
+          </a:xfrm>
+          <a:prstGeom prst="rect">
+            <a:avLst/>
+          </a:prstGeom>
+        </p:spPr>
+      </p:pic>
+      <p:sp>
+        <p:nvSpPr>
+          <p:cNvPr id="2" name="Title 1"/>
+          <p:cNvSpPr>
+            <a:spLocks noGrp="1"/>
+          </p:cNvSpPr>
+          <p:nvPr>
+            <p:ph type="title"/>
+          </p:nvPr>
+        </p:nvSpPr>
+        <p:spPr>
+          <a:xfrm>
+            <a:off x="1024467" y="753533"/>
+            <a:ext cx="10151533" cy="2604495"/>
+          </a:xfrm>
+        </p:spPr>
+        <p:txBody>
+          <a:bodyPr anchor="ctr"/>
+          <a:lstStyle>
+            <a:lvl1pPr algn="l">
+              <a:defRPr sz="3200"/>
+            </a:lvl1pPr>
+          </a:lstStyle>
+          <a:p>
+            <a:r>
+              <a:rPr lang="ru-RU"/>
+              <a:t>Образец заголовка</a:t>
+            </a:r>
+            <a:endParaRPr lang="en-US" dirty="0"/>
+          </a:p>
+        </p:txBody>
+      </p:sp>
+      <p:sp>
+        <p:nvSpPr>
+          <p:cNvPr id="12" name="Text Placeholder 3"/>
+          <p:cNvSpPr>
+            <a:spLocks noGrp="1"/>
+          </p:cNvSpPr>
+          <p:nvPr>
+            <p:ph type="body" sz="half" idx="13"/>
+          </p:nvPr>
+        </p:nvSpPr>
+        <p:spPr>
+          <a:xfrm>
+            <a:off x="1303865" y="3365556"/>
+            <a:ext cx="9592736" cy="444443"/>
+          </a:xfrm>
+        </p:spPr>
+        <p:txBody>
+          <a:bodyPr anchor="t">
+            <a:normAutofit/>
+          </a:bodyPr>
+          <a:lstStyle>
+            <a:lvl1pPr marL="0" indent="0">
+              <a:buNone/>
+              <a:defRPr sz="1400"/>
+            </a:lvl1pPr>
+            <a:lvl2pPr marL="457200" indent="0">
+              <a:buNone/>
+              <a:defRPr sz="1400"/>
+            </a:lvl2pPr>
+            <a:lvl3pPr marL="914400" indent="0">
+              <a:buNone/>
+              <a:defRPr sz="1200"/>
+            </a:lvl3pPr>
+            <a:lvl4pPr marL="1371600" indent="0">
+              <a:buNone/>
+              <a:defRPr sz="1000"/>
+            </a:lvl4pPr>
+            <a:lvl5pPr marL="1828800" indent="0">
+              <a:buNone/>
+              <a:defRPr sz="1000"/>
+            </a:lvl5pPr>
+            <a:lvl6pPr marL="2286000" indent="0">
+              <a:buNone/>
+              <a:defRPr sz="1000"/>
+            </a:lvl6pPr>
+            <a:lvl7pPr marL="2743200" indent="0">
+              <a:buNone/>
+              <a:defRPr sz="1000"/>
+            </a:lvl7pPr>
+            <a:lvl8pPr marL="3200400" indent="0">
+              <a:buNone/>
+              <a:defRPr sz="1000"/>
+            </a:lvl8pPr>
+            <a:lvl9pPr marL="3657600" indent="0">
+              <a:buNone/>
+              <a:defRPr sz="1000"/>
+            </a:lvl9pPr>
+          </a:lstStyle>
+          <a:p>
+            <a:pPr lvl="0"/>
+            <a:r>
+              <a:rPr lang="ru-RU"/>
+              <a:t>Образец текста</a:t>
+            </a:r>
+          </a:p>
+        </p:txBody>
+      </p:sp>
+      <p:sp>
+        <p:nvSpPr>
+          <p:cNvPr id="4" name="Text Placeholder 3"/>
+          <p:cNvSpPr>
+            <a:spLocks noGrp="1"/>
+          </p:cNvSpPr>
+          <p:nvPr>
+            <p:ph type="body" sz="half" idx="2"/>
+          </p:nvPr>
+        </p:nvSpPr>
+        <p:spPr>
+          <a:xfrm>
+            <a:off x="1024467" y="3959862"/>
+            <a:ext cx="10151533" cy="679871"/>
+          </a:xfrm>
+        </p:spPr>
+        <p:txBody>
+          <a:bodyPr anchor="ctr">
+            <a:normAutofit/>
+          </a:bodyPr>
+          <a:lstStyle>
+            <a:lvl1pPr marL="0" indent="0">
+              <a:buNone/>
+              <a:defRPr sz="1600"/>
+            </a:lvl1pPr>
+            <a:lvl2pPr marL="457200" indent="0">
+              <a:buNone/>
+              <a:defRPr sz="1400"/>
+            </a:lvl2pPr>
+            <a:lvl3pPr marL="914400" indent="0">
+              <a:buNone/>
+              <a:defRPr sz="1200"/>
+            </a:lvl3pPr>
+            <a:lvl4pPr marL="1371600" indent="0">
+              <a:buNone/>
+              <a:defRPr sz="1000"/>
+            </a:lvl4pPr>
+            <a:lvl5pPr marL="1828800" indent="0">
+              <a:buNone/>
+              <a:defRPr sz="1000"/>
+            </a:lvl5pPr>
+            <a:lvl6pPr marL="2286000" indent="0">
+              <a:buNone/>
+              <a:defRPr sz="1000"/>
+            </a:lvl6pPr>
+            <a:lvl7pPr marL="2743200" indent="0">
+              <a:buNone/>
+              <a:defRPr sz="1000"/>
+            </a:lvl7pPr>
+            <a:lvl8pPr marL="3200400" indent="0">
+              <a:buNone/>
+              <a:defRPr sz="1000"/>
+            </a:lvl8pPr>
+            <a:lvl9pPr marL="3657600" indent="0">
+              <a:buNone/>
+              <a:defRPr sz="1000"/>
+            </a:lvl9pPr>
+          </a:lstStyle>
+          <a:p>
+            <a:pPr lvl="0"/>
+            <a:r>
+              <a:rPr lang="ru-RU"/>
+              <a:t>Образец текста</a:t>
+            </a:r>
+          </a:p>
+        </p:txBody>
+      </p:sp>
+      <p:sp>
+        <p:nvSpPr>
+          <p:cNvPr id="5" name="Date Placeholder 4"/>
+          <p:cNvSpPr>
+            <a:spLocks noGrp="1"/>
+          </p:cNvSpPr>
+          <p:nvPr>
+            <p:ph type="dt" sz="half" idx="10"/>
+          </p:nvPr>
+        </p:nvSpPr>
+        <p:spPr>
+          <a:xfrm>
+            <a:off x="7814452" y="381000"/>
+            <a:ext cx="2910840" cy="365125"/>
+          </a:xfrm>
+        </p:spPr>
+        <p:txBody>
+          <a:bodyPr/>
+          <a:lstStyle>
+            <a:lvl1pPr algn="r">
+              <a:defRPr/>
+            </a:lvl1pPr>
+          </a:lstStyle>
+          <a:p>
+            <a:fld id="{2D35C71F-6809-43C0-A892-EF4C918F4A43}" type="datetimeFigureOut">
+              <a:rPr lang="ru-RU" smtClean="0"/>
+              <a:t>17.04.2022</a:t>
+            </a:fld>
+            <a:endParaRPr lang="ru-RU"/>
+          </a:p>
+        </p:txBody>
+      </p:sp>
+      <p:sp>
+        <p:nvSpPr>
+          <p:cNvPr id="6" name="Footer Placeholder 5"/>
+          <p:cNvSpPr>
+            <a:spLocks noGrp="1"/>
+          </p:cNvSpPr>
+          <p:nvPr>
+            <p:ph type="ftr" sz="quarter" idx="11"/>
+          </p:nvPr>
+        </p:nvSpPr>
+        <p:spPr>
+          <a:xfrm>
+            <a:off x="685800" y="379941"/>
+            <a:ext cx="6991492" cy="365125"/>
+          </a:xfrm>
+        </p:spPr>
+        <p:txBody>
+          <a:bodyPr/>
+          <a:lstStyle/>
+          <a:p>
+            <a:endParaRPr lang="ru-RU"/>
+          </a:p>
+        </p:txBody>
+      </p:sp>
+      <p:sp>
+        <p:nvSpPr>
+          <p:cNvPr id="7" name="Slide Number Placeholder 6"/>
+          <p:cNvSpPr>
+            <a:spLocks noGrp="1"/>
+          </p:cNvSpPr>
+          <p:nvPr>
+            <p:ph type="sldNum" sz="quarter" idx="12"/>
+          </p:nvPr>
+        </p:nvSpPr>
+        <p:spPr>
+          <a:xfrm>
+            <a:off x="10862452" y="381000"/>
+            <a:ext cx="643748" cy="365125"/>
+          </a:xfrm>
+        </p:spPr>
+        <p:txBody>
+          <a:bodyPr/>
+          <a:lstStyle/>
+          <a:p>
+            <a:fld id="{8369EA29-5DDC-4077-9896-092CB85F640F}" type="slidenum">
+              <a:rPr lang="ru-RU" smtClean="0"/>
+              <a:t>‹#›</a:t>
+            </a:fld>
+            <a:endParaRPr lang="ru-RU"/>
+          </a:p>
+        </p:txBody>
+      </p:sp>
+      <p:sp>
+        <p:nvSpPr>
+          <p:cNvPr id="9" name="TextBox 8"/>
+          <p:cNvSpPr txBox="1"/>
+          <p:nvPr/>
+        </p:nvSpPr>
+        <p:spPr>
+          <a:xfrm>
+            <a:off x="476250" y="933450"/>
+            <a:ext cx="609600" cy="584776"/>
+          </a:xfrm>
+          <a:prstGeom prst="rect">
+            <a:avLst/>
+          </a:prstGeom>
+        </p:spPr>
+        <p:txBody>
+          <a:bodyPr vert="horz" lIns="91440" tIns="45720" rIns="91440" bIns="45720" rtlCol="0" anchor="ctr">
+            <a:noAutofit/>
+          </a:bodyPr>
+          <a:lstStyle>
+            <a:lvl1pPr>
+              <a:spcBef>
+                <a:spcPct val="0"/>
+              </a:spcBef>
+              <a:buNone/>
+              <a:defRPr sz="3200" b="0" cap="all">
+                <a:ln w="3175" cmpd="sng">
+                  <a:noFill/>
+                </a:ln>
+                <a:effectLst>
+                  <a:glow rad="38100">
+                    <a:schemeClr val="bg1">
+                      <a:lumMod val="65000"/>
+                      <a:lumOff val="35000"/>
+                      <a:alpha val="40000"/>
+                    </a:schemeClr>
+                  </a:glow>
+                  <a:outerShdw blurRad="28575" dist="38100" dir="14040000" algn="tl" rotWithShape="0">
+                    <a:srgbClr val="000000">
+                      <a:alpha val="25000"/>
+                    </a:srgbClr>
+                  </a:outerShdw>
+                </a:effectLst>
+              </a:defRPr>
+            </a:lvl1pPr>
+            <a:lvl2pPr>
+              <a:defRPr>
+                <a:solidFill>
+                  <a:schemeClr val="tx2"/>
+                </a:solidFill>
+              </a:defRPr>
+            </a:lvl2pPr>
+            <a:lvl3pPr>
+              <a:defRPr>
+                <a:solidFill>
+                  <a:schemeClr val="tx2"/>
+                </a:solidFill>
+              </a:defRPr>
+            </a:lvl3pPr>
+            <a:lvl4pPr>
+              <a:defRPr>
+                <a:solidFill>
+                  <a:schemeClr val="tx2"/>
+                </a:solidFill>
+              </a:defRPr>
+            </a:lvl4pPr>
+            <a:lvl5pPr>
+              <a:defRPr>
+                <a:solidFill>
+                  <a:schemeClr val="tx2"/>
+                </a:solidFill>
+              </a:defRPr>
+            </a:lvl5pPr>
+            <a:lvl6pPr>
+              <a:defRPr>
+                <a:solidFill>
+                  <a:schemeClr val="tx2"/>
+                </a:solidFill>
+              </a:defRPr>
+            </a:lvl6pPr>
+            <a:lvl7pPr>
+              <a:defRPr>
+                <a:solidFill>
+                  <a:schemeClr val="tx2"/>
+                </a:solidFill>
+              </a:defRPr>
+            </a:lvl7pPr>
+            <a:lvl8pPr>
+              <a:defRPr>
+                <a:solidFill>
+                  <a:schemeClr val="tx2"/>
+                </a:solidFill>
+              </a:defRPr>
+            </a:lvl8pPr>
+            <a:lvl9pPr>
+              <a:defRPr>
+                <a:solidFill>
+                  <a:schemeClr val="tx2"/>
+                </a:solidFill>
+              </a:defRPr>
+            </a:lvl9pPr>
+          </a:lstStyle>
+          <a:p>
+            <a:pPr lvl="0"/>
+            <a:r>
+              <a:rPr lang="en-US" sz="8000" dirty="0">
+                <a:solidFill>
+                  <a:schemeClr val="tx1"/>
+                </a:solidFill>
+                <a:effectLst/>
+              </a:rPr>
+              <a:t>“</a:t>
+            </a:r>
+          </a:p>
+        </p:txBody>
+      </p:sp>
+      <p:sp>
+        <p:nvSpPr>
+          <p:cNvPr id="10" name="TextBox 9"/>
+          <p:cNvSpPr txBox="1"/>
+          <p:nvPr/>
+        </p:nvSpPr>
+        <p:spPr>
+          <a:xfrm>
+            <a:off x="10984230" y="2701290"/>
+            <a:ext cx="609600" cy="584776"/>
+          </a:xfrm>
+          <a:prstGeom prst="rect">
+            <a:avLst/>
+          </a:prstGeom>
+        </p:spPr>
+        <p:txBody>
+          <a:bodyPr vert="horz" lIns="91440" tIns="45720" rIns="91440" bIns="45720" rtlCol="0" anchor="ctr">
+            <a:noAutofit/>
+          </a:bodyPr>
+          <a:lstStyle>
+            <a:lvl1pPr>
+              <a:spcBef>
+                <a:spcPct val="0"/>
+              </a:spcBef>
+              <a:buNone/>
+              <a:defRPr sz="3200" b="0" cap="all">
+                <a:ln w="3175" cmpd="sng">
+                  <a:noFill/>
+                </a:ln>
+                <a:effectLst>
+                  <a:glow rad="38100">
+                    <a:schemeClr val="bg1">
+                      <a:lumMod val="65000"/>
+                      <a:lumOff val="35000"/>
+                      <a:alpha val="40000"/>
+                    </a:schemeClr>
+                  </a:glow>
+                  <a:outerShdw blurRad="28575" dist="38100" dir="14040000" algn="tl" rotWithShape="0">
+                    <a:srgbClr val="000000">
+                      <a:alpha val="25000"/>
+                    </a:srgbClr>
+                  </a:outerShdw>
+                </a:effectLst>
+              </a:defRPr>
+            </a:lvl1pPr>
+            <a:lvl2pPr>
+              <a:defRPr>
+                <a:solidFill>
+                  <a:schemeClr val="tx2"/>
+                </a:solidFill>
+              </a:defRPr>
+            </a:lvl2pPr>
+            <a:lvl3pPr>
+              <a:defRPr>
+                <a:solidFill>
+                  <a:schemeClr val="tx2"/>
+                </a:solidFill>
+              </a:defRPr>
+            </a:lvl3pPr>
+            <a:lvl4pPr>
+              <a:defRPr>
+                <a:solidFill>
+                  <a:schemeClr val="tx2"/>
+                </a:solidFill>
+              </a:defRPr>
+            </a:lvl4pPr>
+            <a:lvl5pPr>
+              <a:defRPr>
+                <a:solidFill>
+                  <a:schemeClr val="tx2"/>
+                </a:solidFill>
+              </a:defRPr>
+            </a:lvl5pPr>
+            <a:lvl6pPr>
+              <a:defRPr>
+                <a:solidFill>
+                  <a:schemeClr val="tx2"/>
+                </a:solidFill>
+              </a:defRPr>
+            </a:lvl6pPr>
+            <a:lvl7pPr>
+              <a:defRPr>
+                <a:solidFill>
+                  <a:schemeClr val="tx2"/>
+                </a:solidFill>
+              </a:defRPr>
+            </a:lvl7pPr>
+            <a:lvl8pPr>
+              <a:defRPr>
+                <a:solidFill>
+                  <a:schemeClr val="tx2"/>
+                </a:solidFill>
+              </a:defRPr>
+            </a:lvl8pPr>
+            <a:lvl9pPr>
+              <a:defRPr>
+                <a:solidFill>
+                  <a:schemeClr val="tx2"/>
+                </a:solidFill>
+              </a:defRPr>
+            </a:lvl9pPr>
+          </a:lstStyle>
+          <a:p>
+            <a:pPr lvl="0" algn="r"/>
+            <a:r>
+              <a:rPr lang="en-US" sz="8000" dirty="0">
+                <a:solidFill>
+                  <a:schemeClr val="tx1"/>
+                </a:solidFill>
+                <a:effectLst/>
+              </a:rPr>
+              <a:t>”</a:t>
+            </a:r>
+          </a:p>
+        </p:txBody>
+      </p:sp>
+    </p:spTree>
+    <p:extLst>
+      <p:ext uri="{BB962C8B-B14F-4D97-AF65-F5344CB8AC3E}">
+        <p14:creationId xmlns:p14="http://schemas.microsoft.com/office/powerpoint/2010/main" val="84405464"/>
+      </p:ext>
+    </p:extLst>
+  </p:cSld>
+  <p:clrMapOvr>
+    <a:masterClrMapping/>
+  </p:clrMapOvr>
+</p:sldLayout>
+</file>
+
+<file path=ppt/slideLayouts/slideLayout13.xml><?xml version="1.0" encoding="utf-8"?>
+<p:sldLayout xmlns:a="http://schemas.openxmlformats.org/drawingml/2006/main" xmlns:r="http://schemas.openxmlformats.org/officeDocument/2006/relationships" xmlns:p="http://schemas.openxmlformats.org/presentationml/2006/main" showMasterSp="0" preserve="1">
+  <p:cSld name="Карточка имени">
+    <p:spTree>
+      <p:nvGrpSpPr>
+        <p:cNvPr id="1" name=""/>
+        <p:cNvGrpSpPr/>
+        <p:nvPr/>
+      </p:nvGrpSpPr>
+      <p:grpSpPr>
+        <a:xfrm>
+          <a:off x="0" y="0"/>
+          <a:ext cx="0" cy="0"/>
+          <a:chOff x="0" y="0"/>
+          <a:chExt cx="0" cy="0"/>
+        </a:xfrm>
+      </p:grpSpPr>
+      <p:pic>
+        <p:nvPicPr>
+          <p:cNvPr id="9" name="Picture 8" descr="C0-HD-BTM.png"/>
+          <p:cNvPicPr>
+            <a:picLocks noChangeAspect="1"/>
+          </p:cNvPicPr>
+          <p:nvPr/>
+        </p:nvPicPr>
+        <p:blipFill>
+          <a:blip r:embed="rId2">
+            <a:extLst>
+              <a:ext uri="{28A0092B-C50C-407E-A947-70E740481C1C}">
+                <a14:useLocalDpi xmlns:a14="http://schemas.microsoft.com/office/drawing/2010/main" val="0"/>
+              </a:ext>
+            </a:extLst>
+          </a:blip>
+          <a:stretch>
+            <a:fillRect/>
+          </a:stretch>
+        </p:blipFill>
+        <p:spPr>
+          <a:xfrm>
+            <a:off x="0" y="4375150"/>
+            <a:ext cx="12192000" cy="2482850"/>
+          </a:xfrm>
+          <a:prstGeom prst="rect">
+            <a:avLst/>
+          </a:prstGeom>
+        </p:spPr>
+      </p:pic>
+      <p:sp>
+        <p:nvSpPr>
+          <p:cNvPr id="2" name="Title 1"/>
+          <p:cNvSpPr>
+            <a:spLocks noGrp="1"/>
+          </p:cNvSpPr>
+          <p:nvPr>
+            <p:ph type="title"/>
+          </p:nvPr>
+        </p:nvSpPr>
+        <p:spPr>
+          <a:xfrm>
+            <a:off x="1024495" y="1124701"/>
+            <a:ext cx="10146186" cy="2511835"/>
+          </a:xfrm>
+        </p:spPr>
+        <p:txBody>
+          <a:bodyPr anchor="b"/>
+          <a:lstStyle>
+            <a:lvl1pPr algn="l">
+              <a:defRPr sz="3200"/>
+            </a:lvl1pPr>
+          </a:lstStyle>
+          <a:p>
+            <a:r>
+              <a:rPr lang="ru-RU"/>
+              <a:t>Образец заголовка</a:t>
+            </a:r>
+            <a:endParaRPr lang="en-US" dirty="0"/>
+          </a:p>
+        </p:txBody>
+      </p:sp>
+      <p:sp>
+        <p:nvSpPr>
+          <p:cNvPr id="4" name="Text Placeholder 3"/>
+          <p:cNvSpPr>
+            <a:spLocks noGrp="1"/>
+          </p:cNvSpPr>
+          <p:nvPr>
+            <p:ph type="body" sz="half" idx="2"/>
+          </p:nvPr>
+        </p:nvSpPr>
+        <p:spPr>
+          <a:xfrm>
+            <a:off x="1024467" y="3648315"/>
+            <a:ext cx="10144654" cy="999885"/>
+          </a:xfrm>
+        </p:spPr>
+        <p:txBody>
+          <a:bodyPr anchor="t"/>
+          <a:lstStyle>
+            <a:lvl1pPr marL="0" indent="0">
+              <a:buNone/>
+              <a:defRPr sz="1600"/>
+            </a:lvl1pPr>
+            <a:lvl2pPr marL="457200" indent="0">
+              <a:buNone/>
+              <a:defRPr sz="1400"/>
+            </a:lvl2pPr>
+            <a:lvl3pPr marL="914400" indent="0">
+              <a:buNone/>
+              <a:defRPr sz="1200"/>
+            </a:lvl3pPr>
+            <a:lvl4pPr marL="1371600" indent="0">
+              <a:buNone/>
+              <a:defRPr sz="1000"/>
+            </a:lvl4pPr>
+            <a:lvl5pPr marL="1828800" indent="0">
+              <a:buNone/>
+              <a:defRPr sz="1000"/>
+            </a:lvl5pPr>
+            <a:lvl6pPr marL="2286000" indent="0">
+              <a:buNone/>
+              <a:defRPr sz="1000"/>
+            </a:lvl6pPr>
+            <a:lvl7pPr marL="2743200" indent="0">
+              <a:buNone/>
+              <a:defRPr sz="1000"/>
+            </a:lvl7pPr>
+            <a:lvl8pPr marL="3200400" indent="0">
+              <a:buNone/>
+              <a:defRPr sz="1000"/>
+            </a:lvl8pPr>
+            <a:lvl9pPr marL="3657600" indent="0">
+              <a:buNone/>
+              <a:defRPr sz="1000"/>
+            </a:lvl9pPr>
+          </a:lstStyle>
+          <a:p>
+            <a:pPr lvl="0"/>
+            <a:r>
+              <a:rPr lang="ru-RU"/>
+              <a:t>Образец текста</a:t>
+            </a:r>
+          </a:p>
+        </p:txBody>
+      </p:sp>
+      <p:sp>
+        <p:nvSpPr>
+          <p:cNvPr id="5" name="Date Placeholder 4"/>
+          <p:cNvSpPr>
+            <a:spLocks noGrp="1"/>
+          </p:cNvSpPr>
+          <p:nvPr>
+            <p:ph type="dt" sz="half" idx="10"/>
+          </p:nvPr>
+        </p:nvSpPr>
+        <p:spPr>
+          <a:xfrm>
+            <a:off x="7814452" y="378883"/>
+            <a:ext cx="2910840" cy="365125"/>
+          </a:xfrm>
+        </p:spPr>
+        <p:txBody>
+          <a:bodyPr/>
+          <a:lstStyle>
+            <a:lvl1pPr algn="r">
+              <a:defRPr/>
+            </a:lvl1pPr>
+          </a:lstStyle>
+          <a:p>
+            <a:fld id="{2D35C71F-6809-43C0-A892-EF4C918F4A43}" type="datetimeFigureOut">
+              <a:rPr lang="ru-RU" smtClean="0"/>
+              <a:t>17.04.2022</a:t>
+            </a:fld>
+            <a:endParaRPr lang="ru-RU"/>
+          </a:p>
+        </p:txBody>
+      </p:sp>
+      <p:sp>
+        <p:nvSpPr>
+          <p:cNvPr id="6" name="Footer Placeholder 5"/>
+          <p:cNvSpPr>
+            <a:spLocks noGrp="1"/>
+          </p:cNvSpPr>
+          <p:nvPr>
+            <p:ph type="ftr" sz="quarter" idx="11"/>
+          </p:nvPr>
+        </p:nvSpPr>
+        <p:spPr>
+          <a:xfrm>
+            <a:off x="685800" y="378883"/>
+            <a:ext cx="6991492" cy="365125"/>
+          </a:xfrm>
+        </p:spPr>
+        <p:txBody>
+          <a:bodyPr/>
+          <a:lstStyle/>
+          <a:p>
+            <a:endParaRPr lang="ru-RU"/>
+          </a:p>
+        </p:txBody>
+      </p:sp>
+      <p:sp>
+        <p:nvSpPr>
+          <p:cNvPr id="7" name="Slide Number Placeholder 6"/>
+          <p:cNvSpPr>
+            <a:spLocks noGrp="1"/>
+          </p:cNvSpPr>
+          <p:nvPr>
+            <p:ph type="sldNum" sz="quarter" idx="12"/>
+          </p:nvPr>
+        </p:nvSpPr>
+        <p:spPr>
+          <a:xfrm>
+            <a:off x="10862452" y="381000"/>
+            <a:ext cx="643748" cy="365125"/>
+          </a:xfrm>
+        </p:spPr>
+        <p:txBody>
+          <a:bodyPr/>
+          <a:lstStyle/>
+          <a:p>
+            <a:fld id="{8369EA29-5DDC-4077-9896-092CB85F640F}" type="slidenum">
+              <a:rPr lang="ru-RU" smtClean="0"/>
+              <a:t>‹#›</a:t>
+            </a:fld>
+            <a:endParaRPr lang="ru-RU"/>
+          </a:p>
+        </p:txBody>
+      </p:sp>
+    </p:spTree>
+    <p:extLst>
+      <p:ext uri="{BB962C8B-B14F-4D97-AF65-F5344CB8AC3E}">
+        <p14:creationId xmlns:p14="http://schemas.microsoft.com/office/powerpoint/2010/main" val="1329310150"/>
+      </p:ext>
+    </p:extLst>
+  </p:cSld>
+  <p:clrMapOvr>
+    <a:masterClrMapping/>
+  </p:clrMapOvr>
+</p:sldLayout>
+</file>
+
+<file path=ppt/slideLayouts/slideLayout14.xml><?xml version="1.0" encoding="utf-8"?>
+<p:sldLayout xmlns:a="http://schemas.openxmlformats.org/drawingml/2006/main" xmlns:r="http://schemas.openxmlformats.org/officeDocument/2006/relationships" xmlns:p="http://schemas.openxmlformats.org/presentationml/2006/main" preserve="1">
+  <p:cSld name="Три колонки">
+    <p:spTree>
+      <p:nvGrpSpPr>
+        <p:cNvPr id="1" name=""/>
+        <p:cNvGrpSpPr/>
+        <p:nvPr/>
+      </p:nvGrpSpPr>
+      <p:grpSpPr>
+        <a:xfrm>
+          <a:off x="0" y="0"/>
+          <a:ext cx="0" cy="0"/>
+          <a:chOff x="0" y="0"/>
+          <a:chExt cx="0" cy="0"/>
+        </a:xfrm>
+      </p:grpSpPr>
+      <p:sp>
+        <p:nvSpPr>
+          <p:cNvPr id="15" name="Title 1"/>
+          <p:cNvSpPr>
+            <a:spLocks noGrp="1"/>
+          </p:cNvSpPr>
+          <p:nvPr>
+            <p:ph type="title"/>
+          </p:nvPr>
+        </p:nvSpPr>
+        <p:spPr>
+          <a:xfrm>
+            <a:off x="2895600" y="761999"/>
+            <a:ext cx="8610599" cy="1303867"/>
+          </a:xfrm>
+        </p:spPr>
+        <p:txBody>
+          <a:bodyPr/>
+          <a:lstStyle/>
+          <a:p>
+            <a:r>
+              <a:rPr lang="ru-RU"/>
+              <a:t>Образец заголовка</a:t>
+            </a:r>
+            <a:endParaRPr lang="en-US" dirty="0"/>
+          </a:p>
+        </p:txBody>
+      </p:sp>
+      <p:sp>
+        <p:nvSpPr>
+          <p:cNvPr id="7" name="Text Placeholder 2"/>
+          <p:cNvSpPr>
+            <a:spLocks noGrp="1"/>
+          </p:cNvSpPr>
+          <p:nvPr>
+            <p:ph type="body" idx="1"/>
+          </p:nvPr>
+        </p:nvSpPr>
+        <p:spPr>
+          <a:xfrm>
+            <a:off x="685800" y="2202080"/>
+            <a:ext cx="3456432" cy="617320"/>
+          </a:xfrm>
+        </p:spPr>
+        <p:txBody>
+          <a:bodyPr anchor="b">
+            <a:noAutofit/>
+          </a:bodyPr>
+          <a:lstStyle>
+            <a:lvl1pPr marL="0" indent="0">
+              <a:buNone/>
+              <a:defRPr sz="2400" b="0">
+                <a:solidFill>
+                  <a:schemeClr val="tx1"/>
+                </a:solidFill>
+              </a:defRPr>
+            </a:lvl1pPr>
+            <a:lvl2pPr marL="457200" indent="0">
+              <a:buNone/>
+              <a:defRPr sz="2000" b="1"/>
+            </a:lvl2pPr>
+            <a:lvl3pPr marL="914400" indent="0">
+              <a:buNone/>
+              <a:defRPr sz="1800" b="1"/>
+            </a:lvl3pPr>
+            <a:lvl4pPr marL="1371600" indent="0">
+              <a:buNone/>
+              <a:defRPr sz="1600" b="1"/>
+            </a:lvl4pPr>
+            <a:lvl5pPr marL="1828800" indent="0">
+              <a:buNone/>
+              <a:defRPr sz="1600" b="1"/>
+            </a:lvl5pPr>
+            <a:lvl6pPr marL="2286000" indent="0">
+              <a:buNone/>
+              <a:defRPr sz="1600" b="1"/>
+            </a:lvl6pPr>
+            <a:lvl7pPr marL="2743200" indent="0">
+              <a:buNone/>
+              <a:defRPr sz="1600" b="1"/>
+            </a:lvl7pPr>
+            <a:lvl8pPr marL="3200400" indent="0">
+              <a:buNone/>
+              <a:defRPr sz="1600" b="1"/>
+            </a:lvl8pPr>
+            <a:lvl9pPr marL="3657600" indent="0">
+              <a:buNone/>
+              <a:defRPr sz="1600" b="1"/>
+            </a:lvl9pPr>
+          </a:lstStyle>
+          <a:p>
+            <a:pPr lvl="0"/>
+            <a:r>
+              <a:rPr lang="ru-RU"/>
+              <a:t>Образец текста</a:t>
+            </a:r>
+          </a:p>
+        </p:txBody>
+      </p:sp>
+      <p:sp>
+        <p:nvSpPr>
+          <p:cNvPr id="8" name="Text Placeholder 3"/>
+          <p:cNvSpPr>
+            <a:spLocks noGrp="1"/>
+          </p:cNvSpPr>
+          <p:nvPr>
+            <p:ph type="body" sz="half" idx="15"/>
+          </p:nvPr>
+        </p:nvSpPr>
+        <p:spPr>
+          <a:xfrm>
+            <a:off x="685799" y="2904565"/>
+            <a:ext cx="3456432" cy="3314132"/>
+          </a:xfrm>
+        </p:spPr>
+        <p:txBody>
+          <a:bodyPr anchor="t">
+            <a:normAutofit/>
+          </a:bodyPr>
+          <a:lstStyle>
+            <a:lvl1pPr marL="0" indent="0">
+              <a:buNone/>
+              <a:defRPr sz="1400"/>
+            </a:lvl1pPr>
+            <a:lvl2pPr marL="457200" indent="0">
+              <a:buNone/>
+              <a:defRPr sz="1200"/>
+            </a:lvl2pPr>
+            <a:lvl3pPr marL="914400" indent="0">
+              <a:buNone/>
+              <a:defRPr sz="1000"/>
+            </a:lvl3pPr>
+            <a:lvl4pPr marL="1371600" indent="0">
+              <a:buNone/>
+              <a:defRPr sz="900"/>
+            </a:lvl4pPr>
+            <a:lvl5pPr marL="1828800" indent="0">
+              <a:buNone/>
+              <a:defRPr sz="900"/>
+            </a:lvl5pPr>
+            <a:lvl6pPr marL="2286000" indent="0">
+              <a:buNone/>
+              <a:defRPr sz="900"/>
+            </a:lvl6pPr>
+            <a:lvl7pPr marL="2743200" indent="0">
+              <a:buNone/>
+              <a:defRPr sz="900"/>
+            </a:lvl7pPr>
+            <a:lvl8pPr marL="3200400" indent="0">
+              <a:buNone/>
+              <a:defRPr sz="900"/>
+            </a:lvl8pPr>
+            <a:lvl9pPr marL="3657600" indent="0">
+              <a:buNone/>
+              <a:defRPr sz="900"/>
+            </a:lvl9pPr>
+          </a:lstStyle>
+          <a:p>
+            <a:pPr lvl="0"/>
+            <a:r>
+              <a:rPr lang="ru-RU"/>
+              <a:t>Образец текста</a:t>
+            </a:r>
+          </a:p>
+        </p:txBody>
+      </p:sp>
+      <p:sp>
+        <p:nvSpPr>
+          <p:cNvPr id="9" name="Text Placeholder 4"/>
+          <p:cNvSpPr>
+            <a:spLocks noGrp="1"/>
+          </p:cNvSpPr>
+          <p:nvPr>
+            <p:ph type="body" sz="quarter" idx="3"/>
+          </p:nvPr>
+        </p:nvSpPr>
+        <p:spPr>
+          <a:xfrm>
+            <a:off x="4368800" y="2201333"/>
+            <a:ext cx="3456432" cy="626534"/>
+          </a:xfrm>
+        </p:spPr>
+        <p:txBody>
+          <a:bodyPr anchor="b">
+            <a:noAutofit/>
+          </a:bodyPr>
+          <a:lstStyle>
+            <a:lvl1pPr marL="0" indent="0">
+              <a:buNone/>
+              <a:defRPr sz="2400" b="0">
+                <a:solidFill>
+                  <a:schemeClr val="tx1"/>
+                </a:solidFill>
+              </a:defRPr>
+            </a:lvl1pPr>
+            <a:lvl2pPr marL="457200" indent="0">
+              <a:buNone/>
+              <a:defRPr sz="2000" b="1"/>
+            </a:lvl2pPr>
+            <a:lvl3pPr marL="914400" indent="0">
+              <a:buNone/>
+              <a:defRPr sz="1800" b="1"/>
+            </a:lvl3pPr>
+            <a:lvl4pPr marL="1371600" indent="0">
+              <a:buNone/>
+              <a:defRPr sz="1600" b="1"/>
+            </a:lvl4pPr>
+            <a:lvl5pPr marL="1828800" indent="0">
+              <a:buNone/>
+              <a:defRPr sz="1600" b="1"/>
+            </a:lvl5pPr>
+            <a:lvl6pPr marL="2286000" indent="0">
+              <a:buNone/>
+              <a:defRPr sz="1600" b="1"/>
+            </a:lvl6pPr>
+            <a:lvl7pPr marL="2743200" indent="0">
+              <a:buNone/>
+              <a:defRPr sz="1600" b="1"/>
+            </a:lvl7pPr>
+            <a:lvl8pPr marL="3200400" indent="0">
+              <a:buNone/>
+              <a:defRPr sz="1600" b="1"/>
+            </a:lvl8pPr>
+            <a:lvl9pPr marL="3657600" indent="0">
+              <a:buNone/>
+              <a:defRPr sz="1600" b="1"/>
+            </a:lvl9pPr>
+          </a:lstStyle>
+          <a:p>
+            <a:pPr lvl="0"/>
+            <a:r>
+              <a:rPr lang="ru-RU"/>
+              <a:t>Образец текста</a:t>
+            </a:r>
+          </a:p>
+        </p:txBody>
+      </p:sp>
+      <p:sp>
+        <p:nvSpPr>
+          <p:cNvPr id="10" name="Text Placeholder 3"/>
+          <p:cNvSpPr>
+            <a:spLocks noGrp="1"/>
+          </p:cNvSpPr>
+          <p:nvPr>
+            <p:ph type="body" sz="half" idx="16"/>
+          </p:nvPr>
+        </p:nvSpPr>
+        <p:spPr>
+          <a:xfrm>
+            <a:off x="4366858" y="2904067"/>
+            <a:ext cx="3456432" cy="3314618"/>
+          </a:xfrm>
+        </p:spPr>
+        <p:txBody>
+          <a:bodyPr anchor="t">
+            <a:normAutofit/>
+          </a:bodyPr>
+          <a:lstStyle>
+            <a:lvl1pPr marL="0" indent="0">
+              <a:buNone/>
+              <a:defRPr sz="1400"/>
+            </a:lvl1pPr>
+            <a:lvl2pPr marL="457200" indent="0">
+              <a:buNone/>
+              <a:defRPr sz="1200"/>
+            </a:lvl2pPr>
+            <a:lvl3pPr marL="914400" indent="0">
+              <a:buNone/>
+              <a:defRPr sz="1000"/>
+            </a:lvl3pPr>
+            <a:lvl4pPr marL="1371600" indent="0">
+              <a:buNone/>
+              <a:defRPr sz="900"/>
+            </a:lvl4pPr>
+            <a:lvl5pPr marL="1828800" indent="0">
+              <a:buNone/>
+              <a:defRPr sz="900"/>
+            </a:lvl5pPr>
+            <a:lvl6pPr marL="2286000" indent="0">
+              <a:buNone/>
+              <a:defRPr sz="900"/>
+            </a:lvl6pPr>
+            <a:lvl7pPr marL="2743200" indent="0">
+              <a:buNone/>
+              <a:defRPr sz="900"/>
+            </a:lvl7pPr>
+            <a:lvl8pPr marL="3200400" indent="0">
+              <a:buNone/>
+              <a:defRPr sz="900"/>
+            </a:lvl8pPr>
+            <a:lvl9pPr marL="3657600" indent="0">
+              <a:buNone/>
+              <a:defRPr sz="900"/>
+            </a:lvl9pPr>
+          </a:lstStyle>
+          <a:p>
+            <a:pPr lvl="0"/>
+            <a:r>
+              <a:rPr lang="ru-RU"/>
+              <a:t>Образец текста</a:t>
+            </a:r>
+          </a:p>
+        </p:txBody>
+      </p:sp>
+      <p:sp>
+        <p:nvSpPr>
+          <p:cNvPr id="11" name="Text Placeholder 4"/>
+          <p:cNvSpPr>
+            <a:spLocks noGrp="1"/>
+          </p:cNvSpPr>
+          <p:nvPr>
+            <p:ph type="body" sz="quarter" idx="13"/>
+          </p:nvPr>
+        </p:nvSpPr>
+        <p:spPr>
+          <a:xfrm>
+            <a:off x="8051800" y="2192866"/>
+            <a:ext cx="3456432" cy="626534"/>
+          </a:xfrm>
+        </p:spPr>
+        <p:txBody>
+          <a:bodyPr anchor="b">
+            <a:noAutofit/>
+          </a:bodyPr>
+          <a:lstStyle>
+            <a:lvl1pPr marL="0" indent="0">
+              <a:buNone/>
+              <a:defRPr sz="2400" b="0">
+                <a:solidFill>
+                  <a:schemeClr val="tx1"/>
+                </a:solidFill>
+              </a:defRPr>
+            </a:lvl1pPr>
+            <a:lvl2pPr marL="457200" indent="0">
+              <a:buNone/>
+              <a:defRPr sz="2000" b="1"/>
+            </a:lvl2pPr>
+            <a:lvl3pPr marL="914400" indent="0">
+              <a:buNone/>
+              <a:defRPr sz="1800" b="1"/>
+            </a:lvl3pPr>
+            <a:lvl4pPr marL="1371600" indent="0">
+              <a:buNone/>
+              <a:defRPr sz="1600" b="1"/>
+            </a:lvl4pPr>
+            <a:lvl5pPr marL="1828800" indent="0">
+              <a:buNone/>
+              <a:defRPr sz="1600" b="1"/>
+            </a:lvl5pPr>
+            <a:lvl6pPr marL="2286000" indent="0">
+              <a:buNone/>
+              <a:defRPr sz="1600" b="1"/>
+            </a:lvl6pPr>
+            <a:lvl7pPr marL="2743200" indent="0">
+              <a:buNone/>
+              <a:defRPr sz="1600" b="1"/>
+            </a:lvl7pPr>
+            <a:lvl8pPr marL="3200400" indent="0">
+              <a:buNone/>
+              <a:defRPr sz="1600" b="1"/>
+            </a:lvl8pPr>
+            <a:lvl9pPr marL="3657600" indent="0">
+              <a:buNone/>
+              <a:defRPr sz="1600" b="1"/>
+            </a:lvl9pPr>
+          </a:lstStyle>
+          <a:p>
+            <a:pPr lvl="0"/>
+            <a:r>
+              <a:rPr lang="ru-RU"/>
+              <a:t>Образец текста</a:t>
+            </a:r>
+          </a:p>
+        </p:txBody>
+      </p:sp>
+      <p:sp>
+        <p:nvSpPr>
+          <p:cNvPr id="12" name="Text Placeholder 3"/>
+          <p:cNvSpPr>
+            <a:spLocks noGrp="1"/>
+          </p:cNvSpPr>
+          <p:nvPr>
+            <p:ph type="body" sz="half" idx="17"/>
+          </p:nvPr>
+        </p:nvSpPr>
+        <p:spPr>
+          <a:xfrm>
+            <a:off x="8051801" y="2904565"/>
+            <a:ext cx="3456432" cy="3314132"/>
+          </a:xfrm>
+        </p:spPr>
+        <p:txBody>
+          <a:bodyPr anchor="t">
+            <a:normAutofit/>
+          </a:bodyPr>
+          <a:lstStyle>
+            <a:lvl1pPr marL="0" indent="0">
+              <a:buNone/>
+              <a:defRPr sz="1400"/>
+            </a:lvl1pPr>
+            <a:lvl2pPr marL="457200" indent="0">
+              <a:buNone/>
+              <a:defRPr sz="1200"/>
+            </a:lvl2pPr>
+            <a:lvl3pPr marL="914400" indent="0">
+              <a:buNone/>
+              <a:defRPr sz="1000"/>
+            </a:lvl3pPr>
+            <a:lvl4pPr marL="1371600" indent="0">
+              <a:buNone/>
+              <a:defRPr sz="900"/>
+            </a:lvl4pPr>
+            <a:lvl5pPr marL="1828800" indent="0">
+              <a:buNone/>
+              <a:defRPr sz="900"/>
+            </a:lvl5pPr>
+            <a:lvl6pPr marL="2286000" indent="0">
+              <a:buNone/>
+              <a:defRPr sz="900"/>
+            </a:lvl6pPr>
+            <a:lvl7pPr marL="2743200" indent="0">
+              <a:buNone/>
+              <a:defRPr sz="900"/>
+            </a:lvl7pPr>
+            <a:lvl8pPr marL="3200400" indent="0">
+              <a:buNone/>
+              <a:defRPr sz="900"/>
+            </a:lvl8pPr>
+            <a:lvl9pPr marL="3657600" indent="0">
+              <a:buNone/>
+              <a:defRPr sz="900"/>
+            </a:lvl9pPr>
+          </a:lstStyle>
+          <a:p>
+            <a:pPr lvl="0"/>
+            <a:r>
+              <a:rPr lang="ru-RU"/>
+              <a:t>Образец текста</a:t>
+            </a:r>
+          </a:p>
+        </p:txBody>
+      </p:sp>
+      <p:sp>
+        <p:nvSpPr>
+          <p:cNvPr id="3" name="Date Placeholder 2"/>
+          <p:cNvSpPr>
+            <a:spLocks noGrp="1"/>
+          </p:cNvSpPr>
+          <p:nvPr>
+            <p:ph type="dt" sz="half" idx="10"/>
+          </p:nvPr>
+        </p:nvSpPr>
+        <p:spPr/>
+        <p:txBody>
+          <a:bodyPr/>
+          <a:lstStyle/>
+          <a:p>
+            <a:fld id="{2D35C71F-6809-43C0-A892-EF4C918F4A43}" type="datetimeFigureOut">
+              <a:rPr lang="ru-RU" smtClean="0"/>
+              <a:t>17.04.2022</a:t>
+            </a:fld>
+            <a:endParaRPr lang="ru-RU"/>
+          </a:p>
+        </p:txBody>
+      </p:sp>
+      <p:sp>
+        <p:nvSpPr>
+          <p:cNvPr id="4" name="Footer Placeholder 3"/>
+          <p:cNvSpPr>
+            <a:spLocks noGrp="1"/>
+          </p:cNvSpPr>
+          <p:nvPr>
+            <p:ph type="ftr" sz="quarter" idx="11"/>
+          </p:nvPr>
+        </p:nvSpPr>
+        <p:spPr/>
+        <p:txBody>
+          <a:bodyPr/>
+          <a:lstStyle/>
+          <a:p>
+            <a:endParaRPr lang="ru-RU"/>
+          </a:p>
+        </p:txBody>
+      </p:sp>
+      <p:sp>
+        <p:nvSpPr>
+          <p:cNvPr id="5" name="Slide Number Placeholder 4"/>
+          <p:cNvSpPr>
+            <a:spLocks noGrp="1"/>
+          </p:cNvSpPr>
+          <p:nvPr>
+            <p:ph type="sldNum" sz="quarter" idx="12"/>
+          </p:nvPr>
+        </p:nvSpPr>
+        <p:spPr/>
+        <p:txBody>
+          <a:bodyPr/>
+          <a:lstStyle/>
+          <a:p>
+            <a:fld id="{8369EA29-5DDC-4077-9896-092CB85F640F}" type="slidenum">
+              <a:rPr lang="ru-RU" smtClean="0"/>
+              <a:t>‹#›</a:t>
+            </a:fld>
+            <a:endParaRPr lang="ru-RU"/>
+          </a:p>
+        </p:txBody>
+      </p:sp>
+    </p:spTree>
+    <p:extLst>
+      <p:ext uri="{BB962C8B-B14F-4D97-AF65-F5344CB8AC3E}">
+        <p14:creationId xmlns:p14="http://schemas.microsoft.com/office/powerpoint/2010/main" val="605854058"/>
+      </p:ext>
+    </p:extLst>
+  </p:cSld>
+  <p:clrMapOvr>
+    <a:masterClrMapping/>
+  </p:clrMapOvr>
+</p:sldLayout>
+</file>
+
+<file path=ppt/slideLayouts/slideLayout15.xml><?xml version="1.0" encoding="utf-8"?>
+<p:sldLayout xmlns:a="http://schemas.openxmlformats.org/drawingml/2006/main" xmlns:r="http://schemas.openxmlformats.org/officeDocument/2006/relationships" xmlns:p="http://schemas.openxmlformats.org/presentationml/2006/main" preserve="1">
+  <p:cSld name="Столбец с тремя рисунками">
+    <p:spTree>
+      <p:nvGrpSpPr>
+        <p:cNvPr id="1" name=""/>
+        <p:cNvGrpSpPr/>
+        <p:nvPr/>
+      </p:nvGrpSpPr>
+      <p:grpSpPr>
+        <a:xfrm>
+          <a:off x="0" y="0"/>
+          <a:ext cx="0" cy="0"/>
+          <a:chOff x="0" y="0"/>
+          <a:chExt cx="0" cy="0"/>
+        </a:xfrm>
+      </p:grpSpPr>
+      <p:sp>
+        <p:nvSpPr>
+          <p:cNvPr id="30" name="Title 1"/>
+          <p:cNvSpPr>
+            <a:spLocks noGrp="1"/>
+          </p:cNvSpPr>
+          <p:nvPr>
+            <p:ph type="title"/>
+          </p:nvPr>
+        </p:nvSpPr>
+        <p:spPr>
+          <a:xfrm>
+            <a:off x="2895600" y="762000"/>
+            <a:ext cx="8610599" cy="1295400"/>
+          </a:xfrm>
+        </p:spPr>
+        <p:txBody>
+          <a:bodyPr/>
+          <a:lstStyle/>
+          <a:p>
+            <a:r>
+              <a:rPr lang="ru-RU"/>
+              <a:t>Образец заголовка</a:t>
+            </a:r>
+            <a:endParaRPr lang="en-US" dirty="0"/>
+          </a:p>
+        </p:txBody>
+      </p:sp>
+      <p:sp>
+        <p:nvSpPr>
+          <p:cNvPr id="19" name="Text Placeholder 2"/>
+          <p:cNvSpPr>
+            <a:spLocks noGrp="1"/>
+          </p:cNvSpPr>
+          <p:nvPr>
+            <p:ph type="body" idx="1"/>
+          </p:nvPr>
+        </p:nvSpPr>
+        <p:spPr>
+          <a:xfrm>
+            <a:off x="688618" y="4191000"/>
+            <a:ext cx="3451582" cy="682765"/>
+          </a:xfrm>
+        </p:spPr>
+        <p:txBody>
+          <a:bodyPr anchor="b">
+            <a:noAutofit/>
+          </a:bodyPr>
+          <a:lstStyle>
+            <a:lvl1pPr marL="0" indent="0">
+              <a:buNone/>
+              <a:defRPr sz="2400" b="0">
+                <a:solidFill>
+                  <a:schemeClr val="tx1"/>
+                </a:solidFill>
+              </a:defRPr>
+            </a:lvl1pPr>
+            <a:lvl2pPr marL="457200" indent="0">
+              <a:buNone/>
+              <a:defRPr sz="2000" b="1"/>
+            </a:lvl2pPr>
+            <a:lvl3pPr marL="914400" indent="0">
+              <a:buNone/>
+              <a:defRPr sz="1800" b="1"/>
+            </a:lvl3pPr>
+            <a:lvl4pPr marL="1371600" indent="0">
+              <a:buNone/>
+              <a:defRPr sz="1600" b="1"/>
+            </a:lvl4pPr>
+            <a:lvl5pPr marL="1828800" indent="0">
+              <a:buNone/>
+              <a:defRPr sz="1600" b="1"/>
+            </a:lvl5pPr>
+            <a:lvl6pPr marL="2286000" indent="0">
+              <a:buNone/>
+              <a:defRPr sz="1600" b="1"/>
+            </a:lvl6pPr>
+            <a:lvl7pPr marL="2743200" indent="0">
+              <a:buNone/>
+              <a:defRPr sz="1600" b="1"/>
+            </a:lvl7pPr>
+            <a:lvl8pPr marL="3200400" indent="0">
+              <a:buNone/>
+              <a:defRPr sz="1600" b="1"/>
+            </a:lvl8pPr>
+            <a:lvl9pPr marL="3657600" indent="0">
+              <a:buNone/>
+              <a:defRPr sz="1600" b="1"/>
+            </a:lvl9pPr>
+          </a:lstStyle>
+          <a:p>
+            <a:pPr lvl="0"/>
+            <a:r>
+              <a:rPr lang="ru-RU"/>
+              <a:t>Образец текста</a:t>
+            </a:r>
+          </a:p>
+        </p:txBody>
+      </p:sp>
+      <p:sp>
+        <p:nvSpPr>
+          <p:cNvPr id="20" name="Picture Placeholder 2"/>
+          <p:cNvSpPr>
+            <a:spLocks noGrp="1" noChangeAspect="1"/>
+          </p:cNvSpPr>
+          <p:nvPr>
+            <p:ph type="pic" idx="15"/>
+          </p:nvPr>
+        </p:nvSpPr>
+        <p:spPr>
+          <a:xfrm>
+            <a:off x="688618" y="2362200"/>
+            <a:ext cx="3451582" cy="1524000"/>
+          </a:xfrm>
+          <a:prstGeom prst="roundRect">
+            <a:avLst>
+              <a:gd name="adj" fmla="val 0"/>
+            </a:avLst>
+          </a:prstGeom>
+          <a:effectLst>
+            <a:outerShdw blurRad="50800" dist="50800" dir="5400000" algn="tl" rotWithShape="0">
+              <a:srgbClr val="000000">
+                <a:alpha val="43000"/>
+              </a:srgbClr>
+            </a:outerShdw>
+          </a:effectLst>
+        </p:spPr>
+        <p:txBody>
+          <a:bodyPr anchor="t">
+            <a:normAutofit/>
+          </a:bodyPr>
+          <a:lstStyle>
+            <a:lvl1pPr marL="0" indent="0" algn="ctr">
+              <a:buNone/>
+              <a:defRPr sz="1600"/>
+            </a:lvl1pPr>
+            <a:lvl2pPr marL="457200" indent="0">
+              <a:buNone/>
+              <a:defRPr sz="1600"/>
+            </a:lvl2pPr>
+            <a:lvl3pPr marL="914400" indent="0">
+              <a:buNone/>
+              <a:defRPr sz="1600"/>
+            </a:lvl3pPr>
+            <a:lvl4pPr marL="1371600" indent="0">
+              <a:buNone/>
+              <a:defRPr sz="1600"/>
+            </a:lvl4pPr>
+            <a:lvl5pPr marL="1828800" indent="0">
+              <a:buNone/>
+              <a:defRPr sz="1600"/>
+            </a:lvl5pPr>
+            <a:lvl6pPr marL="2286000" indent="0">
+              <a:buNone/>
+              <a:defRPr sz="1600"/>
+            </a:lvl6pPr>
+            <a:lvl7pPr marL="2743200" indent="0">
+              <a:buNone/>
+              <a:defRPr sz="1600"/>
+            </a:lvl7pPr>
+            <a:lvl8pPr marL="3200400" indent="0">
+              <a:buNone/>
+              <a:defRPr sz="1600"/>
+            </a:lvl8pPr>
+            <a:lvl9pPr marL="3657600" indent="0">
+              <a:buNone/>
+              <a:defRPr sz="1600"/>
+            </a:lvl9pPr>
+          </a:lstStyle>
+          <a:p>
+            <a:r>
+              <a:rPr lang="ru-RU"/>
+              <a:t>Вставка рисунка</a:t>
+            </a:r>
+            <a:endParaRPr lang="en-US" dirty="0"/>
+          </a:p>
+        </p:txBody>
+      </p:sp>
+      <p:sp>
+        <p:nvSpPr>
+          <p:cNvPr id="21" name="Text Placeholder 3"/>
+          <p:cNvSpPr>
+            <a:spLocks noGrp="1"/>
+          </p:cNvSpPr>
+          <p:nvPr>
+            <p:ph type="body" sz="half" idx="18"/>
+          </p:nvPr>
+        </p:nvSpPr>
+        <p:spPr>
+          <a:xfrm>
+            <a:off x="688618" y="4873764"/>
+            <a:ext cx="3451582" cy="1344921"/>
+          </a:xfrm>
+        </p:spPr>
+        <p:txBody>
+          <a:bodyPr anchor="t">
+            <a:normAutofit/>
+          </a:bodyPr>
+          <a:lstStyle>
+            <a:lvl1pPr marL="0" indent="0">
+              <a:buNone/>
+              <a:defRPr sz="1400"/>
+            </a:lvl1pPr>
+            <a:lvl2pPr marL="457200" indent="0">
+              <a:buNone/>
+              <a:defRPr sz="1200"/>
+            </a:lvl2pPr>
+            <a:lvl3pPr marL="914400" indent="0">
+              <a:buNone/>
+              <a:defRPr sz="1000"/>
+            </a:lvl3pPr>
+            <a:lvl4pPr marL="1371600" indent="0">
+              <a:buNone/>
+              <a:defRPr sz="900"/>
+            </a:lvl4pPr>
+            <a:lvl5pPr marL="1828800" indent="0">
+              <a:buNone/>
+              <a:defRPr sz="900"/>
+            </a:lvl5pPr>
+            <a:lvl6pPr marL="2286000" indent="0">
+              <a:buNone/>
+              <a:defRPr sz="900"/>
+            </a:lvl6pPr>
+            <a:lvl7pPr marL="2743200" indent="0">
+              <a:buNone/>
+              <a:defRPr sz="900"/>
+            </a:lvl7pPr>
+            <a:lvl8pPr marL="3200400" indent="0">
+              <a:buNone/>
+              <a:defRPr sz="900"/>
+            </a:lvl8pPr>
+            <a:lvl9pPr marL="3657600" indent="0">
+              <a:buNone/>
+              <a:defRPr sz="900"/>
+            </a:lvl9pPr>
+          </a:lstStyle>
+          <a:p>
+            <a:pPr lvl="0"/>
+            <a:r>
+              <a:rPr lang="ru-RU"/>
+              <a:t>Образец текста</a:t>
+            </a:r>
+          </a:p>
+        </p:txBody>
+      </p:sp>
+      <p:sp>
+        <p:nvSpPr>
+          <p:cNvPr id="22" name="Text Placeholder 4"/>
+          <p:cNvSpPr>
+            <a:spLocks noGrp="1"/>
+          </p:cNvSpPr>
+          <p:nvPr>
+            <p:ph type="body" sz="quarter" idx="3"/>
+          </p:nvPr>
+        </p:nvSpPr>
+        <p:spPr>
+          <a:xfrm>
+            <a:off x="4374263" y="4191000"/>
+            <a:ext cx="3448935" cy="682765"/>
+          </a:xfrm>
+        </p:spPr>
+        <p:txBody>
+          <a:bodyPr anchor="b">
+            <a:noAutofit/>
+          </a:bodyPr>
+          <a:lstStyle>
+            <a:lvl1pPr marL="0" indent="0">
+              <a:buNone/>
+              <a:defRPr sz="2400" b="0">
+                <a:solidFill>
+                  <a:schemeClr val="tx1"/>
+                </a:solidFill>
+              </a:defRPr>
+            </a:lvl1pPr>
+            <a:lvl2pPr marL="457200" indent="0">
+              <a:buNone/>
+              <a:defRPr sz="2000" b="1"/>
+            </a:lvl2pPr>
+            <a:lvl3pPr marL="914400" indent="0">
+              <a:buNone/>
+              <a:defRPr sz="1800" b="1"/>
+            </a:lvl3pPr>
+            <a:lvl4pPr marL="1371600" indent="0">
+              <a:buNone/>
+              <a:defRPr sz="1600" b="1"/>
+            </a:lvl4pPr>
+            <a:lvl5pPr marL="1828800" indent="0">
+              <a:buNone/>
+              <a:defRPr sz="1600" b="1"/>
+            </a:lvl5pPr>
+            <a:lvl6pPr marL="2286000" indent="0">
+              <a:buNone/>
+              <a:defRPr sz="1600" b="1"/>
+            </a:lvl6pPr>
+            <a:lvl7pPr marL="2743200" indent="0">
+              <a:buNone/>
+              <a:defRPr sz="1600" b="1"/>
+            </a:lvl7pPr>
+            <a:lvl8pPr marL="3200400" indent="0">
+              <a:buNone/>
+              <a:defRPr sz="1600" b="1"/>
+            </a:lvl8pPr>
+            <a:lvl9pPr marL="3657600" indent="0">
+              <a:buNone/>
+              <a:defRPr sz="1600" b="1"/>
+            </a:lvl9pPr>
+          </a:lstStyle>
+          <a:p>
+            <a:pPr lvl="0"/>
+            <a:r>
+              <a:rPr lang="ru-RU"/>
+              <a:t>Образец текста</a:t>
+            </a:r>
+          </a:p>
+        </p:txBody>
+      </p:sp>
+      <p:sp>
+        <p:nvSpPr>
+          <p:cNvPr id="23" name="Picture Placeholder 2"/>
+          <p:cNvSpPr>
+            <a:spLocks noGrp="1" noChangeAspect="1"/>
+          </p:cNvSpPr>
+          <p:nvPr>
+            <p:ph type="pic" idx="21"/>
+          </p:nvPr>
+        </p:nvSpPr>
+        <p:spPr>
+          <a:xfrm>
+            <a:off x="4374263" y="2362200"/>
+            <a:ext cx="3448936" cy="1524000"/>
+          </a:xfrm>
+          <a:prstGeom prst="roundRect">
+            <a:avLst>
+              <a:gd name="adj" fmla="val 0"/>
+            </a:avLst>
+          </a:prstGeom>
+          <a:effectLst>
+            <a:outerShdw blurRad="50800" dist="50800" dir="5400000" algn="tl" rotWithShape="0">
+              <a:srgbClr val="000000">
+                <a:alpha val="43000"/>
+              </a:srgbClr>
+            </a:outerShdw>
+          </a:effectLst>
+        </p:spPr>
+        <p:txBody>
+          <a:bodyPr anchor="t">
+            <a:normAutofit/>
+          </a:bodyPr>
+          <a:lstStyle>
+            <a:lvl1pPr marL="0" indent="0" algn="ctr">
+              <a:buNone/>
+              <a:defRPr sz="1600"/>
+            </a:lvl1pPr>
+            <a:lvl2pPr marL="457200" indent="0">
+              <a:buNone/>
+              <a:defRPr sz="1600"/>
+            </a:lvl2pPr>
+            <a:lvl3pPr marL="914400" indent="0">
+              <a:buNone/>
+              <a:defRPr sz="1600"/>
+            </a:lvl3pPr>
+            <a:lvl4pPr marL="1371600" indent="0">
+              <a:buNone/>
+              <a:defRPr sz="1600"/>
+            </a:lvl4pPr>
+            <a:lvl5pPr marL="1828800" indent="0">
+              <a:buNone/>
+              <a:defRPr sz="1600"/>
+            </a:lvl5pPr>
+            <a:lvl6pPr marL="2286000" indent="0">
+              <a:buNone/>
+              <a:defRPr sz="1600"/>
+            </a:lvl6pPr>
+            <a:lvl7pPr marL="2743200" indent="0">
+              <a:buNone/>
+              <a:defRPr sz="1600"/>
+            </a:lvl7pPr>
+            <a:lvl8pPr marL="3200400" indent="0">
+              <a:buNone/>
+              <a:defRPr sz="1600"/>
+            </a:lvl8pPr>
+            <a:lvl9pPr marL="3657600" indent="0">
+              <a:buNone/>
+              <a:defRPr sz="1600"/>
+            </a:lvl9pPr>
+          </a:lstStyle>
+          <a:p>
+            <a:r>
+              <a:rPr lang="ru-RU"/>
+              <a:t>Вставка рисунка</a:t>
+            </a:r>
+            <a:endParaRPr lang="en-US" dirty="0"/>
+          </a:p>
+        </p:txBody>
+      </p:sp>
+      <p:sp>
+        <p:nvSpPr>
+          <p:cNvPr id="24" name="Text Placeholder 3"/>
+          <p:cNvSpPr>
+            <a:spLocks noGrp="1"/>
+          </p:cNvSpPr>
+          <p:nvPr>
+            <p:ph type="body" sz="half" idx="19"/>
+          </p:nvPr>
+        </p:nvSpPr>
+        <p:spPr>
+          <a:xfrm>
+            <a:off x="4374264" y="4873763"/>
+            <a:ext cx="3448935" cy="1344921"/>
+          </a:xfrm>
+        </p:spPr>
+        <p:txBody>
+          <a:bodyPr anchor="t">
+            <a:normAutofit/>
+          </a:bodyPr>
+          <a:lstStyle>
+            <a:lvl1pPr marL="0" indent="0">
+              <a:buNone/>
+              <a:defRPr sz="1400"/>
+            </a:lvl1pPr>
+            <a:lvl2pPr marL="457200" indent="0">
+              <a:buNone/>
+              <a:defRPr sz="1200"/>
+            </a:lvl2pPr>
+            <a:lvl3pPr marL="914400" indent="0">
+              <a:buNone/>
+              <a:defRPr sz="1000"/>
+            </a:lvl3pPr>
+            <a:lvl4pPr marL="1371600" indent="0">
+              <a:buNone/>
+              <a:defRPr sz="900"/>
+            </a:lvl4pPr>
+            <a:lvl5pPr marL="1828800" indent="0">
+              <a:buNone/>
+              <a:defRPr sz="900"/>
+            </a:lvl5pPr>
+            <a:lvl6pPr marL="2286000" indent="0">
+              <a:buNone/>
+              <a:defRPr sz="900"/>
+            </a:lvl6pPr>
+            <a:lvl7pPr marL="2743200" indent="0">
+              <a:buNone/>
+              <a:defRPr sz="900"/>
+            </a:lvl7pPr>
+            <a:lvl8pPr marL="3200400" indent="0">
+              <a:buNone/>
+              <a:defRPr sz="900"/>
+            </a:lvl8pPr>
+            <a:lvl9pPr marL="3657600" indent="0">
+              <a:buNone/>
+              <a:defRPr sz="900"/>
+            </a:lvl9pPr>
+          </a:lstStyle>
+          <a:p>
+            <a:pPr lvl="0"/>
+            <a:r>
+              <a:rPr lang="ru-RU"/>
+              <a:t>Образец текста</a:t>
+            </a:r>
+          </a:p>
+        </p:txBody>
+      </p:sp>
+      <p:sp>
+        <p:nvSpPr>
+          <p:cNvPr id="25" name="Text Placeholder 4"/>
+          <p:cNvSpPr>
+            <a:spLocks noGrp="1"/>
+          </p:cNvSpPr>
+          <p:nvPr>
+            <p:ph type="body" sz="quarter" idx="13"/>
+          </p:nvPr>
+        </p:nvSpPr>
+        <p:spPr>
+          <a:xfrm>
+            <a:off x="8049731" y="4191000"/>
+            <a:ext cx="3456469" cy="682765"/>
+          </a:xfrm>
+        </p:spPr>
+        <p:txBody>
+          <a:bodyPr anchor="b">
+            <a:noAutofit/>
+          </a:bodyPr>
+          <a:lstStyle>
+            <a:lvl1pPr marL="0" indent="0">
+              <a:buNone/>
+              <a:defRPr sz="2400" b="0">
+                <a:solidFill>
+                  <a:schemeClr val="tx1"/>
+                </a:solidFill>
+              </a:defRPr>
+            </a:lvl1pPr>
+            <a:lvl2pPr marL="457200" indent="0">
+              <a:buNone/>
+              <a:defRPr sz="2000" b="1"/>
+            </a:lvl2pPr>
+            <a:lvl3pPr marL="914400" indent="0">
+              <a:buNone/>
+              <a:defRPr sz="1800" b="1"/>
+            </a:lvl3pPr>
+            <a:lvl4pPr marL="1371600" indent="0">
+              <a:buNone/>
+              <a:defRPr sz="1600" b="1"/>
+            </a:lvl4pPr>
+            <a:lvl5pPr marL="1828800" indent="0">
+              <a:buNone/>
+              <a:defRPr sz="1600" b="1"/>
+            </a:lvl5pPr>
+            <a:lvl6pPr marL="2286000" indent="0">
+              <a:buNone/>
+              <a:defRPr sz="1600" b="1"/>
+            </a:lvl6pPr>
+            <a:lvl7pPr marL="2743200" indent="0">
+              <a:buNone/>
+              <a:defRPr sz="1600" b="1"/>
+            </a:lvl7pPr>
+            <a:lvl8pPr marL="3200400" indent="0">
+              <a:buNone/>
+              <a:defRPr sz="1600" b="1"/>
+            </a:lvl8pPr>
+            <a:lvl9pPr marL="3657600" indent="0">
+              <a:buNone/>
+              <a:defRPr sz="1600" b="1"/>
+            </a:lvl9pPr>
+          </a:lstStyle>
+          <a:p>
+            <a:pPr lvl="0"/>
+            <a:r>
+              <a:rPr lang="ru-RU"/>
+              <a:t>Образец текста</a:t>
+            </a:r>
+          </a:p>
+        </p:txBody>
+      </p:sp>
+      <p:sp>
+        <p:nvSpPr>
+          <p:cNvPr id="26" name="Picture Placeholder 2"/>
+          <p:cNvSpPr>
+            <a:spLocks noGrp="1" noChangeAspect="1"/>
+          </p:cNvSpPr>
+          <p:nvPr>
+            <p:ph type="pic" idx="22"/>
+          </p:nvPr>
+        </p:nvSpPr>
+        <p:spPr>
+          <a:xfrm>
+            <a:off x="8049855" y="2362200"/>
+            <a:ext cx="3447878" cy="1524000"/>
+          </a:xfrm>
+          <a:prstGeom prst="roundRect">
+            <a:avLst>
+              <a:gd name="adj" fmla="val 0"/>
+            </a:avLst>
+          </a:prstGeom>
+          <a:effectLst>
+            <a:outerShdw blurRad="50800" dist="50800" dir="5400000" algn="tl" rotWithShape="0">
+              <a:srgbClr val="000000">
+                <a:alpha val="43000"/>
+              </a:srgbClr>
+            </a:outerShdw>
+          </a:effectLst>
+        </p:spPr>
+        <p:txBody>
+          <a:bodyPr anchor="t">
+            <a:normAutofit/>
+          </a:bodyPr>
+          <a:lstStyle>
+            <a:lvl1pPr marL="0" indent="0" algn="ctr">
+              <a:buNone/>
+              <a:defRPr sz="1600"/>
+            </a:lvl1pPr>
+            <a:lvl2pPr marL="457200" indent="0">
+              <a:buNone/>
+              <a:defRPr sz="1600"/>
+            </a:lvl2pPr>
+            <a:lvl3pPr marL="914400" indent="0">
+              <a:buNone/>
+              <a:defRPr sz="1600"/>
+            </a:lvl3pPr>
+            <a:lvl4pPr marL="1371600" indent="0">
+              <a:buNone/>
+              <a:defRPr sz="1600"/>
+            </a:lvl4pPr>
+            <a:lvl5pPr marL="1828800" indent="0">
+              <a:buNone/>
+              <a:defRPr sz="1600"/>
+            </a:lvl5pPr>
+            <a:lvl6pPr marL="2286000" indent="0">
+              <a:buNone/>
+              <a:defRPr sz="1600"/>
+            </a:lvl6pPr>
+            <a:lvl7pPr marL="2743200" indent="0">
+              <a:buNone/>
+              <a:defRPr sz="1600"/>
+            </a:lvl7pPr>
+            <a:lvl8pPr marL="3200400" indent="0">
+              <a:buNone/>
+              <a:defRPr sz="1600"/>
+            </a:lvl8pPr>
+            <a:lvl9pPr marL="3657600" indent="0">
+              <a:buNone/>
+              <a:defRPr sz="1600"/>
+            </a:lvl9pPr>
+          </a:lstStyle>
+          <a:p>
+            <a:r>
+              <a:rPr lang="ru-RU"/>
+              <a:t>Вставка рисунка</a:t>
+            </a:r>
+            <a:endParaRPr lang="en-US" dirty="0"/>
+          </a:p>
+        </p:txBody>
+      </p:sp>
+      <p:sp>
+        <p:nvSpPr>
+          <p:cNvPr id="27" name="Text Placeholder 3"/>
+          <p:cNvSpPr>
+            <a:spLocks noGrp="1"/>
+          </p:cNvSpPr>
+          <p:nvPr>
+            <p:ph type="body" sz="half" idx="20"/>
+          </p:nvPr>
+        </p:nvSpPr>
+        <p:spPr>
+          <a:xfrm>
+            <a:off x="8049731" y="4873761"/>
+            <a:ext cx="3452445" cy="1344921"/>
+          </a:xfrm>
+        </p:spPr>
+        <p:txBody>
+          <a:bodyPr anchor="t">
+            <a:normAutofit/>
+          </a:bodyPr>
+          <a:lstStyle>
+            <a:lvl1pPr marL="0" indent="0">
+              <a:buNone/>
+              <a:defRPr sz="1400"/>
+            </a:lvl1pPr>
+            <a:lvl2pPr marL="457200" indent="0">
+              <a:buNone/>
+              <a:defRPr sz="1200"/>
+            </a:lvl2pPr>
+            <a:lvl3pPr marL="914400" indent="0">
+              <a:buNone/>
+              <a:defRPr sz="1000"/>
+            </a:lvl3pPr>
+            <a:lvl4pPr marL="1371600" indent="0">
+              <a:buNone/>
+              <a:defRPr sz="900"/>
+            </a:lvl4pPr>
+            <a:lvl5pPr marL="1828800" indent="0">
+              <a:buNone/>
+              <a:defRPr sz="900"/>
+            </a:lvl5pPr>
+            <a:lvl6pPr marL="2286000" indent="0">
+              <a:buNone/>
+              <a:defRPr sz="900"/>
+            </a:lvl6pPr>
+            <a:lvl7pPr marL="2743200" indent="0">
+              <a:buNone/>
+              <a:defRPr sz="900"/>
+            </a:lvl7pPr>
+            <a:lvl8pPr marL="3200400" indent="0">
+              <a:buNone/>
+              <a:defRPr sz="900"/>
+            </a:lvl8pPr>
+            <a:lvl9pPr marL="3657600" indent="0">
+              <a:buNone/>
+              <a:defRPr sz="900"/>
+            </a:lvl9pPr>
+          </a:lstStyle>
+          <a:p>
+            <a:pPr lvl="0"/>
+            <a:r>
+              <a:rPr lang="ru-RU"/>
+              <a:t>Образец текста</a:t>
+            </a:r>
+          </a:p>
+        </p:txBody>
+      </p:sp>
+      <p:sp>
+        <p:nvSpPr>
+          <p:cNvPr id="3" name="Date Placeholder 2"/>
+          <p:cNvSpPr>
+            <a:spLocks noGrp="1"/>
+          </p:cNvSpPr>
+          <p:nvPr>
+            <p:ph type="dt" sz="half" idx="10"/>
+          </p:nvPr>
+        </p:nvSpPr>
+        <p:spPr/>
+        <p:txBody>
+          <a:bodyPr/>
+          <a:lstStyle/>
+          <a:p>
+            <a:fld id="{2D35C71F-6809-43C0-A892-EF4C918F4A43}" type="datetimeFigureOut">
+              <a:rPr lang="ru-RU" smtClean="0"/>
+              <a:t>17.04.2022</a:t>
+            </a:fld>
+            <a:endParaRPr lang="ru-RU"/>
+          </a:p>
+        </p:txBody>
+      </p:sp>
+      <p:sp>
+        <p:nvSpPr>
+          <p:cNvPr id="4" name="Footer Placeholder 3"/>
+          <p:cNvSpPr>
+            <a:spLocks noGrp="1"/>
+          </p:cNvSpPr>
+          <p:nvPr>
+            <p:ph type="ftr" sz="quarter" idx="11"/>
+          </p:nvPr>
+        </p:nvSpPr>
+        <p:spPr/>
+        <p:txBody>
+          <a:bodyPr/>
+          <a:lstStyle/>
+          <a:p>
+            <a:endParaRPr lang="ru-RU"/>
+          </a:p>
+        </p:txBody>
+      </p:sp>
+      <p:sp>
+        <p:nvSpPr>
+          <p:cNvPr id="5" name="Slide Number Placeholder 4"/>
+          <p:cNvSpPr>
+            <a:spLocks noGrp="1"/>
+          </p:cNvSpPr>
+          <p:nvPr>
+            <p:ph type="sldNum" sz="quarter" idx="12"/>
+          </p:nvPr>
+        </p:nvSpPr>
+        <p:spPr/>
+        <p:txBody>
+          <a:bodyPr/>
+          <a:lstStyle/>
+          <a:p>
+            <a:fld id="{8369EA29-5DDC-4077-9896-092CB85F640F}" type="slidenum">
+              <a:rPr lang="ru-RU" smtClean="0"/>
+              <a:t>‹#›</a:t>
+            </a:fld>
+            <a:endParaRPr lang="ru-RU"/>
+          </a:p>
+        </p:txBody>
+      </p:sp>
+    </p:spTree>
+    <p:extLst>
+      <p:ext uri="{BB962C8B-B14F-4D97-AF65-F5344CB8AC3E}">
+        <p14:creationId xmlns:p14="http://schemas.microsoft.com/office/powerpoint/2010/main" val="3603611411"/>
+      </p:ext>
+    </p:extLst>
+  </p:cSld>
+  <p:clrMapOvr>
+    <a:masterClrMapping/>
+  </p:clrMapOvr>
+</p:sldLayout>
+</file>
+
+<file path=ppt/slideLayouts/slideLayout16.xml><?xml version="1.0" encoding="utf-8"?>
 <p:sldLayout xmlns:a="http://schemas.openxmlformats.org/drawingml/2006/main" xmlns:r="http://schemas.openxmlformats.org/officeDocument/2006/relationships" xmlns:p="http://schemas.openxmlformats.org/presentationml/2006/main" type="vertTx" preserve="1">
   <p:cSld name="Заголовок и вертикальный текст">
     <p:spTree>
@@ -350,13 +2968,7 @@
       </p:grpSpPr>
       <p:sp>
         <p:nvSpPr>
-          <p:cNvPr id="2" name="Заголовок 1">
-            <a:extLst>
-              <a:ext uri="{FF2B5EF4-FFF2-40B4-BE49-F238E27FC236}">
-                <a16:creationId xmlns:a16="http://schemas.microsoft.com/office/drawing/2014/main" id="{E603B671-2DB2-409D-A0F9-39990CCC36E8}"/>
-              </a:ext>
-            </a:extLst>
-          </p:cNvPr>
+          <p:cNvPr id="2" name="Title 1"/>
           <p:cNvSpPr>
             <a:spLocks noGrp="1"/>
           </p:cNvSpPr>
@@ -373,18 +2985,13 @@
               <a:rPr lang="ru-RU"/>
               <a:t>Образец заголовка</a:t>
             </a:r>
-          </a:p>
-        </p:txBody>
-      </p:sp>
-      <p:sp>
-        <p:nvSpPr>
-          <p:cNvPr id="3" name="Вертикальный текст 2">
-            <a:extLst>
-              <a:ext uri="{FF2B5EF4-FFF2-40B4-BE49-F238E27FC236}">
-                <a16:creationId xmlns:a16="http://schemas.microsoft.com/office/drawing/2014/main" id="{56081225-E999-4DF6-8792-1F94EE9193BC}"/>
-              </a:ext>
-            </a:extLst>
-          </p:cNvPr>
+            <a:endParaRPr lang="en-US" dirty="0"/>
+          </a:p>
+        </p:txBody>
+      </p:sp>
+      <p:sp>
+        <p:nvSpPr>
+          <p:cNvPr id="3" name="Vertical Text Placeholder 2"/>
           <p:cNvSpPr>
             <a:spLocks noGrp="1"/>
           </p:cNvSpPr>
@@ -392,7 +2999,12 @@
             <p:ph type="body" orient="vert" idx="1"/>
           </p:nvPr>
         </p:nvSpPr>
-        <p:spPr/>
+        <p:spPr>
+          <a:xfrm>
+            <a:off x="685800" y="2194559"/>
+            <a:ext cx="10820400" cy="4024125"/>
+          </a:xfrm>
+        </p:spPr>
         <p:txBody>
           <a:bodyPr vert="eaVert"/>
           <a:lstStyle/>
@@ -430,18 +3042,13 @@
               <a:rPr lang="ru-RU"/>
               <a:t>Пятый уровень</a:t>
             </a:r>
-          </a:p>
-        </p:txBody>
-      </p:sp>
-      <p:sp>
-        <p:nvSpPr>
-          <p:cNvPr id="4" name="Дата 3">
-            <a:extLst>
-              <a:ext uri="{FF2B5EF4-FFF2-40B4-BE49-F238E27FC236}">
-                <a16:creationId xmlns:a16="http://schemas.microsoft.com/office/drawing/2014/main" id="{0E98184D-C2C0-4C9F-83A6-84FFFF8625C0}"/>
-              </a:ext>
-            </a:extLst>
-          </p:cNvPr>
+            <a:endParaRPr lang="en-US" dirty="0"/>
+          </a:p>
+        </p:txBody>
+      </p:sp>
+      <p:sp>
+        <p:nvSpPr>
+          <p:cNvPr id="4" name="Date Placeholder 3"/>
           <p:cNvSpPr>
             <a:spLocks noGrp="1"/>
           </p:cNvSpPr>
@@ -456,7 +3063,7 @@
           <a:p>
             <a:fld id="{2D35C71F-6809-43C0-A892-EF4C918F4A43}" type="datetimeFigureOut">
               <a:rPr lang="ru-RU" smtClean="0"/>
-              <a:t>13.04.2022</a:t>
+              <a:t>17.04.2022</a:t>
             </a:fld>
             <a:endParaRPr lang="ru-RU"/>
           </a:p>
@@ -464,13 +3071,7 @@
       </p:sp>
       <p:sp>
         <p:nvSpPr>
-          <p:cNvPr id="5" name="Нижний колонтитул 4">
-            <a:extLst>
-              <a:ext uri="{FF2B5EF4-FFF2-40B4-BE49-F238E27FC236}">
-                <a16:creationId xmlns:a16="http://schemas.microsoft.com/office/drawing/2014/main" id="{84642585-81BF-4063-82EA-BB19270D1CC0}"/>
-              </a:ext>
-            </a:extLst>
-          </p:cNvPr>
+          <p:cNvPr id="5" name="Footer Placeholder 4"/>
           <p:cNvSpPr>
             <a:spLocks noGrp="1"/>
           </p:cNvSpPr>
@@ -489,13 +3090,7 @@
       </p:sp>
       <p:sp>
         <p:nvSpPr>
-          <p:cNvPr id="6" name="Номер слайда 5">
-            <a:extLst>
-              <a:ext uri="{FF2B5EF4-FFF2-40B4-BE49-F238E27FC236}">
-                <a16:creationId xmlns:a16="http://schemas.microsoft.com/office/drawing/2014/main" id="{FF2BD12C-FAC9-4991-9504-756652877D1C}"/>
-              </a:ext>
-            </a:extLst>
-          </p:cNvPr>
+          <p:cNvPr id="6" name="Slide Number Placeholder 5"/>
           <p:cNvSpPr>
             <a:spLocks noGrp="1"/>
           </p:cNvSpPr>
@@ -519,7 +3114,7 @@
     </p:spTree>
     <p:extLst>
       <p:ext uri="{BB962C8B-B14F-4D97-AF65-F5344CB8AC3E}">
-        <p14:creationId xmlns:p14="http://schemas.microsoft.com/office/powerpoint/2010/main" val="2911565525"/>
+        <p14:creationId xmlns:p14="http://schemas.microsoft.com/office/powerpoint/2010/main" val="2425782444"/>
       </p:ext>
     </p:extLst>
   </p:cSld>
@@ -529,8 +3124,8 @@
 </p:sldLayout>
 </file>
 
-<file path=ppt/slideLayouts/slideLayout11.xml><?xml version="1.0" encoding="utf-8"?>
-<p:sldLayout xmlns:a="http://schemas.openxmlformats.org/drawingml/2006/main" xmlns:r="http://schemas.openxmlformats.org/officeDocument/2006/relationships" xmlns:p="http://schemas.openxmlformats.org/presentationml/2006/main" type="vertTitleAndTx" preserve="1">
+<file path=ppt/slideLayouts/slideLayout17.xml><?xml version="1.0" encoding="utf-8"?>
+<p:sldLayout xmlns:a="http://schemas.openxmlformats.org/drawingml/2006/main" xmlns:r="http://schemas.openxmlformats.org/officeDocument/2006/relationships" xmlns:p="http://schemas.openxmlformats.org/presentationml/2006/main" showMasterSp="0" type="vertTitleAndTx" preserve="1">
   <p:cSld name="Вертикальный заголовок и текст">
     <p:spTree>
       <p:nvGrpSpPr>
@@ -546,15 +3141,39 @@
           <a:chExt cx="0" cy="0"/>
         </a:xfrm>
       </p:grpSpPr>
-      <p:sp>
-        <p:nvSpPr>
-          <p:cNvPr id="2" name="Вертикальный заголовок 1">
+      <p:pic>
+        <p:nvPicPr>
+          <p:cNvPr id="8" name="Picture 7" descr="C0-HD-BTM.png"/>
+          <p:cNvPicPr>
+            <a:picLocks noChangeAspect="1"/>
+          </p:cNvPicPr>
+          <p:nvPr/>
+        </p:nvPicPr>
+        <p:blipFill>
+          <a:blip r:embed="rId2">
             <a:extLst>
-              <a:ext uri="{FF2B5EF4-FFF2-40B4-BE49-F238E27FC236}">
-                <a16:creationId xmlns:a16="http://schemas.microsoft.com/office/drawing/2014/main" id="{B354F40B-1005-4003-A967-39423C286B88}"/>
+              <a:ext uri="{28A0092B-C50C-407E-A947-70E740481C1C}">
+                <a14:useLocalDpi xmlns:a14="http://schemas.microsoft.com/office/drawing/2010/main" val="0"/>
               </a:ext>
             </a:extLst>
-          </p:cNvPr>
+          </a:blip>
+          <a:stretch>
+            <a:fillRect/>
+          </a:stretch>
+        </p:blipFill>
+        <p:spPr>
+          <a:xfrm>
+            <a:off x="0" y="4375150"/>
+            <a:ext cx="12192000" cy="2482850"/>
+          </a:xfrm>
+          <a:prstGeom prst="rect">
+            <a:avLst/>
+          </a:prstGeom>
+        </p:spPr>
+      </p:pic>
+      <p:sp>
+        <p:nvSpPr>
+          <p:cNvPr id="2" name="Vertical Title 1"/>
           <p:cNvSpPr>
             <a:spLocks noGrp="1"/>
           </p:cNvSpPr>
@@ -564,30 +3183,29 @@
         </p:nvSpPr>
         <p:spPr>
           <a:xfrm>
-            <a:off x="8724900" y="365125"/>
-            <a:ext cx="2628900" cy="5811838"/>
+            <a:off x="9448800" y="745066"/>
+            <a:ext cx="2057400" cy="3903133"/>
           </a:xfrm>
         </p:spPr>
         <p:txBody>
           <a:bodyPr vert="eaVert"/>
-          <a:lstStyle/>
+          <a:lstStyle>
+            <a:lvl1pPr algn="l">
+              <a:defRPr/>
+            </a:lvl1pPr>
+          </a:lstStyle>
           <a:p>
             <a:r>
               <a:rPr lang="ru-RU"/>
               <a:t>Образец заголовка</a:t>
             </a:r>
-          </a:p>
-        </p:txBody>
-      </p:sp>
-      <p:sp>
-        <p:nvSpPr>
-          <p:cNvPr id="3" name="Вертикальный текст 2">
-            <a:extLst>
-              <a:ext uri="{FF2B5EF4-FFF2-40B4-BE49-F238E27FC236}">
-                <a16:creationId xmlns:a16="http://schemas.microsoft.com/office/drawing/2014/main" id="{4F524C64-ADAD-4A1F-ACAB-19ADE09E9A21}"/>
-              </a:ext>
-            </a:extLst>
-          </p:cNvPr>
+            <a:endParaRPr lang="en-US" dirty="0"/>
+          </a:p>
+        </p:txBody>
+      </p:sp>
+      <p:sp>
+        <p:nvSpPr>
+          <p:cNvPr id="3" name="Vertical Text Placeholder 2"/>
           <p:cNvSpPr>
             <a:spLocks noGrp="1"/>
           </p:cNvSpPr>
@@ -597,8 +3215,8 @@
         </p:nvSpPr>
         <p:spPr>
           <a:xfrm>
-            <a:off x="838200" y="365125"/>
-            <a:ext cx="7734300" cy="5811838"/>
+            <a:off x="1024466" y="745067"/>
+            <a:ext cx="8204201" cy="3903133"/>
           </a:xfrm>
         </p:spPr>
         <p:txBody>
@@ -638,18 +3256,13 @@
               <a:rPr lang="ru-RU"/>
               <a:t>Пятый уровень</a:t>
             </a:r>
-          </a:p>
-        </p:txBody>
-      </p:sp>
-      <p:sp>
-        <p:nvSpPr>
-          <p:cNvPr id="4" name="Дата 3">
-            <a:extLst>
-              <a:ext uri="{FF2B5EF4-FFF2-40B4-BE49-F238E27FC236}">
-                <a16:creationId xmlns:a16="http://schemas.microsoft.com/office/drawing/2014/main" id="{98BBFC26-C2C6-4BBA-8577-72B5372E1D11}"/>
-              </a:ext>
-            </a:extLst>
-          </p:cNvPr>
+            <a:endParaRPr lang="en-US" dirty="0"/>
+          </a:p>
+        </p:txBody>
+      </p:sp>
+      <p:sp>
+        <p:nvSpPr>
+          <p:cNvPr id="4" name="Date Placeholder 3"/>
           <p:cNvSpPr>
             <a:spLocks noGrp="1"/>
           </p:cNvSpPr>
@@ -657,14 +3270,23 @@
             <p:ph type="dt" sz="half" idx="10"/>
           </p:nvPr>
         </p:nvSpPr>
-        <p:spPr/>
-        <p:txBody>
-          <a:bodyPr/>
-          <a:lstStyle/>
+        <p:spPr>
+          <a:xfrm>
+            <a:off x="7814452" y="379941"/>
+            <a:ext cx="2910840" cy="365125"/>
+          </a:xfrm>
+        </p:spPr>
+        <p:txBody>
+          <a:bodyPr/>
+          <a:lstStyle>
+            <a:lvl1pPr algn="r">
+              <a:defRPr/>
+            </a:lvl1pPr>
+          </a:lstStyle>
           <a:p>
             <a:fld id="{2D35C71F-6809-43C0-A892-EF4C918F4A43}" type="datetimeFigureOut">
               <a:rPr lang="ru-RU" smtClean="0"/>
-              <a:t>13.04.2022</a:t>
+              <a:t>17.04.2022</a:t>
             </a:fld>
             <a:endParaRPr lang="ru-RU"/>
           </a:p>
@@ -672,13 +3294,7 @@
       </p:sp>
       <p:sp>
         <p:nvSpPr>
-          <p:cNvPr id="5" name="Нижний колонтитул 4">
-            <a:extLst>
-              <a:ext uri="{FF2B5EF4-FFF2-40B4-BE49-F238E27FC236}">
-                <a16:creationId xmlns:a16="http://schemas.microsoft.com/office/drawing/2014/main" id="{9AFAB850-4611-45FF-A817-402FA79EF297}"/>
-              </a:ext>
-            </a:extLst>
-          </p:cNvPr>
+          <p:cNvPr id="5" name="Footer Placeholder 4"/>
           <p:cNvSpPr>
             <a:spLocks noGrp="1"/>
           </p:cNvSpPr>
@@ -686,7 +3302,12 @@
             <p:ph type="ftr" sz="quarter" idx="11"/>
           </p:nvPr>
         </p:nvSpPr>
-        <p:spPr/>
+        <p:spPr>
+          <a:xfrm>
+            <a:off x="685800" y="381000"/>
+            <a:ext cx="6991492" cy="365125"/>
+          </a:xfrm>
+        </p:spPr>
         <p:txBody>
           <a:bodyPr/>
           <a:lstStyle/>
@@ -697,13 +3318,7 @@
       </p:sp>
       <p:sp>
         <p:nvSpPr>
-          <p:cNvPr id="6" name="Номер слайда 5">
-            <a:extLst>
-              <a:ext uri="{FF2B5EF4-FFF2-40B4-BE49-F238E27FC236}">
-                <a16:creationId xmlns:a16="http://schemas.microsoft.com/office/drawing/2014/main" id="{9983A56A-DBE8-43DD-B13F-3BA0B5BF9A09}"/>
-              </a:ext>
-            </a:extLst>
-          </p:cNvPr>
+          <p:cNvPr id="6" name="Slide Number Placeholder 5"/>
           <p:cNvSpPr>
             <a:spLocks noGrp="1"/>
           </p:cNvSpPr>
@@ -711,7 +3326,12 @@
             <p:ph type="sldNum" sz="quarter" idx="12"/>
           </p:nvPr>
         </p:nvSpPr>
-        <p:spPr/>
+        <p:spPr>
+          <a:xfrm>
+            <a:off x="10862452" y="381000"/>
+            <a:ext cx="643748" cy="365125"/>
+          </a:xfrm>
+        </p:spPr>
         <p:txBody>
           <a:bodyPr/>
           <a:lstStyle/>
@@ -727,7 +3347,7 @@
     </p:spTree>
     <p:extLst>
       <p:ext uri="{BB962C8B-B14F-4D97-AF65-F5344CB8AC3E}">
-        <p14:creationId xmlns:p14="http://schemas.microsoft.com/office/powerpoint/2010/main" val="3556683926"/>
+        <p14:creationId xmlns:p14="http://schemas.microsoft.com/office/powerpoint/2010/main" val="997447830"/>
       </p:ext>
     </p:extLst>
   </p:cSld>
@@ -756,13 +3376,7 @@
       </p:grpSpPr>
       <p:sp>
         <p:nvSpPr>
-          <p:cNvPr id="2" name="Заголовок 1">
-            <a:extLst>
-              <a:ext uri="{FF2B5EF4-FFF2-40B4-BE49-F238E27FC236}">
-                <a16:creationId xmlns:a16="http://schemas.microsoft.com/office/drawing/2014/main" id="{BA608E81-4C8E-46E6-A854-412D0DD3C215}"/>
-              </a:ext>
-            </a:extLst>
-          </p:cNvPr>
+          <p:cNvPr id="2" name="Title 1"/>
           <p:cNvSpPr>
             <a:spLocks noGrp="1"/>
           </p:cNvSpPr>
@@ -779,18 +3393,13 @@
               <a:rPr lang="ru-RU"/>
               <a:t>Образец заголовка</a:t>
             </a:r>
-          </a:p>
-        </p:txBody>
-      </p:sp>
-      <p:sp>
-        <p:nvSpPr>
-          <p:cNvPr id="3" name="Объект 2">
-            <a:extLst>
-              <a:ext uri="{FF2B5EF4-FFF2-40B4-BE49-F238E27FC236}">
-                <a16:creationId xmlns:a16="http://schemas.microsoft.com/office/drawing/2014/main" id="{131EA636-BA9A-4C4B-B9BC-BA347D6AAB65}"/>
-              </a:ext>
-            </a:extLst>
-          </p:cNvPr>
+            <a:endParaRPr lang="en-US" dirty="0"/>
+          </a:p>
+        </p:txBody>
+      </p:sp>
+      <p:sp>
+        <p:nvSpPr>
+          <p:cNvPr id="3" name="Content Placeholder 2"/>
           <p:cNvSpPr>
             <a:spLocks noGrp="1"/>
           </p:cNvSpPr>
@@ -836,18 +3445,13 @@
               <a:rPr lang="ru-RU"/>
               <a:t>Пятый уровень</a:t>
             </a:r>
-          </a:p>
-        </p:txBody>
-      </p:sp>
-      <p:sp>
-        <p:nvSpPr>
-          <p:cNvPr id="4" name="Дата 3">
-            <a:extLst>
-              <a:ext uri="{FF2B5EF4-FFF2-40B4-BE49-F238E27FC236}">
-                <a16:creationId xmlns:a16="http://schemas.microsoft.com/office/drawing/2014/main" id="{70A05E99-D324-49FA-878C-EC81461083E5}"/>
-              </a:ext>
-            </a:extLst>
-          </p:cNvPr>
+            <a:endParaRPr lang="en-US" dirty="0"/>
+          </a:p>
+        </p:txBody>
+      </p:sp>
+      <p:sp>
+        <p:nvSpPr>
+          <p:cNvPr id="4" name="Date Placeholder 3"/>
           <p:cNvSpPr>
             <a:spLocks noGrp="1"/>
           </p:cNvSpPr>
@@ -862,7 +3466,7 @@
           <a:p>
             <a:fld id="{2D35C71F-6809-43C0-A892-EF4C918F4A43}" type="datetimeFigureOut">
               <a:rPr lang="ru-RU" smtClean="0"/>
-              <a:t>13.04.2022</a:t>
+              <a:t>17.04.2022</a:t>
             </a:fld>
             <a:endParaRPr lang="ru-RU"/>
           </a:p>
@@ -870,13 +3474,7 @@
       </p:sp>
       <p:sp>
         <p:nvSpPr>
-          <p:cNvPr id="5" name="Нижний колонтитул 4">
-            <a:extLst>
-              <a:ext uri="{FF2B5EF4-FFF2-40B4-BE49-F238E27FC236}">
-                <a16:creationId xmlns:a16="http://schemas.microsoft.com/office/drawing/2014/main" id="{AA06B28C-71F8-42D4-A3A5-9A9CB82A0D0A}"/>
-              </a:ext>
-            </a:extLst>
-          </p:cNvPr>
+          <p:cNvPr id="5" name="Footer Placeholder 4"/>
           <p:cNvSpPr>
             <a:spLocks noGrp="1"/>
           </p:cNvSpPr>
@@ -895,13 +3493,7 @@
       </p:sp>
       <p:sp>
         <p:nvSpPr>
-          <p:cNvPr id="6" name="Номер слайда 5">
-            <a:extLst>
-              <a:ext uri="{FF2B5EF4-FFF2-40B4-BE49-F238E27FC236}">
-                <a16:creationId xmlns:a16="http://schemas.microsoft.com/office/drawing/2014/main" id="{05A42577-380F-42DE-9B46-C6D8DA7418BB}"/>
-              </a:ext>
-            </a:extLst>
-          </p:cNvPr>
+          <p:cNvPr id="6" name="Slide Number Placeholder 5"/>
           <p:cNvSpPr>
             <a:spLocks noGrp="1"/>
           </p:cNvSpPr>
@@ -925,7 +3517,7 @@
     </p:spTree>
     <p:extLst>
       <p:ext uri="{BB962C8B-B14F-4D97-AF65-F5344CB8AC3E}">
-        <p14:creationId xmlns:p14="http://schemas.microsoft.com/office/powerpoint/2010/main" val="3997163738"/>
+        <p14:creationId xmlns:p14="http://schemas.microsoft.com/office/powerpoint/2010/main" val="2360939238"/>
       </p:ext>
     </p:extLst>
   </p:cSld>
@@ -936,7 +3528,7 @@
 </file>
 
 <file path=ppt/slideLayouts/slideLayout3.xml><?xml version="1.0" encoding="utf-8"?>
-<p:sldLayout xmlns:a="http://schemas.openxmlformats.org/drawingml/2006/main" xmlns:r="http://schemas.openxmlformats.org/officeDocument/2006/relationships" xmlns:p="http://schemas.openxmlformats.org/presentationml/2006/main" type="secHead" preserve="1">
+<p:sldLayout xmlns:a="http://schemas.openxmlformats.org/drawingml/2006/main" xmlns:r="http://schemas.openxmlformats.org/officeDocument/2006/relationships" xmlns:p="http://schemas.openxmlformats.org/presentationml/2006/main" showMasterSp="0" type="secHead" preserve="1">
   <p:cSld name="Заголовок раздела">
     <p:spTree>
       <p:nvGrpSpPr>
@@ -952,15 +3544,39 @@
           <a:chExt cx="0" cy="0"/>
         </a:xfrm>
       </p:grpSpPr>
-      <p:sp>
-        <p:nvSpPr>
-          <p:cNvPr id="2" name="Заголовок 1">
+      <p:pic>
+        <p:nvPicPr>
+          <p:cNvPr id="9" name="Picture 8" descr="C0-HD-BTM.png"/>
+          <p:cNvPicPr>
+            <a:picLocks noChangeAspect="1"/>
+          </p:cNvPicPr>
+          <p:nvPr/>
+        </p:nvPicPr>
+        <p:blipFill>
+          <a:blip r:embed="rId2">
             <a:extLst>
-              <a:ext uri="{FF2B5EF4-FFF2-40B4-BE49-F238E27FC236}">
-                <a16:creationId xmlns:a16="http://schemas.microsoft.com/office/drawing/2014/main" id="{7F88CF24-37F5-417E-93AC-CB9EB8E285A0}"/>
+              <a:ext uri="{28A0092B-C50C-407E-A947-70E740481C1C}">
+                <a14:useLocalDpi xmlns:a14="http://schemas.microsoft.com/office/drawing/2010/main" val="0"/>
               </a:ext>
             </a:extLst>
-          </p:cNvPr>
+          </a:blip>
+          <a:stretch>
+            <a:fillRect/>
+          </a:stretch>
+        </p:blipFill>
+        <p:spPr>
+          <a:xfrm>
+            <a:off x="0" y="4375150"/>
+            <a:ext cx="12192000" cy="2482850"/>
+          </a:xfrm>
+          <a:prstGeom prst="rect">
+            <a:avLst/>
+          </a:prstGeom>
+        </p:spPr>
+      </p:pic>
+      <p:sp>
+        <p:nvSpPr>
+          <p:cNvPr id="2" name="Title 1"/>
           <p:cNvSpPr>
             <a:spLocks noGrp="1"/>
           </p:cNvSpPr>
@@ -970,15 +3586,17 @@
         </p:nvSpPr>
         <p:spPr>
           <a:xfrm>
-            <a:off x="831850" y="1709738"/>
-            <a:ext cx="10515600" cy="2852737"/>
-          </a:xfrm>
-        </p:spPr>
-        <p:txBody>
-          <a:bodyPr anchor="b"/>
+            <a:off x="685800" y="753533"/>
+            <a:ext cx="10820399" cy="2801935"/>
+          </a:xfrm>
+        </p:spPr>
+        <p:txBody>
+          <a:bodyPr anchor="b">
+            <a:normAutofit/>
+          </a:bodyPr>
           <a:lstStyle>
-            <a:lvl1pPr>
-              <a:defRPr sz="6000"/>
+            <a:lvl1pPr algn="r">
+              <a:defRPr sz="4000"/>
             </a:lvl1pPr>
           </a:lstStyle>
           <a:p>
@@ -986,18 +3604,13 @@
               <a:rPr lang="ru-RU"/>
               <a:t>Образец заголовка</a:t>
             </a:r>
-          </a:p>
-        </p:txBody>
-      </p:sp>
-      <p:sp>
-        <p:nvSpPr>
-          <p:cNvPr id="3" name="Текст 2">
-            <a:extLst>
-              <a:ext uri="{FF2B5EF4-FFF2-40B4-BE49-F238E27FC236}">
-                <a16:creationId xmlns:a16="http://schemas.microsoft.com/office/drawing/2014/main" id="{8DDF80C0-5CC3-4135-8B50-059252992AF6}"/>
-              </a:ext>
-            </a:extLst>
-          </p:cNvPr>
+            <a:endParaRPr lang="en-US" dirty="0"/>
+          </a:p>
+        </p:txBody>
+      </p:sp>
+      <p:sp>
+        <p:nvSpPr>
+          <p:cNvPr id="3" name="Text Placeholder 2"/>
           <p:cNvSpPr>
             <a:spLocks noGrp="1"/>
           </p:cNvSpPr>
@@ -1007,16 +3620,18 @@
         </p:nvSpPr>
         <p:spPr>
           <a:xfrm>
-            <a:off x="831850" y="4589463"/>
-            <a:ext cx="10515600" cy="1500187"/>
-          </a:xfrm>
-        </p:spPr>
-        <p:txBody>
-          <a:bodyPr/>
+            <a:off x="1024467" y="3641725"/>
+            <a:ext cx="10490200" cy="955675"/>
+          </a:xfrm>
+        </p:spPr>
+        <p:txBody>
+          <a:bodyPr>
+            <a:normAutofit/>
+          </a:bodyPr>
           <a:lstStyle>
-            <a:lvl1pPr marL="0" indent="0">
-              <a:buNone/>
-              <a:defRPr sz="2400">
+            <a:lvl1pPr marL="0" indent="0" algn="r">
+              <a:buNone/>
+              <a:defRPr sz="2200">
                 <a:solidFill>
                   <a:schemeClr val="tx1">
                     <a:tint val="75000"/>
@@ -1116,13 +3731,7 @@
       </p:sp>
       <p:sp>
         <p:nvSpPr>
-          <p:cNvPr id="4" name="Дата 3">
-            <a:extLst>
-              <a:ext uri="{FF2B5EF4-FFF2-40B4-BE49-F238E27FC236}">
-                <a16:creationId xmlns:a16="http://schemas.microsoft.com/office/drawing/2014/main" id="{5532CED3-6878-40EC-BE6D-981F983C8DB0}"/>
-              </a:ext>
-            </a:extLst>
-          </p:cNvPr>
+          <p:cNvPr id="4" name="Date Placeholder 3"/>
           <p:cNvSpPr>
             <a:spLocks noGrp="1"/>
           </p:cNvSpPr>
@@ -1130,14 +3739,23 @@
             <p:ph type="dt" sz="half" idx="10"/>
           </p:nvPr>
         </p:nvSpPr>
-        <p:spPr/>
-        <p:txBody>
-          <a:bodyPr/>
-          <a:lstStyle/>
+        <p:spPr>
+          <a:xfrm>
+            <a:off x="7814452" y="381000"/>
+            <a:ext cx="2910840" cy="365125"/>
+          </a:xfrm>
+        </p:spPr>
+        <p:txBody>
+          <a:bodyPr/>
+          <a:lstStyle>
+            <a:lvl1pPr algn="r">
+              <a:defRPr/>
+            </a:lvl1pPr>
+          </a:lstStyle>
           <a:p>
             <a:fld id="{2D35C71F-6809-43C0-A892-EF4C918F4A43}" type="datetimeFigureOut">
               <a:rPr lang="ru-RU" smtClean="0"/>
-              <a:t>13.04.2022</a:t>
+              <a:t>17.04.2022</a:t>
             </a:fld>
             <a:endParaRPr lang="ru-RU"/>
           </a:p>
@@ -1145,13 +3763,7 @@
       </p:sp>
       <p:sp>
         <p:nvSpPr>
-          <p:cNvPr id="5" name="Нижний колонтитул 4">
-            <a:extLst>
-              <a:ext uri="{FF2B5EF4-FFF2-40B4-BE49-F238E27FC236}">
-                <a16:creationId xmlns:a16="http://schemas.microsoft.com/office/drawing/2014/main" id="{8CD856E2-0E69-4F95-972D-9160B6D35EDF}"/>
-              </a:ext>
-            </a:extLst>
-          </p:cNvPr>
+          <p:cNvPr id="5" name="Footer Placeholder 4"/>
           <p:cNvSpPr>
             <a:spLocks noGrp="1"/>
           </p:cNvSpPr>
@@ -1159,7 +3771,12 @@
             <p:ph type="ftr" sz="quarter" idx="11"/>
           </p:nvPr>
         </p:nvSpPr>
-        <p:spPr/>
+        <p:spPr>
+          <a:xfrm>
+            <a:off x="685800" y="381001"/>
+            <a:ext cx="6991492" cy="364065"/>
+          </a:xfrm>
+        </p:spPr>
         <p:txBody>
           <a:bodyPr/>
           <a:lstStyle/>
@@ -1170,13 +3787,7 @@
       </p:sp>
       <p:sp>
         <p:nvSpPr>
-          <p:cNvPr id="6" name="Номер слайда 5">
-            <a:extLst>
-              <a:ext uri="{FF2B5EF4-FFF2-40B4-BE49-F238E27FC236}">
-                <a16:creationId xmlns:a16="http://schemas.microsoft.com/office/drawing/2014/main" id="{82A8B613-7309-4C60-978E-CC3B58F2E29E}"/>
-              </a:ext>
-            </a:extLst>
-          </p:cNvPr>
+          <p:cNvPr id="6" name="Slide Number Placeholder 5"/>
           <p:cNvSpPr>
             <a:spLocks noGrp="1"/>
           </p:cNvSpPr>
@@ -1184,7 +3795,12 @@
             <p:ph type="sldNum" sz="quarter" idx="12"/>
           </p:nvPr>
         </p:nvSpPr>
-        <p:spPr/>
+        <p:spPr>
+          <a:xfrm>
+            <a:off x="10862452" y="381000"/>
+            <a:ext cx="643748" cy="365125"/>
+          </a:xfrm>
+        </p:spPr>
         <p:txBody>
           <a:bodyPr/>
           <a:lstStyle/>
@@ -1200,7 +3816,7 @@
     </p:spTree>
     <p:extLst>
       <p:ext uri="{BB962C8B-B14F-4D97-AF65-F5344CB8AC3E}">
-        <p14:creationId xmlns:p14="http://schemas.microsoft.com/office/powerpoint/2010/main" val="3654080588"/>
+        <p14:creationId xmlns:p14="http://schemas.microsoft.com/office/powerpoint/2010/main" val="2888467299"/>
       </p:ext>
     </p:extLst>
   </p:cSld>
@@ -1229,13 +3845,7 @@
       </p:grpSpPr>
       <p:sp>
         <p:nvSpPr>
-          <p:cNvPr id="2" name="Заголовок 1">
-            <a:extLst>
-              <a:ext uri="{FF2B5EF4-FFF2-40B4-BE49-F238E27FC236}">
-                <a16:creationId xmlns:a16="http://schemas.microsoft.com/office/drawing/2014/main" id="{038CECB8-8C9E-4121-91B6-CB6D7B375EE3}"/>
-              </a:ext>
-            </a:extLst>
-          </p:cNvPr>
+          <p:cNvPr id="2" name="Title 1"/>
           <p:cNvSpPr>
             <a:spLocks noGrp="1"/>
           </p:cNvSpPr>
@@ -1252,18 +3862,13 @@
               <a:rPr lang="ru-RU"/>
               <a:t>Образец заголовка</a:t>
             </a:r>
-          </a:p>
-        </p:txBody>
-      </p:sp>
-      <p:sp>
-        <p:nvSpPr>
-          <p:cNvPr id="3" name="Объект 2">
-            <a:extLst>
-              <a:ext uri="{FF2B5EF4-FFF2-40B4-BE49-F238E27FC236}">
-                <a16:creationId xmlns:a16="http://schemas.microsoft.com/office/drawing/2014/main" id="{9EC50301-50D1-48EE-A0BF-1D1D564F7133}"/>
-              </a:ext>
-            </a:extLst>
-          </p:cNvPr>
+            <a:endParaRPr lang="en-US" dirty="0"/>
+          </a:p>
+        </p:txBody>
+      </p:sp>
+      <p:sp>
+        <p:nvSpPr>
+          <p:cNvPr id="3" name="Content Placeholder 2"/>
           <p:cNvSpPr>
             <a:spLocks noGrp="1"/>
           </p:cNvSpPr>
@@ -1273,8 +3878,8 @@
         </p:nvSpPr>
         <p:spPr>
           <a:xfrm>
-            <a:off x="838200" y="1825625"/>
-            <a:ext cx="5181600" cy="4351338"/>
+            <a:off x="685800" y="2194559"/>
+            <a:ext cx="5334000" cy="4024125"/>
           </a:xfrm>
         </p:spPr>
         <p:txBody>
@@ -1314,18 +3919,13 @@
               <a:rPr lang="ru-RU"/>
               <a:t>Пятый уровень</a:t>
             </a:r>
-          </a:p>
-        </p:txBody>
-      </p:sp>
-      <p:sp>
-        <p:nvSpPr>
-          <p:cNvPr id="4" name="Объект 3">
-            <a:extLst>
-              <a:ext uri="{FF2B5EF4-FFF2-40B4-BE49-F238E27FC236}">
-                <a16:creationId xmlns:a16="http://schemas.microsoft.com/office/drawing/2014/main" id="{3DED5FEC-A99F-4452-BB3D-2ABE382AA042}"/>
-              </a:ext>
-            </a:extLst>
-          </p:cNvPr>
+            <a:endParaRPr lang="en-US" dirty="0"/>
+          </a:p>
+        </p:txBody>
+      </p:sp>
+      <p:sp>
+        <p:nvSpPr>
+          <p:cNvPr id="4" name="Content Placeholder 3"/>
           <p:cNvSpPr>
             <a:spLocks noGrp="1"/>
           </p:cNvSpPr>
@@ -1335,8 +3935,8 @@
         </p:nvSpPr>
         <p:spPr>
           <a:xfrm>
-            <a:off x="6172200" y="1825625"/>
-            <a:ext cx="5181600" cy="4351338"/>
+            <a:off x="6172200" y="2194559"/>
+            <a:ext cx="5334000" cy="4024125"/>
           </a:xfrm>
         </p:spPr>
         <p:txBody>
@@ -1376,18 +3976,13 @@
               <a:rPr lang="ru-RU"/>
               <a:t>Пятый уровень</a:t>
             </a:r>
-          </a:p>
-        </p:txBody>
-      </p:sp>
-      <p:sp>
-        <p:nvSpPr>
-          <p:cNvPr id="5" name="Дата 4">
-            <a:extLst>
-              <a:ext uri="{FF2B5EF4-FFF2-40B4-BE49-F238E27FC236}">
-                <a16:creationId xmlns:a16="http://schemas.microsoft.com/office/drawing/2014/main" id="{4C09C06F-438A-49A9-A5D0-EA269A31057E}"/>
-              </a:ext>
-            </a:extLst>
-          </p:cNvPr>
+            <a:endParaRPr lang="en-US" dirty="0"/>
+          </a:p>
+        </p:txBody>
+      </p:sp>
+      <p:sp>
+        <p:nvSpPr>
+          <p:cNvPr id="5" name="Date Placeholder 4"/>
           <p:cNvSpPr>
             <a:spLocks noGrp="1"/>
           </p:cNvSpPr>
@@ -1402,7 +3997,7 @@
           <a:p>
             <a:fld id="{2D35C71F-6809-43C0-A892-EF4C918F4A43}" type="datetimeFigureOut">
               <a:rPr lang="ru-RU" smtClean="0"/>
-              <a:t>13.04.2022</a:t>
+              <a:t>17.04.2022</a:t>
             </a:fld>
             <a:endParaRPr lang="ru-RU"/>
           </a:p>
@@ -1410,13 +4005,7 @@
       </p:sp>
       <p:sp>
         <p:nvSpPr>
-          <p:cNvPr id="6" name="Нижний колонтитул 5">
-            <a:extLst>
-              <a:ext uri="{FF2B5EF4-FFF2-40B4-BE49-F238E27FC236}">
-                <a16:creationId xmlns:a16="http://schemas.microsoft.com/office/drawing/2014/main" id="{10A726CE-83D4-4575-BA47-13289BA38083}"/>
-              </a:ext>
-            </a:extLst>
-          </p:cNvPr>
+          <p:cNvPr id="6" name="Footer Placeholder 5"/>
           <p:cNvSpPr>
             <a:spLocks noGrp="1"/>
           </p:cNvSpPr>
@@ -1435,13 +4024,7 @@
       </p:sp>
       <p:sp>
         <p:nvSpPr>
-          <p:cNvPr id="7" name="Номер слайда 6">
-            <a:extLst>
-              <a:ext uri="{FF2B5EF4-FFF2-40B4-BE49-F238E27FC236}">
-                <a16:creationId xmlns:a16="http://schemas.microsoft.com/office/drawing/2014/main" id="{CD908A9B-508C-4214-A608-0C2BD8FA669A}"/>
-              </a:ext>
-            </a:extLst>
-          </p:cNvPr>
+          <p:cNvPr id="7" name="Slide Number Placeholder 6"/>
           <p:cNvSpPr>
             <a:spLocks noGrp="1"/>
           </p:cNvSpPr>
@@ -1465,7 +4048,7 @@
     </p:spTree>
     <p:extLst>
       <p:ext uri="{BB962C8B-B14F-4D97-AF65-F5344CB8AC3E}">
-        <p14:creationId xmlns:p14="http://schemas.microsoft.com/office/powerpoint/2010/main" val="1664178229"/>
+        <p14:creationId xmlns:p14="http://schemas.microsoft.com/office/powerpoint/2010/main" val="3450398156"/>
       </p:ext>
     </p:extLst>
   </p:cSld>
@@ -1494,13 +4077,7 @@
       </p:grpSpPr>
       <p:sp>
         <p:nvSpPr>
-          <p:cNvPr id="2" name="Заголовок 1">
-            <a:extLst>
-              <a:ext uri="{FF2B5EF4-FFF2-40B4-BE49-F238E27FC236}">
-                <a16:creationId xmlns:a16="http://schemas.microsoft.com/office/drawing/2014/main" id="{90E2F6AB-451A-422B-B828-8A85E30A6D0E}"/>
-              </a:ext>
-            </a:extLst>
-          </p:cNvPr>
+          <p:cNvPr id="2" name="Title 1"/>
           <p:cNvSpPr>
             <a:spLocks noGrp="1"/>
           </p:cNvSpPr>
@@ -1510,8 +4087,8 @@
         </p:nvSpPr>
         <p:spPr>
           <a:xfrm>
-            <a:off x="839788" y="365125"/>
-            <a:ext cx="10515600" cy="1325563"/>
+            <a:off x="2895600" y="762000"/>
+            <a:ext cx="8610600" cy="1295400"/>
           </a:xfrm>
         </p:spPr>
         <p:txBody>
@@ -1522,18 +4099,13 @@
               <a:rPr lang="ru-RU"/>
               <a:t>Образец заголовка</a:t>
             </a:r>
-          </a:p>
-        </p:txBody>
-      </p:sp>
-      <p:sp>
-        <p:nvSpPr>
-          <p:cNvPr id="3" name="Текст 2">
-            <a:extLst>
-              <a:ext uri="{FF2B5EF4-FFF2-40B4-BE49-F238E27FC236}">
-                <a16:creationId xmlns:a16="http://schemas.microsoft.com/office/drawing/2014/main" id="{D9769ED2-FD43-42B1-968B-2AAD02B85E25}"/>
-              </a:ext>
-            </a:extLst>
-          </p:cNvPr>
+            <a:endParaRPr lang="en-US" dirty="0"/>
+          </a:p>
+        </p:txBody>
+      </p:sp>
+      <p:sp>
+        <p:nvSpPr>
+          <p:cNvPr id="3" name="Text Placeholder 2"/>
           <p:cNvSpPr>
             <a:spLocks noGrp="1"/>
           </p:cNvSpPr>
@@ -1543,16 +4115,22 @@
         </p:nvSpPr>
         <p:spPr>
           <a:xfrm>
-            <a:off x="839788" y="1681163"/>
-            <a:ext cx="5157787" cy="823912"/>
-          </a:xfrm>
-        </p:spPr>
-        <p:txBody>
-          <a:bodyPr anchor="b"/>
+            <a:off x="914409" y="2183802"/>
+            <a:ext cx="5079991" cy="823912"/>
+          </a:xfrm>
+        </p:spPr>
+        <p:txBody>
+          <a:bodyPr anchor="b">
+            <a:normAutofit/>
+          </a:bodyPr>
           <a:lstStyle>
             <a:lvl1pPr marL="0" indent="0">
               <a:buNone/>
-              <a:defRPr sz="2400" b="1"/>
+              <a:defRPr sz="2800" b="0">
+                <a:solidFill>
+                  <a:schemeClr val="tx1"/>
+                </a:solidFill>
+              </a:defRPr>
             </a:lvl1pPr>
             <a:lvl2pPr marL="457200" indent="0">
               <a:buNone/>
@@ -1598,13 +4176,7 @@
       </p:sp>
       <p:sp>
         <p:nvSpPr>
-          <p:cNvPr id="4" name="Объект 3">
-            <a:extLst>
-              <a:ext uri="{FF2B5EF4-FFF2-40B4-BE49-F238E27FC236}">
-                <a16:creationId xmlns:a16="http://schemas.microsoft.com/office/drawing/2014/main" id="{6A910BB4-AF2A-48EF-A738-41DCB5964B61}"/>
-              </a:ext>
-            </a:extLst>
-          </p:cNvPr>
+          <p:cNvPr id="4" name="Content Placeholder 3"/>
           <p:cNvSpPr>
             <a:spLocks noGrp="1"/>
           </p:cNvSpPr>
@@ -1614,8 +4186,8 @@
         </p:nvSpPr>
         <p:spPr>
           <a:xfrm>
-            <a:off x="839788" y="2505075"/>
-            <a:ext cx="5157787" cy="3684588"/>
+            <a:off x="685800" y="3132666"/>
+            <a:ext cx="5311775" cy="3086019"/>
           </a:xfrm>
         </p:spPr>
         <p:txBody>
@@ -1655,18 +4227,13 @@
               <a:rPr lang="ru-RU"/>
               <a:t>Пятый уровень</a:t>
             </a:r>
-          </a:p>
-        </p:txBody>
-      </p:sp>
-      <p:sp>
-        <p:nvSpPr>
-          <p:cNvPr id="5" name="Текст 4">
-            <a:extLst>
-              <a:ext uri="{FF2B5EF4-FFF2-40B4-BE49-F238E27FC236}">
-                <a16:creationId xmlns:a16="http://schemas.microsoft.com/office/drawing/2014/main" id="{782D4C3D-BD16-462D-BA35-89A680E872A9}"/>
-              </a:ext>
-            </a:extLst>
-          </p:cNvPr>
+            <a:endParaRPr lang="en-US" dirty="0"/>
+          </a:p>
+        </p:txBody>
+      </p:sp>
+      <p:sp>
+        <p:nvSpPr>
+          <p:cNvPr id="5" name="Text Placeholder 4"/>
           <p:cNvSpPr>
             <a:spLocks noGrp="1"/>
           </p:cNvSpPr>
@@ -1676,16 +4243,22 @@
         </p:nvSpPr>
         <p:spPr>
           <a:xfrm>
-            <a:off x="6172200" y="1681163"/>
-            <a:ext cx="5183188" cy="823912"/>
-          </a:xfrm>
-        </p:spPr>
-        <p:txBody>
-          <a:bodyPr anchor="b"/>
+            <a:off x="6400800" y="2183802"/>
+            <a:ext cx="5105400" cy="823912"/>
+          </a:xfrm>
+        </p:spPr>
+        <p:txBody>
+          <a:bodyPr anchor="b">
+            <a:normAutofit/>
+          </a:bodyPr>
           <a:lstStyle>
             <a:lvl1pPr marL="0" indent="0">
               <a:buNone/>
-              <a:defRPr sz="2400" b="1"/>
+              <a:defRPr sz="2800" b="0">
+                <a:solidFill>
+                  <a:schemeClr val="tx1"/>
+                </a:solidFill>
+              </a:defRPr>
             </a:lvl1pPr>
             <a:lvl2pPr marL="457200" indent="0">
               <a:buNone/>
@@ -1731,13 +4304,7 @@
       </p:sp>
       <p:sp>
         <p:nvSpPr>
-          <p:cNvPr id="6" name="Объект 5">
-            <a:extLst>
-              <a:ext uri="{FF2B5EF4-FFF2-40B4-BE49-F238E27FC236}">
-                <a16:creationId xmlns:a16="http://schemas.microsoft.com/office/drawing/2014/main" id="{6903882A-C173-47A8-9E08-CA87F58C58EF}"/>
-              </a:ext>
-            </a:extLst>
-          </p:cNvPr>
+          <p:cNvPr id="6" name="Content Placeholder 5"/>
           <p:cNvSpPr>
             <a:spLocks noGrp="1"/>
           </p:cNvSpPr>
@@ -1747,8 +4314,8 @@
         </p:nvSpPr>
         <p:spPr>
           <a:xfrm>
-            <a:off x="6172200" y="2505075"/>
-            <a:ext cx="5183188" cy="3684588"/>
+            <a:off x="6172200" y="3132666"/>
+            <a:ext cx="5334000" cy="3086019"/>
           </a:xfrm>
         </p:spPr>
         <p:txBody>
@@ -1788,18 +4355,13 @@
               <a:rPr lang="ru-RU"/>
               <a:t>Пятый уровень</a:t>
             </a:r>
-          </a:p>
-        </p:txBody>
-      </p:sp>
-      <p:sp>
-        <p:nvSpPr>
-          <p:cNvPr id="7" name="Дата 6">
-            <a:extLst>
-              <a:ext uri="{FF2B5EF4-FFF2-40B4-BE49-F238E27FC236}">
-                <a16:creationId xmlns:a16="http://schemas.microsoft.com/office/drawing/2014/main" id="{85FB3FC8-98B7-4211-884B-17704AB5BD60}"/>
-              </a:ext>
-            </a:extLst>
-          </p:cNvPr>
+            <a:endParaRPr lang="en-US" dirty="0"/>
+          </a:p>
+        </p:txBody>
+      </p:sp>
+      <p:sp>
+        <p:nvSpPr>
+          <p:cNvPr id="7" name="Date Placeholder 6"/>
           <p:cNvSpPr>
             <a:spLocks noGrp="1"/>
           </p:cNvSpPr>
@@ -1814,7 +4376,7 @@
           <a:p>
             <a:fld id="{2D35C71F-6809-43C0-A892-EF4C918F4A43}" type="datetimeFigureOut">
               <a:rPr lang="ru-RU" smtClean="0"/>
-              <a:t>13.04.2022</a:t>
+              <a:t>17.04.2022</a:t>
             </a:fld>
             <a:endParaRPr lang="ru-RU"/>
           </a:p>
@@ -1822,13 +4384,7 @@
       </p:sp>
       <p:sp>
         <p:nvSpPr>
-          <p:cNvPr id="8" name="Нижний колонтитул 7">
-            <a:extLst>
-              <a:ext uri="{FF2B5EF4-FFF2-40B4-BE49-F238E27FC236}">
-                <a16:creationId xmlns:a16="http://schemas.microsoft.com/office/drawing/2014/main" id="{01D8A84F-4E9D-41D6-85E9-F2AE1820C863}"/>
-              </a:ext>
-            </a:extLst>
-          </p:cNvPr>
+          <p:cNvPr id="8" name="Footer Placeholder 7"/>
           <p:cNvSpPr>
             <a:spLocks noGrp="1"/>
           </p:cNvSpPr>
@@ -1847,13 +4403,7 @@
       </p:sp>
       <p:sp>
         <p:nvSpPr>
-          <p:cNvPr id="9" name="Номер слайда 8">
-            <a:extLst>
-              <a:ext uri="{FF2B5EF4-FFF2-40B4-BE49-F238E27FC236}">
-                <a16:creationId xmlns:a16="http://schemas.microsoft.com/office/drawing/2014/main" id="{2493D2F7-75D1-4E91-AE65-E616E3125A35}"/>
-              </a:ext>
-            </a:extLst>
-          </p:cNvPr>
+          <p:cNvPr id="9" name="Slide Number Placeholder 8"/>
           <p:cNvSpPr>
             <a:spLocks noGrp="1"/>
           </p:cNvSpPr>
@@ -1877,7 +4427,7 @@
     </p:spTree>
     <p:extLst>
       <p:ext uri="{BB962C8B-B14F-4D97-AF65-F5344CB8AC3E}">
-        <p14:creationId xmlns:p14="http://schemas.microsoft.com/office/powerpoint/2010/main" val="2838249886"/>
+        <p14:creationId xmlns:p14="http://schemas.microsoft.com/office/powerpoint/2010/main" val="3335600432"/>
       </p:ext>
     </p:extLst>
   </p:cSld>
@@ -1906,13 +4456,7 @@
       </p:grpSpPr>
       <p:sp>
         <p:nvSpPr>
-          <p:cNvPr id="2" name="Заголовок 1">
-            <a:extLst>
-              <a:ext uri="{FF2B5EF4-FFF2-40B4-BE49-F238E27FC236}">
-                <a16:creationId xmlns:a16="http://schemas.microsoft.com/office/drawing/2014/main" id="{88781207-99F7-49AA-AAEA-82A08C3E3DB9}"/>
-              </a:ext>
-            </a:extLst>
-          </p:cNvPr>
+          <p:cNvPr id="2" name="Title 1"/>
           <p:cNvSpPr>
             <a:spLocks noGrp="1"/>
           </p:cNvSpPr>
@@ -1929,18 +4473,13 @@
               <a:rPr lang="ru-RU"/>
               <a:t>Образец заголовка</a:t>
             </a:r>
-          </a:p>
-        </p:txBody>
-      </p:sp>
-      <p:sp>
-        <p:nvSpPr>
-          <p:cNvPr id="3" name="Дата 2">
-            <a:extLst>
-              <a:ext uri="{FF2B5EF4-FFF2-40B4-BE49-F238E27FC236}">
-                <a16:creationId xmlns:a16="http://schemas.microsoft.com/office/drawing/2014/main" id="{12EAC4E6-D8AE-4702-9B96-1C8EF54BEE37}"/>
-              </a:ext>
-            </a:extLst>
-          </p:cNvPr>
+            <a:endParaRPr lang="en-US" dirty="0"/>
+          </a:p>
+        </p:txBody>
+      </p:sp>
+      <p:sp>
+        <p:nvSpPr>
+          <p:cNvPr id="3" name="Date Placeholder 2"/>
           <p:cNvSpPr>
             <a:spLocks noGrp="1"/>
           </p:cNvSpPr>
@@ -1955,7 +4494,7 @@
           <a:p>
             <a:fld id="{2D35C71F-6809-43C0-A892-EF4C918F4A43}" type="datetimeFigureOut">
               <a:rPr lang="ru-RU" smtClean="0"/>
-              <a:t>13.04.2022</a:t>
+              <a:t>17.04.2022</a:t>
             </a:fld>
             <a:endParaRPr lang="ru-RU"/>
           </a:p>
@@ -1963,13 +4502,7 @@
       </p:sp>
       <p:sp>
         <p:nvSpPr>
-          <p:cNvPr id="4" name="Нижний колонтитул 3">
-            <a:extLst>
-              <a:ext uri="{FF2B5EF4-FFF2-40B4-BE49-F238E27FC236}">
-                <a16:creationId xmlns:a16="http://schemas.microsoft.com/office/drawing/2014/main" id="{05C5BCE0-C0A6-4517-994F-71F6AE45FDD6}"/>
-              </a:ext>
-            </a:extLst>
-          </p:cNvPr>
+          <p:cNvPr id="4" name="Footer Placeholder 3"/>
           <p:cNvSpPr>
             <a:spLocks noGrp="1"/>
           </p:cNvSpPr>
@@ -1988,13 +4521,7 @@
       </p:sp>
       <p:sp>
         <p:nvSpPr>
-          <p:cNvPr id="5" name="Номер слайда 4">
-            <a:extLst>
-              <a:ext uri="{FF2B5EF4-FFF2-40B4-BE49-F238E27FC236}">
-                <a16:creationId xmlns:a16="http://schemas.microsoft.com/office/drawing/2014/main" id="{B5BDDD71-B972-4F52-8157-013C35DE663D}"/>
-              </a:ext>
-            </a:extLst>
-          </p:cNvPr>
+          <p:cNvPr id="5" name="Slide Number Placeholder 4"/>
           <p:cNvSpPr>
             <a:spLocks noGrp="1"/>
           </p:cNvSpPr>
@@ -2018,7 +4545,7 @@
     </p:spTree>
     <p:extLst>
       <p:ext uri="{BB962C8B-B14F-4D97-AF65-F5344CB8AC3E}">
-        <p14:creationId xmlns:p14="http://schemas.microsoft.com/office/powerpoint/2010/main" val="3002609672"/>
+        <p14:creationId xmlns:p14="http://schemas.microsoft.com/office/powerpoint/2010/main" val="64948137"/>
       </p:ext>
     </p:extLst>
   </p:cSld>
@@ -2047,13 +4574,7 @@
       </p:grpSpPr>
       <p:sp>
         <p:nvSpPr>
-          <p:cNvPr id="2" name="Дата 1">
-            <a:extLst>
-              <a:ext uri="{FF2B5EF4-FFF2-40B4-BE49-F238E27FC236}">
-                <a16:creationId xmlns:a16="http://schemas.microsoft.com/office/drawing/2014/main" id="{304223D8-0BEC-4EDA-89C7-947D77CC0F49}"/>
-              </a:ext>
-            </a:extLst>
-          </p:cNvPr>
+          <p:cNvPr id="2" name="Date Placeholder 1"/>
           <p:cNvSpPr>
             <a:spLocks noGrp="1"/>
           </p:cNvSpPr>
@@ -2068,7 +4589,7 @@
           <a:p>
             <a:fld id="{2D35C71F-6809-43C0-A892-EF4C918F4A43}" type="datetimeFigureOut">
               <a:rPr lang="ru-RU" smtClean="0"/>
-              <a:t>13.04.2022</a:t>
+              <a:t>17.04.2022</a:t>
             </a:fld>
             <a:endParaRPr lang="ru-RU"/>
           </a:p>
@@ -2076,13 +4597,7 @@
       </p:sp>
       <p:sp>
         <p:nvSpPr>
-          <p:cNvPr id="3" name="Нижний колонтитул 2">
-            <a:extLst>
-              <a:ext uri="{FF2B5EF4-FFF2-40B4-BE49-F238E27FC236}">
-                <a16:creationId xmlns:a16="http://schemas.microsoft.com/office/drawing/2014/main" id="{E4A4614B-4C99-46A7-B1AD-3AF4E4ABAA73}"/>
-              </a:ext>
-            </a:extLst>
-          </p:cNvPr>
+          <p:cNvPr id="3" name="Footer Placeholder 2"/>
           <p:cNvSpPr>
             <a:spLocks noGrp="1"/>
           </p:cNvSpPr>
@@ -2101,13 +4616,7 @@
       </p:sp>
       <p:sp>
         <p:nvSpPr>
-          <p:cNvPr id="4" name="Номер слайда 3">
-            <a:extLst>
-              <a:ext uri="{FF2B5EF4-FFF2-40B4-BE49-F238E27FC236}">
-                <a16:creationId xmlns:a16="http://schemas.microsoft.com/office/drawing/2014/main" id="{28203BCB-C718-4061-B303-03B4D71BFF26}"/>
-              </a:ext>
-            </a:extLst>
-          </p:cNvPr>
+          <p:cNvPr id="4" name="Slide Number Placeholder 3"/>
           <p:cNvSpPr>
             <a:spLocks noGrp="1"/>
           </p:cNvSpPr>
@@ -2131,7 +4640,7 @@
     </p:spTree>
     <p:extLst>
       <p:ext uri="{BB962C8B-B14F-4D97-AF65-F5344CB8AC3E}">
-        <p14:creationId xmlns:p14="http://schemas.microsoft.com/office/powerpoint/2010/main" val="723676337"/>
+        <p14:creationId xmlns:p14="http://schemas.microsoft.com/office/powerpoint/2010/main" val="257682234"/>
       </p:ext>
     </p:extLst>
   </p:cSld>
@@ -2160,13 +4669,7 @@
       </p:grpSpPr>
       <p:sp>
         <p:nvSpPr>
-          <p:cNvPr id="2" name="Заголовок 1">
-            <a:extLst>
-              <a:ext uri="{FF2B5EF4-FFF2-40B4-BE49-F238E27FC236}">
-                <a16:creationId xmlns:a16="http://schemas.microsoft.com/office/drawing/2014/main" id="{A23B06A2-1FED-43CD-B751-31136DEB42C6}"/>
-              </a:ext>
-            </a:extLst>
-          </p:cNvPr>
+          <p:cNvPr id="2" name="Title 1"/>
           <p:cNvSpPr>
             <a:spLocks noGrp="1"/>
           </p:cNvSpPr>
@@ -2176,14 +4679,14 @@
         </p:nvSpPr>
         <p:spPr>
           <a:xfrm>
-            <a:off x="839788" y="457200"/>
-            <a:ext cx="3932237" cy="1600200"/>
+            <a:off x="685800" y="1524000"/>
+            <a:ext cx="4114800" cy="1600200"/>
           </a:xfrm>
         </p:spPr>
         <p:txBody>
           <a:bodyPr anchor="b"/>
           <a:lstStyle>
-            <a:lvl1pPr>
+            <a:lvl1pPr algn="l">
               <a:defRPr sz="3200"/>
             </a:lvl1pPr>
           </a:lstStyle>
@@ -2192,18 +4695,13 @@
               <a:rPr lang="ru-RU"/>
               <a:t>Образец заголовка</a:t>
             </a:r>
-          </a:p>
-        </p:txBody>
-      </p:sp>
-      <p:sp>
-        <p:nvSpPr>
-          <p:cNvPr id="3" name="Объект 2">
-            <a:extLst>
-              <a:ext uri="{FF2B5EF4-FFF2-40B4-BE49-F238E27FC236}">
-                <a16:creationId xmlns:a16="http://schemas.microsoft.com/office/drawing/2014/main" id="{1B8D1AA2-AF86-4F5F-924F-0354965800B3}"/>
-              </a:ext>
-            </a:extLst>
-          </p:cNvPr>
+            <a:endParaRPr lang="en-US" dirty="0"/>
+          </a:p>
+        </p:txBody>
+      </p:sp>
+      <p:sp>
+        <p:nvSpPr>
+          <p:cNvPr id="3" name="Content Placeholder 2"/>
           <p:cNvSpPr>
             <a:spLocks noGrp="1"/>
           </p:cNvSpPr>
@@ -2213,41 +4711,13 @@
         </p:nvSpPr>
         <p:spPr>
           <a:xfrm>
-            <a:off x="5183188" y="987425"/>
-            <a:ext cx="6172200" cy="4873625"/>
-          </a:xfrm>
-        </p:spPr>
-        <p:txBody>
-          <a:bodyPr/>
-          <a:lstStyle>
-            <a:lvl1pPr>
-              <a:defRPr sz="3200"/>
-            </a:lvl1pPr>
-            <a:lvl2pPr>
-              <a:defRPr sz="2800"/>
-            </a:lvl2pPr>
-            <a:lvl3pPr>
-              <a:defRPr sz="2400"/>
-            </a:lvl3pPr>
-            <a:lvl4pPr>
-              <a:defRPr sz="2000"/>
-            </a:lvl4pPr>
-            <a:lvl5pPr>
-              <a:defRPr sz="2000"/>
-            </a:lvl5pPr>
-            <a:lvl6pPr>
-              <a:defRPr sz="2000"/>
-            </a:lvl6pPr>
-            <a:lvl7pPr>
-              <a:defRPr sz="2000"/>
-            </a:lvl7pPr>
-            <a:lvl8pPr>
-              <a:defRPr sz="2000"/>
-            </a:lvl8pPr>
-            <a:lvl9pPr>
-              <a:defRPr sz="2000"/>
-            </a:lvl9pPr>
-          </a:lstStyle>
+            <a:off x="4995582" y="746759"/>
+            <a:ext cx="6510618" cy="5471925"/>
+          </a:xfrm>
+        </p:spPr>
+        <p:txBody>
+          <a:bodyPr anchor="ctr"/>
+          <a:lstStyle/>
           <a:p>
             <a:pPr lvl="0"/>
             <a:r>
@@ -2282,18 +4752,13 @@
               <a:rPr lang="ru-RU"/>
               <a:t>Пятый уровень</a:t>
             </a:r>
-          </a:p>
-        </p:txBody>
-      </p:sp>
-      <p:sp>
-        <p:nvSpPr>
-          <p:cNvPr id="4" name="Текст 3">
-            <a:extLst>
-              <a:ext uri="{FF2B5EF4-FFF2-40B4-BE49-F238E27FC236}">
-                <a16:creationId xmlns:a16="http://schemas.microsoft.com/office/drawing/2014/main" id="{6A758BA2-C2F5-42BF-98B2-D2345CFC0664}"/>
-              </a:ext>
-            </a:extLst>
-          </p:cNvPr>
+            <a:endParaRPr lang="en-US" dirty="0"/>
+          </a:p>
+        </p:txBody>
+      </p:sp>
+      <p:sp>
+        <p:nvSpPr>
+          <p:cNvPr id="4" name="Text Placeholder 3"/>
           <p:cNvSpPr>
             <a:spLocks noGrp="1"/>
           </p:cNvSpPr>
@@ -2303,8 +4768,8 @@
         </p:nvSpPr>
         <p:spPr>
           <a:xfrm>
-            <a:off x="839788" y="2057400"/>
-            <a:ext cx="3932237" cy="3811588"/>
+            <a:off x="685800" y="3124199"/>
+            <a:ext cx="4114800" cy="3094485"/>
           </a:xfrm>
         </p:spPr>
         <p:txBody>
@@ -2358,13 +4823,7 @@
       </p:sp>
       <p:sp>
         <p:nvSpPr>
-          <p:cNvPr id="5" name="Дата 4">
-            <a:extLst>
-              <a:ext uri="{FF2B5EF4-FFF2-40B4-BE49-F238E27FC236}">
-                <a16:creationId xmlns:a16="http://schemas.microsoft.com/office/drawing/2014/main" id="{2946E9E2-44FB-487A-B402-11A3A7A8FF20}"/>
-              </a:ext>
-            </a:extLst>
-          </p:cNvPr>
+          <p:cNvPr id="5" name="Date Placeholder 4"/>
           <p:cNvSpPr>
             <a:spLocks noGrp="1"/>
           </p:cNvSpPr>
@@ -2379,7 +4838,7 @@
           <a:p>
             <a:fld id="{2D35C71F-6809-43C0-A892-EF4C918F4A43}" type="datetimeFigureOut">
               <a:rPr lang="ru-RU" smtClean="0"/>
-              <a:t>13.04.2022</a:t>
+              <a:t>17.04.2022</a:t>
             </a:fld>
             <a:endParaRPr lang="ru-RU"/>
           </a:p>
@@ -2387,13 +4846,7 @@
       </p:sp>
       <p:sp>
         <p:nvSpPr>
-          <p:cNvPr id="6" name="Нижний колонтитул 5">
-            <a:extLst>
-              <a:ext uri="{FF2B5EF4-FFF2-40B4-BE49-F238E27FC236}">
-                <a16:creationId xmlns:a16="http://schemas.microsoft.com/office/drawing/2014/main" id="{1A1ECBC6-3693-4A7B-BA72-5FF5B2DE638F}"/>
-              </a:ext>
-            </a:extLst>
-          </p:cNvPr>
+          <p:cNvPr id="6" name="Footer Placeholder 5"/>
           <p:cNvSpPr>
             <a:spLocks noGrp="1"/>
           </p:cNvSpPr>
@@ -2412,13 +4865,7 @@
       </p:sp>
       <p:sp>
         <p:nvSpPr>
-          <p:cNvPr id="7" name="Номер слайда 6">
-            <a:extLst>
-              <a:ext uri="{FF2B5EF4-FFF2-40B4-BE49-F238E27FC236}">
-                <a16:creationId xmlns:a16="http://schemas.microsoft.com/office/drawing/2014/main" id="{EEB8FA6A-6526-4129-9B31-13787B41FEB0}"/>
-              </a:ext>
-            </a:extLst>
-          </p:cNvPr>
+          <p:cNvPr id="7" name="Slide Number Placeholder 6"/>
           <p:cNvSpPr>
             <a:spLocks noGrp="1"/>
           </p:cNvSpPr>
@@ -2442,7 +4889,7 @@
     </p:spTree>
     <p:extLst>
       <p:ext uri="{BB962C8B-B14F-4D97-AF65-F5344CB8AC3E}">
-        <p14:creationId xmlns:p14="http://schemas.microsoft.com/office/powerpoint/2010/main" val="3994018424"/>
+        <p14:creationId xmlns:p14="http://schemas.microsoft.com/office/powerpoint/2010/main" val="540727151"/>
       </p:ext>
     </p:extLst>
   </p:cSld>
@@ -2471,13 +4918,7 @@
       </p:grpSpPr>
       <p:sp>
         <p:nvSpPr>
-          <p:cNvPr id="2" name="Заголовок 1">
-            <a:extLst>
-              <a:ext uri="{FF2B5EF4-FFF2-40B4-BE49-F238E27FC236}">
-                <a16:creationId xmlns:a16="http://schemas.microsoft.com/office/drawing/2014/main" id="{1F3C3873-123B-4448-AF64-55C7796B411E}"/>
-              </a:ext>
-            </a:extLst>
-          </p:cNvPr>
+          <p:cNvPr id="2" name="Title 1"/>
           <p:cNvSpPr>
             <a:spLocks noGrp="1"/>
           </p:cNvSpPr>
@@ -2487,14 +4928,14 @@
         </p:nvSpPr>
         <p:spPr>
           <a:xfrm>
-            <a:off x="839788" y="457200"/>
-            <a:ext cx="3932237" cy="1600200"/>
+            <a:off x="685800" y="1524000"/>
+            <a:ext cx="6873240" cy="1600200"/>
           </a:xfrm>
         </p:spPr>
         <p:txBody>
           <a:bodyPr anchor="b"/>
           <a:lstStyle>
-            <a:lvl1pPr>
+            <a:lvl1pPr algn="l">
               <a:defRPr sz="3200"/>
             </a:lvl1pPr>
           </a:lstStyle>
@@ -2503,20 +4944,15 @@
               <a:rPr lang="ru-RU"/>
               <a:t>Образец заголовка</a:t>
             </a:r>
-          </a:p>
-        </p:txBody>
-      </p:sp>
-      <p:sp>
-        <p:nvSpPr>
-          <p:cNvPr id="3" name="Рисунок 2">
-            <a:extLst>
-              <a:ext uri="{FF2B5EF4-FFF2-40B4-BE49-F238E27FC236}">
-                <a16:creationId xmlns:a16="http://schemas.microsoft.com/office/drawing/2014/main" id="{5D236873-15FD-413A-B561-009357253AB8}"/>
-              </a:ext>
-            </a:extLst>
-          </p:cNvPr>
-          <p:cNvSpPr>
-            <a:spLocks noGrp="1"/>
+            <a:endParaRPr lang="en-US" dirty="0"/>
+          </a:p>
+        </p:txBody>
+      </p:sp>
+      <p:sp>
+        <p:nvSpPr>
+          <p:cNvPr id="3" name="Picture Placeholder 2"/>
+          <p:cNvSpPr>
+            <a:spLocks noGrp="1" noChangeAspect="1"/>
           </p:cNvSpPr>
           <p:nvPr>
             <p:ph type="pic" idx="1"/>
@@ -2524,12 +4960,12 @@
         </p:nvSpPr>
         <p:spPr>
           <a:xfrm>
-            <a:off x="5183188" y="987425"/>
-            <a:ext cx="6172200" cy="4873625"/>
-          </a:xfrm>
-        </p:spPr>
-        <p:txBody>
-          <a:bodyPr/>
+            <a:off x="7861238" y="751241"/>
+            <a:ext cx="3644962" cy="5467443"/>
+          </a:xfrm>
+        </p:spPr>
+        <p:txBody>
+          <a:bodyPr anchor="t"/>
           <a:lstStyle>
             <a:lvl1pPr marL="0" indent="0">
               <a:buNone/>
@@ -2569,19 +5005,17 @@
             </a:lvl9pPr>
           </a:lstStyle>
           <a:p>
-            <a:endParaRPr lang="ru-RU"/>
-          </a:p>
-        </p:txBody>
-      </p:sp>
-      <p:sp>
-        <p:nvSpPr>
-          <p:cNvPr id="4" name="Текст 3">
-            <a:extLst>
-              <a:ext uri="{FF2B5EF4-FFF2-40B4-BE49-F238E27FC236}">
-                <a16:creationId xmlns:a16="http://schemas.microsoft.com/office/drawing/2014/main" id="{777D7770-4E07-4E34-AC32-D21BEBCB4498}"/>
-              </a:ext>
-            </a:extLst>
-          </p:cNvPr>
+            <a:r>
+              <a:rPr lang="ru-RU"/>
+              <a:t>Вставка рисунка</a:t>
+            </a:r>
+            <a:endParaRPr lang="en-US" dirty="0"/>
+          </a:p>
+        </p:txBody>
+      </p:sp>
+      <p:sp>
+        <p:nvSpPr>
+          <p:cNvPr id="4" name="Text Placeholder 3"/>
           <p:cNvSpPr>
             <a:spLocks noGrp="1"/>
           </p:cNvSpPr>
@@ -2591,8 +5025,8 @@
         </p:nvSpPr>
         <p:spPr>
           <a:xfrm>
-            <a:off x="839788" y="2057400"/>
-            <a:ext cx="3932237" cy="3811588"/>
+            <a:off x="685800" y="3124199"/>
+            <a:ext cx="6873240" cy="3094485"/>
           </a:xfrm>
         </p:spPr>
         <p:txBody>
@@ -2646,13 +5080,7 @@
       </p:sp>
       <p:sp>
         <p:nvSpPr>
-          <p:cNvPr id="5" name="Дата 4">
-            <a:extLst>
-              <a:ext uri="{FF2B5EF4-FFF2-40B4-BE49-F238E27FC236}">
-                <a16:creationId xmlns:a16="http://schemas.microsoft.com/office/drawing/2014/main" id="{ABB99066-8A0D-4FFA-AEBF-A7B0BFDA4FF1}"/>
-              </a:ext>
-            </a:extLst>
-          </p:cNvPr>
+          <p:cNvPr id="5" name="Date Placeholder 4"/>
           <p:cNvSpPr>
             <a:spLocks noGrp="1"/>
           </p:cNvSpPr>
@@ -2667,7 +5095,7 @@
           <a:p>
             <a:fld id="{2D35C71F-6809-43C0-A892-EF4C918F4A43}" type="datetimeFigureOut">
               <a:rPr lang="ru-RU" smtClean="0"/>
-              <a:t>13.04.2022</a:t>
+              <a:t>17.04.2022</a:t>
             </a:fld>
             <a:endParaRPr lang="ru-RU"/>
           </a:p>
@@ -2675,13 +5103,7 @@
       </p:sp>
       <p:sp>
         <p:nvSpPr>
-          <p:cNvPr id="6" name="Нижний колонтитул 5">
-            <a:extLst>
-              <a:ext uri="{FF2B5EF4-FFF2-40B4-BE49-F238E27FC236}">
-                <a16:creationId xmlns:a16="http://schemas.microsoft.com/office/drawing/2014/main" id="{8F74B579-DC80-459B-B998-7CB346A7BB47}"/>
-              </a:ext>
-            </a:extLst>
-          </p:cNvPr>
+          <p:cNvPr id="6" name="Footer Placeholder 5"/>
           <p:cNvSpPr>
             <a:spLocks noGrp="1"/>
           </p:cNvSpPr>
@@ -2700,13 +5122,7 @@
       </p:sp>
       <p:sp>
         <p:nvSpPr>
-          <p:cNvPr id="7" name="Номер слайда 6">
-            <a:extLst>
-              <a:ext uri="{FF2B5EF4-FFF2-40B4-BE49-F238E27FC236}">
-                <a16:creationId xmlns:a16="http://schemas.microsoft.com/office/drawing/2014/main" id="{68B07938-AAE8-48F5-9DDD-2D81EE851E20}"/>
-              </a:ext>
-            </a:extLst>
-          </p:cNvPr>
+          <p:cNvPr id="7" name="Slide Number Placeholder 6"/>
           <p:cNvSpPr>
             <a:spLocks noGrp="1"/>
           </p:cNvSpPr>
@@ -2730,7 +5146,7 @@
     </p:spTree>
     <p:extLst>
       <p:ext uri="{BB962C8B-B14F-4D97-AF65-F5344CB8AC3E}">
-        <p14:creationId xmlns:p14="http://schemas.microsoft.com/office/powerpoint/2010/main" val="3268355390"/>
+        <p14:creationId xmlns:p14="http://schemas.microsoft.com/office/powerpoint/2010/main" val="715647655"/>
       </p:ext>
     </p:extLst>
   </p:cSld>
@@ -2762,31 +5178,55 @@
           <a:chExt cx="0" cy="0"/>
         </a:xfrm>
       </p:grpSpPr>
-      <p:sp>
-        <p:nvSpPr>
-          <p:cNvPr id="2" name="Заголовок 1">
+      <p:pic>
+        <p:nvPicPr>
+          <p:cNvPr id="7" name="Picture 6" descr="C0-HD-TOP.png"/>
+          <p:cNvPicPr>
+            <a:picLocks noChangeAspect="1"/>
+          </p:cNvPicPr>
+          <p:nvPr/>
+        </p:nvPicPr>
+        <p:blipFill>
+          <a:blip r:embed="rId19">
             <a:extLst>
-              <a:ext uri="{FF2B5EF4-FFF2-40B4-BE49-F238E27FC236}">
-                <a16:creationId xmlns:a16="http://schemas.microsoft.com/office/drawing/2014/main" id="{BB92262C-1998-4B11-AB2B-E67E2463E7E4}"/>
+              <a:ext uri="{28A0092B-C50C-407E-A947-70E740481C1C}">
+                <a14:useLocalDpi xmlns:a14="http://schemas.microsoft.com/office/drawing/2010/main" val="0"/>
               </a:ext>
             </a:extLst>
-          </p:cNvPr>
-          <p:cNvSpPr>
-            <a:spLocks noGrp="1"/>
-          </p:cNvSpPr>
-          <p:nvPr>
-            <p:ph type="title"/>
-          </p:nvPr>
-        </p:nvSpPr>
-        <p:spPr>
-          <a:xfrm>
-            <a:off x="838200" y="365125"/>
-            <a:ext cx="10515600" cy="1325563"/>
+          </a:blip>
+          <a:stretch>
+            <a:fillRect/>
+          </a:stretch>
+        </p:blipFill>
+        <p:spPr>
+          <a:xfrm>
+            <a:off x="0" y="0"/>
+            <a:ext cx="12192000" cy="1441450"/>
           </a:xfrm>
           <a:prstGeom prst="rect">
             <a:avLst/>
           </a:prstGeom>
         </p:spPr>
+      </p:pic>
+      <p:sp>
+        <p:nvSpPr>
+          <p:cNvPr id="2" name="Title Placeholder 1"/>
+          <p:cNvSpPr>
+            <a:spLocks noGrp="1"/>
+          </p:cNvSpPr>
+          <p:nvPr>
+            <p:ph type="title"/>
+          </p:nvPr>
+        </p:nvSpPr>
+        <p:spPr>
+          <a:xfrm>
+            <a:off x="2895600" y="764373"/>
+            <a:ext cx="8610600" cy="1293028"/>
+          </a:xfrm>
+          <a:prstGeom prst="rect">
+            <a:avLst/>
+          </a:prstGeom>
+        </p:spPr>
         <p:txBody>
           <a:bodyPr vert="horz" lIns="91440" tIns="45720" rIns="91440" bIns="45720" rtlCol="0" anchor="ctr">
             <a:normAutofit/>
@@ -2797,18 +5237,13 @@
               <a:rPr lang="ru-RU"/>
               <a:t>Образец заголовка</a:t>
             </a:r>
-          </a:p>
-        </p:txBody>
-      </p:sp>
-      <p:sp>
-        <p:nvSpPr>
-          <p:cNvPr id="3" name="Текст 2">
-            <a:extLst>
-              <a:ext uri="{FF2B5EF4-FFF2-40B4-BE49-F238E27FC236}">
-                <a16:creationId xmlns:a16="http://schemas.microsoft.com/office/drawing/2014/main" id="{CCE0B4B3-4F90-4A61-B513-CA9D567F1DF5}"/>
-              </a:ext>
-            </a:extLst>
-          </p:cNvPr>
+            <a:endParaRPr lang="en-US" dirty="0"/>
+          </a:p>
+        </p:txBody>
+      </p:sp>
+      <p:sp>
+        <p:nvSpPr>
+          <p:cNvPr id="3" name="Text Placeholder 2"/>
           <p:cNvSpPr>
             <a:spLocks noGrp="1"/>
           </p:cNvSpPr>
@@ -2818,8 +5253,8 @@
         </p:nvSpPr>
         <p:spPr>
           <a:xfrm>
-            <a:off x="838200" y="1825625"/>
-            <a:ext cx="10515600" cy="4351338"/>
+            <a:off x="685800" y="2194560"/>
+            <a:ext cx="10820400" cy="4024125"/>
           </a:xfrm>
           <a:prstGeom prst="rect">
             <a:avLst/>
@@ -2864,18 +5299,13 @@
               <a:rPr lang="ru-RU"/>
               <a:t>Пятый уровень</a:t>
             </a:r>
-          </a:p>
-        </p:txBody>
-      </p:sp>
-      <p:sp>
-        <p:nvSpPr>
-          <p:cNvPr id="4" name="Дата 3">
-            <a:extLst>
-              <a:ext uri="{FF2B5EF4-FFF2-40B4-BE49-F238E27FC236}">
-                <a16:creationId xmlns:a16="http://schemas.microsoft.com/office/drawing/2014/main" id="{B7507EDF-C369-48C1-B9D0-D5111CCA63D5}"/>
-              </a:ext>
-            </a:extLst>
-          </p:cNvPr>
+            <a:endParaRPr lang="en-US" dirty="0"/>
+          </a:p>
+        </p:txBody>
+      </p:sp>
+      <p:sp>
+        <p:nvSpPr>
+          <p:cNvPr id="4" name="Date Placeholder 3"/>
           <p:cNvSpPr>
             <a:spLocks noGrp="1"/>
           </p:cNvSpPr>
@@ -2885,8 +5315,8 @@
         </p:nvSpPr>
         <p:spPr>
           <a:xfrm>
-            <a:off x="838200" y="6356350"/>
-            <a:ext cx="2743200" cy="365125"/>
+            <a:off x="8595360" y="6356350"/>
+            <a:ext cx="2910840" cy="365125"/>
           </a:xfrm>
           <a:prstGeom prst="rect">
             <a:avLst/>
@@ -2895,8 +5325,8 @@
         <p:txBody>
           <a:bodyPr vert="horz" lIns="91440" tIns="45720" rIns="91440" bIns="45720" rtlCol="0" anchor="ctr"/>
           <a:lstStyle>
-            <a:lvl1pPr algn="l">
-              <a:defRPr sz="1200">
+            <a:lvl1pPr algn="r">
+              <a:defRPr sz="1050">
                 <a:solidFill>
                   <a:schemeClr val="tx1">
                     <a:tint val="75000"/>
@@ -2908,7 +5338,7 @@
           <a:p>
             <a:fld id="{2D35C71F-6809-43C0-A892-EF4C918F4A43}" type="datetimeFigureOut">
               <a:rPr lang="ru-RU" smtClean="0"/>
-              <a:t>13.04.2022</a:t>
+              <a:t>17.04.2022</a:t>
             </a:fld>
             <a:endParaRPr lang="ru-RU"/>
           </a:p>
@@ -2916,13 +5346,7 @@
       </p:sp>
       <p:sp>
         <p:nvSpPr>
-          <p:cNvPr id="5" name="Нижний колонтитул 4">
-            <a:extLst>
-              <a:ext uri="{FF2B5EF4-FFF2-40B4-BE49-F238E27FC236}">
-                <a16:creationId xmlns:a16="http://schemas.microsoft.com/office/drawing/2014/main" id="{78851F79-DE25-4966-8DF2-933410A710C5}"/>
-              </a:ext>
-            </a:extLst>
-          </p:cNvPr>
+          <p:cNvPr id="5" name="Footer Placeholder 4"/>
           <p:cNvSpPr>
             <a:spLocks noGrp="1"/>
           </p:cNvSpPr>
@@ -2932,8 +5356,8 @@
         </p:nvSpPr>
         <p:spPr>
           <a:xfrm>
-            <a:off x="4038600" y="6356350"/>
-            <a:ext cx="4114800" cy="365125"/>
+            <a:off x="685800" y="6355845"/>
+            <a:ext cx="7772400" cy="365125"/>
           </a:xfrm>
           <a:prstGeom prst="rect">
             <a:avLst/>
@@ -2942,8 +5366,8 @@
         <p:txBody>
           <a:bodyPr vert="horz" lIns="91440" tIns="45720" rIns="91440" bIns="45720" rtlCol="0" anchor="ctr"/>
           <a:lstStyle>
-            <a:lvl1pPr algn="ctr">
-              <a:defRPr sz="1200">
+            <a:lvl1pPr algn="l">
+              <a:defRPr sz="1050">
                 <a:solidFill>
                   <a:schemeClr val="tx1">
                     <a:tint val="75000"/>
@@ -2959,13 +5383,7 @@
       </p:sp>
       <p:sp>
         <p:nvSpPr>
-          <p:cNvPr id="6" name="Номер слайда 5">
-            <a:extLst>
-              <a:ext uri="{FF2B5EF4-FFF2-40B4-BE49-F238E27FC236}">
-                <a16:creationId xmlns:a16="http://schemas.microsoft.com/office/drawing/2014/main" id="{BDC894A0-BDA0-41B2-A7C9-1B3618133CE6}"/>
-              </a:ext>
-            </a:extLst>
-          </p:cNvPr>
+          <p:cNvPr id="6" name="Slide Number Placeholder 5"/>
           <p:cNvSpPr>
             <a:spLocks noGrp="1"/>
           </p:cNvSpPr>
@@ -2975,7 +5393,7 @@
         </p:nvSpPr>
         <p:spPr>
           <a:xfrm>
-            <a:off x="8610600" y="6356350"/>
+            <a:off x="8763000" y="381000"/>
             <a:ext cx="2743200" cy="365125"/>
           </a:xfrm>
           <a:prstGeom prst="rect">
@@ -2986,7 +5404,7 @@
           <a:bodyPr vert="horz" lIns="91440" tIns="45720" rIns="91440" bIns="45720" rtlCol="0" anchor="ctr"/>
           <a:lstStyle>
             <a:lvl1pPr algn="r">
-              <a:defRPr sz="1200">
+              <a:defRPr sz="1050">
                 <a:solidFill>
                   <a:schemeClr val="tx1">
                     <a:tint val="75000"/>
@@ -3007,27 +5425,33 @@
     </p:spTree>
     <p:extLst>
       <p:ext uri="{BB962C8B-B14F-4D97-AF65-F5344CB8AC3E}">
-        <p14:creationId xmlns:p14="http://schemas.microsoft.com/office/powerpoint/2010/main" val="1117411354"/>
+        <p14:creationId xmlns:p14="http://schemas.microsoft.com/office/powerpoint/2010/main" val="4075171489"/>
       </p:ext>
     </p:extLst>
   </p:cSld>
-  <p:clrMap bg1="lt1" tx1="dk1" bg2="lt2" tx2="dk2" accent1="accent1" accent2="accent2" accent3="accent3" accent4="accent4" accent5="accent5" accent6="accent6" hlink="hlink" folHlink="folHlink"/>
+  <p:clrMap bg1="dk1" tx1="lt1" bg2="dk2" tx2="lt2" accent1="accent1" accent2="accent2" accent3="accent3" accent4="accent4" accent5="accent5" accent6="accent6" hlink="hlink" folHlink="folHlink"/>
   <p:sldLayoutIdLst>
-    <p:sldLayoutId id="2147483649" r:id="rId1"/>
-    <p:sldLayoutId id="2147483650" r:id="rId2"/>
-    <p:sldLayoutId id="2147483651" r:id="rId3"/>
-    <p:sldLayoutId id="2147483652" r:id="rId4"/>
-    <p:sldLayoutId id="2147483653" r:id="rId5"/>
-    <p:sldLayoutId id="2147483654" r:id="rId6"/>
-    <p:sldLayoutId id="2147483655" r:id="rId7"/>
-    <p:sldLayoutId id="2147483656" r:id="rId8"/>
-    <p:sldLayoutId id="2147483657" r:id="rId9"/>
-    <p:sldLayoutId id="2147483658" r:id="rId10"/>
-    <p:sldLayoutId id="2147483659" r:id="rId11"/>
+    <p:sldLayoutId id="2147483676" r:id="rId1"/>
+    <p:sldLayoutId id="2147483677" r:id="rId2"/>
+    <p:sldLayoutId id="2147483678" r:id="rId3"/>
+    <p:sldLayoutId id="2147483679" r:id="rId4"/>
+    <p:sldLayoutId id="2147483680" r:id="rId5"/>
+    <p:sldLayoutId id="2147483681" r:id="rId6"/>
+    <p:sldLayoutId id="2147483682" r:id="rId7"/>
+    <p:sldLayoutId id="2147483683" r:id="rId8"/>
+    <p:sldLayoutId id="2147483684" r:id="rId9"/>
+    <p:sldLayoutId id="2147483685" r:id="rId10"/>
+    <p:sldLayoutId id="2147483686" r:id="rId11"/>
+    <p:sldLayoutId id="2147483687" r:id="rId12"/>
+    <p:sldLayoutId id="2147483688" r:id="rId13"/>
+    <p:sldLayoutId id="2147483689" r:id="rId14"/>
+    <p:sldLayoutId id="2147483690" r:id="rId15"/>
+    <p:sldLayoutId id="2147483691" r:id="rId16"/>
+    <p:sldLayoutId id="2147483692" r:id="rId17"/>
   </p:sldLayoutIdLst>
   <p:txStyles>
     <p:titleStyle>
-      <a:lvl1pPr algn="l" defTabSz="914400" rtl="0" eaLnBrk="1" latinLnBrk="0" hangingPunct="1">
+      <a:lvl1pPr algn="r" defTabSz="914400" rtl="0" eaLnBrk="1" latinLnBrk="0" hangingPunct="1">
         <a:lnSpc>
           <a:spcPct val="90000"/>
         </a:lnSpc>
@@ -3035,7 +5459,7 @@
           <a:spcPct val="0"/>
         </a:spcBef>
         <a:buNone/>
-        <a:defRPr sz="4400" kern="1200">
+        <a:defRPr sz="4000" kern="1200" cap="all" baseline="0">
           <a:solidFill>
             <a:schemeClr val="tx1"/>
           </a:solidFill>
@@ -3055,7 +5479,7 @@
         </a:spcBef>
         <a:buFont typeface="Arial" panose="020B0604020202020204" pitchFamily="34" charset="0"/>
         <a:buChar char="•"/>
-        <a:defRPr sz="2800" kern="1200">
+        <a:defRPr sz="2200" kern="1200">
           <a:solidFill>
             <a:schemeClr val="tx1"/>
           </a:solidFill>
@@ -3073,7 +5497,7 @@
         </a:spcBef>
         <a:buFont typeface="Arial" panose="020B0604020202020204" pitchFamily="34" charset="0"/>
         <a:buChar char="•"/>
-        <a:defRPr sz="2400" kern="1200">
+        <a:defRPr sz="2000" kern="1200">
           <a:solidFill>
             <a:schemeClr val="tx1"/>
           </a:solidFill>
@@ -3091,7 +5515,7 @@
         </a:spcBef>
         <a:buFont typeface="Arial" panose="020B0604020202020204" pitchFamily="34" charset="0"/>
         <a:buChar char="•"/>
-        <a:defRPr sz="2000" kern="1200">
+        <a:defRPr sz="1800" kern="1200">
           <a:solidFill>
             <a:schemeClr val="tx1"/>
           </a:solidFill>
@@ -3109,7 +5533,7 @@
         </a:spcBef>
         <a:buFont typeface="Arial" panose="020B0604020202020204" pitchFamily="34" charset="0"/>
         <a:buChar char="•"/>
-        <a:defRPr sz="1800" kern="1200">
+        <a:defRPr sz="1600" kern="1200">
           <a:solidFill>
             <a:schemeClr val="tx1"/>
           </a:solidFill>
@@ -3127,7 +5551,7 @@
         </a:spcBef>
         <a:buFont typeface="Arial" panose="020B0604020202020204" pitchFamily="34" charset="0"/>
         <a:buChar char="•"/>
-        <a:defRPr sz="1800" kern="1200">
+        <a:defRPr sz="1600" kern="1200">
           <a:solidFill>
             <a:schemeClr val="tx1"/>
           </a:solidFill>
@@ -3145,7 +5569,7 @@
         </a:spcBef>
         <a:buFont typeface="Arial" panose="020B0604020202020204" pitchFamily="34" charset="0"/>
         <a:buChar char="•"/>
-        <a:defRPr sz="1800" kern="1200">
+        <a:defRPr sz="1600" kern="1200">
           <a:solidFill>
             <a:schemeClr val="tx1"/>
           </a:solidFill>
@@ -3163,7 +5587,7 @@
         </a:spcBef>
         <a:buFont typeface="Arial" panose="020B0604020202020204" pitchFamily="34" charset="0"/>
         <a:buChar char="•"/>
-        <a:defRPr sz="1800" kern="1200">
+        <a:defRPr sz="1600" kern="1200">
           <a:solidFill>
             <a:schemeClr val="tx1"/>
           </a:solidFill>
@@ -3181,7 +5605,7 @@
         </a:spcBef>
         <a:buFont typeface="Arial" panose="020B0604020202020204" pitchFamily="34" charset="0"/>
         <a:buChar char="•"/>
-        <a:defRPr sz="1800" kern="1200">
+        <a:defRPr sz="1600" kern="1200">
           <a:solidFill>
             <a:schemeClr val="tx1"/>
           </a:solidFill>
@@ -3199,7 +5623,7 @@
         </a:spcBef>
         <a:buFont typeface="Arial" panose="020B0604020202020204" pitchFamily="34" charset="0"/>
         <a:buChar char="•"/>
-        <a:defRPr sz="1800" kern="1200">
+        <a:defRPr sz="1600" kern="1200">
           <a:solidFill>
             <a:schemeClr val="tx1"/>
           </a:solidFill>
@@ -3211,7 +5635,7 @@
     </p:bodyStyle>
     <p:otherStyle>
       <a:defPPr>
-        <a:defRPr lang="ru-RU"/>
+        <a:defRPr lang="en-US"/>
       </a:defPPr>
       <a:lvl1pPr marL="0" algn="l" defTabSz="914400" rtl="0" eaLnBrk="1" latinLnBrk="0" hangingPunct="1">
         <a:defRPr sz="1800" kern="1200">
@@ -3456,7 +5880,12 @@
             <p:ph idx="1"/>
           </p:nvPr>
         </p:nvSpPr>
-        <p:spPr/>
+        <p:spPr>
+          <a:xfrm>
+            <a:off x="838200" y="1825625"/>
+            <a:ext cx="5257800" cy="4351338"/>
+          </a:xfrm>
+        </p:spPr>
         <p:txBody>
           <a:bodyPr/>
           <a:lstStyle/>
@@ -3468,6 +5897,36 @@
           </a:p>
         </p:txBody>
       </p:sp>
+      <p:pic>
+        <p:nvPicPr>
+          <p:cNvPr id="5" name="Рисунок 4">
+            <a:extLst>
+              <a:ext uri="{FF2B5EF4-FFF2-40B4-BE49-F238E27FC236}">
+                <a16:creationId xmlns:a16="http://schemas.microsoft.com/office/drawing/2014/main" id="{7AFEAC7F-872F-46E2-9F5F-B44BA2BC3998}"/>
+              </a:ext>
+            </a:extLst>
+          </p:cNvPr>
+          <p:cNvPicPr>
+            <a:picLocks noChangeAspect="1"/>
+          </p:cNvPicPr>
+          <p:nvPr/>
+        </p:nvPicPr>
+        <p:blipFill>
+          <a:blip r:embed="rId2"/>
+          <a:stretch>
+            <a:fillRect/>
+          </a:stretch>
+        </p:blipFill>
+        <p:spPr>
+          <a:xfrm>
+            <a:off x="6638278" y="1935776"/>
+            <a:ext cx="4867922" cy="4362812"/>
+          </a:xfrm>
+          <a:prstGeom prst="rect">
+            <a:avLst/>
+          </a:prstGeom>
+        </p:spPr>
+      </p:pic>
     </p:spTree>
     <p:extLst>
       <p:ext uri="{BB962C8B-B14F-4D97-AF65-F5344CB8AC3E}">
@@ -3542,7 +6001,12 @@
             <p:ph idx="1"/>
           </p:nvPr>
         </p:nvSpPr>
-        <p:spPr/>
+        <p:spPr>
+          <a:xfrm>
+            <a:off x="838200" y="1825625"/>
+            <a:ext cx="5257800" cy="4351338"/>
+          </a:xfrm>
+        </p:spPr>
         <p:txBody>
           <a:bodyPr/>
           <a:lstStyle/>
@@ -3554,6 +6018,36 @@
           </a:p>
         </p:txBody>
       </p:sp>
+      <p:pic>
+        <p:nvPicPr>
+          <p:cNvPr id="5" name="Рисунок 4">
+            <a:extLst>
+              <a:ext uri="{FF2B5EF4-FFF2-40B4-BE49-F238E27FC236}">
+                <a16:creationId xmlns:a16="http://schemas.microsoft.com/office/drawing/2014/main" id="{9627808C-D32A-46D9-A90E-3440EFB74605}"/>
+              </a:ext>
+            </a:extLst>
+          </p:cNvPr>
+          <p:cNvPicPr>
+            <a:picLocks noChangeAspect="1"/>
+          </p:cNvPicPr>
+          <p:nvPr/>
+        </p:nvPicPr>
+        <p:blipFill>
+          <a:blip r:embed="rId2"/>
+          <a:stretch>
+            <a:fillRect/>
+          </a:stretch>
+        </p:blipFill>
+        <p:spPr>
+          <a:xfrm>
+            <a:off x="6433352" y="2226469"/>
+            <a:ext cx="5486400" cy="3781425"/>
+          </a:xfrm>
+          <a:prstGeom prst="rect">
+            <a:avLst/>
+          </a:prstGeom>
+        </p:spPr>
+      </p:pic>
     </p:spTree>
     <p:extLst>
       <p:ext uri="{BB962C8B-B14F-4D97-AF65-F5344CB8AC3E}">
@@ -3628,7 +6122,12 @@
             <p:ph idx="1"/>
           </p:nvPr>
         </p:nvSpPr>
-        <p:spPr/>
+        <p:spPr>
+          <a:xfrm>
+            <a:off x="838200" y="1825625"/>
+            <a:ext cx="5074328" cy="4351338"/>
+          </a:xfrm>
+        </p:spPr>
         <p:txBody>
           <a:bodyPr>
             <a:normAutofit/>
@@ -3638,16 +6137,48 @@
             <a:r>
               <a:rPr lang="ru-RU" dirty="0">
                 <a:effectLst/>
-                <a:latin typeface="Calibri" panose="020F0502020204030204" pitchFamily="34" charset="0"/>
+                <a:latin typeface="Century Gothic" panose="020B0502020202020204" pitchFamily="34" charset="0"/>
                 <a:ea typeface="Calibri" panose="020F0502020204030204" pitchFamily="34" charset="0"/>
                 <a:cs typeface="Times New Roman" panose="02020603050405020304" pitchFamily="18" charset="0"/>
               </a:rPr>
               <a:t>Также присутствует возможность создать аккаунт. </a:t>
             </a:r>
-            <a:endParaRPr lang="ru-RU" dirty="0"/>
-          </a:p>
-        </p:txBody>
-      </p:sp>
+            <a:endParaRPr lang="ru-RU" dirty="0">
+              <a:latin typeface="Century Gothic" panose="020B0502020202020204" pitchFamily="34" charset="0"/>
+            </a:endParaRPr>
+          </a:p>
+        </p:txBody>
+      </p:sp>
+      <p:pic>
+        <p:nvPicPr>
+          <p:cNvPr id="5" name="Рисунок 4">
+            <a:extLst>
+              <a:ext uri="{FF2B5EF4-FFF2-40B4-BE49-F238E27FC236}">
+                <a16:creationId xmlns:a16="http://schemas.microsoft.com/office/drawing/2014/main" id="{26D283DB-42BF-464B-9D8E-C1ED4B4FC3EA}"/>
+              </a:ext>
+            </a:extLst>
+          </p:cNvPr>
+          <p:cNvPicPr>
+            <a:picLocks noChangeAspect="1"/>
+          </p:cNvPicPr>
+          <p:nvPr/>
+        </p:nvPicPr>
+        <p:blipFill>
+          <a:blip r:embed="rId2"/>
+          <a:stretch>
+            <a:fillRect/>
+          </a:stretch>
+        </p:blipFill>
+        <p:spPr>
+          <a:xfrm>
+            <a:off x="6031479" y="2157274"/>
+            <a:ext cx="5955779" cy="3754177"/>
+          </a:xfrm>
+          <a:prstGeom prst="rect">
+            <a:avLst/>
+          </a:prstGeom>
+        </p:spPr>
+      </p:pic>
     </p:spTree>
     <p:extLst>
       <p:ext uri="{BB962C8B-B14F-4D97-AF65-F5344CB8AC3E}">
@@ -3699,7 +6230,10 @@
           <a:bodyPr/>
           <a:lstStyle/>
           <a:p>
-            <a:endParaRPr lang="ru-RU"/>
+            <a:r>
+              <a:rPr lang="ru-RU" dirty="0"/>
+              <a:t>Сайт</a:t>
+            </a:r>
           </a:p>
         </p:txBody>
       </p:sp>
@@ -3719,7 +6253,12 @@
             <p:ph idx="1"/>
           </p:nvPr>
         </p:nvSpPr>
-        <p:spPr/>
+        <p:spPr>
+          <a:xfrm>
+            <a:off x="838200" y="1825625"/>
+            <a:ext cx="5429435" cy="4351338"/>
+          </a:xfrm>
+        </p:spPr>
         <p:txBody>
           <a:bodyPr/>
           <a:lstStyle/>
@@ -3731,6 +6270,36 @@
           </a:p>
         </p:txBody>
       </p:sp>
+      <p:pic>
+        <p:nvPicPr>
+          <p:cNvPr id="5" name="Рисунок 4">
+            <a:extLst>
+              <a:ext uri="{FF2B5EF4-FFF2-40B4-BE49-F238E27FC236}">
+                <a16:creationId xmlns:a16="http://schemas.microsoft.com/office/drawing/2014/main" id="{9FFD485F-9D8F-4670-8CF0-13C0F9B23DFB}"/>
+              </a:ext>
+            </a:extLst>
+          </p:cNvPr>
+          <p:cNvPicPr>
+            <a:picLocks noChangeAspect="1"/>
+          </p:cNvPicPr>
+          <p:nvPr/>
+        </p:nvPicPr>
+        <p:blipFill>
+          <a:blip r:embed="rId2"/>
+          <a:stretch>
+            <a:fillRect/>
+          </a:stretch>
+        </p:blipFill>
+        <p:spPr>
+          <a:xfrm>
+            <a:off x="6267635" y="2672673"/>
+            <a:ext cx="5658657" cy="3504290"/>
+          </a:xfrm>
+          <a:prstGeom prst="rect">
+            <a:avLst/>
+          </a:prstGeom>
+        </p:spPr>
+      </p:pic>
     </p:spTree>
     <p:extLst>
       <p:ext uri="{BB962C8B-B14F-4D97-AF65-F5344CB8AC3E}">
@@ -3745,9 +6314,9 @@
 </file>
 
 <file path=ppt/theme/theme1.xml><?xml version="1.0" encoding="utf-8"?>
-<a:theme xmlns:a="http://schemas.openxmlformats.org/drawingml/2006/main" name="Тема Office">
+<a:theme xmlns:a="http://schemas.openxmlformats.org/drawingml/2006/main" name="След самолета">
   <a:themeElements>
-    <a:clrScheme name="Стандартная">
+    <a:clrScheme name="След самолета">
       <a:dk1>
         <a:sysClr val="windowText" lastClr="000000"/>
       </a:dk1>
@@ -3755,44 +6324,44 @@
         <a:sysClr val="window" lastClr="FFFFFF"/>
       </a:lt1>
       <a:dk2>
-        <a:srgbClr val="44546A"/>
+        <a:srgbClr val="454545"/>
       </a:dk2>
       <a:lt2>
-        <a:srgbClr val="E7E6E6"/>
+        <a:srgbClr val="DADADA"/>
       </a:lt2>
       <a:accent1>
-        <a:srgbClr val="4472C4"/>
+        <a:srgbClr val="DF2E28"/>
       </a:accent1>
       <a:accent2>
-        <a:srgbClr val="ED7D31"/>
+        <a:srgbClr val="FE801A"/>
       </a:accent2>
       <a:accent3>
-        <a:srgbClr val="A5A5A5"/>
+        <a:srgbClr val="E9BF35"/>
       </a:accent3>
       <a:accent4>
-        <a:srgbClr val="FFC000"/>
+        <a:srgbClr val="81BB42"/>
       </a:accent4>
       <a:accent5>
-        <a:srgbClr val="5B9BD5"/>
+        <a:srgbClr val="32C7A9"/>
       </a:accent5>
       <a:accent6>
-        <a:srgbClr val="70AD47"/>
+        <a:srgbClr val="4A9BDC"/>
       </a:accent6>
       <a:hlink>
-        <a:srgbClr val="0563C1"/>
+        <a:srgbClr val="F0532B"/>
       </a:hlink>
       <a:folHlink>
-        <a:srgbClr val="954F72"/>
+        <a:srgbClr val="F38B53"/>
       </a:folHlink>
     </a:clrScheme>
-    <a:fontScheme name="Стандартная">
+    <a:fontScheme name="След самолета">
       <a:majorFont>
-        <a:latin typeface="Calibri Light" panose="020F0302020204030204"/>
+        <a:latin typeface="Century Gothic" panose="020B0502020202020204"/>
         <a:ea typeface=""/>
         <a:cs typeface=""/>
-        <a:font script="Jpan" typeface="游ゴシック Light"/>
+        <a:font script="Jpan" typeface="ＭＳ Ｐゴシック"/>
         <a:font script="Hang" typeface="맑은 고딕"/>
-        <a:font script="Hans" typeface="等线 Light"/>
+        <a:font script="Hans" typeface="宋体"/>
         <a:font script="Hant" typeface="新細明體"/>
         <a:font script="Arab" typeface="Times New Roman"/>
         <a:font script="Hebr" typeface="Times New Roman"/>
@@ -3820,31 +6389,14 @@
         <a:font script="Viet" typeface="Times New Roman"/>
         <a:font script="Uigh" typeface="Microsoft Uighur"/>
         <a:font script="Geor" typeface="Sylfaen"/>
-        <a:font script="Armn" typeface="Arial"/>
-        <a:font script="Bugi" typeface="Leelawadee UI"/>
-        <a:font script="Bopo" typeface="Microsoft JhengHei"/>
-        <a:font script="Java" typeface="Javanese Text"/>
-        <a:font script="Lisu" typeface="Segoe UI"/>
-        <a:font script="Mymr" typeface="Myanmar Text"/>
-        <a:font script="Nkoo" typeface="Ebrima"/>
-        <a:font script="Olck" typeface="Nirmala UI"/>
-        <a:font script="Osma" typeface="Ebrima"/>
-        <a:font script="Phag" typeface="Phagspa"/>
-        <a:font script="Syrn" typeface="Estrangelo Edessa"/>
-        <a:font script="Syrj" typeface="Estrangelo Edessa"/>
-        <a:font script="Syre" typeface="Estrangelo Edessa"/>
-        <a:font script="Sora" typeface="Nirmala UI"/>
-        <a:font script="Tale" typeface="Microsoft Tai Le"/>
-        <a:font script="Talu" typeface="Microsoft New Tai Lue"/>
-        <a:font script="Tfng" typeface="Ebrima"/>
       </a:majorFont>
       <a:minorFont>
-        <a:latin typeface="Calibri" panose="020F0502020204030204"/>
+        <a:latin typeface="Century Gothic" panose="020B0502020202020204"/>
         <a:ea typeface=""/>
         <a:cs typeface=""/>
-        <a:font script="Jpan" typeface="游ゴシック"/>
+        <a:font script="Jpan" typeface="ＭＳ Ｐゴシック"/>
         <a:font script="Hang" typeface="맑은 고딕"/>
-        <a:font script="Hans" typeface="等线"/>
+        <a:font script="Hans" typeface="宋体"/>
         <a:font script="Hant" typeface="新細明體"/>
         <a:font script="Arab" typeface="Arial"/>
         <a:font script="Hebr" typeface="Arial"/>
@@ -3872,26 +6424,9 @@
         <a:font script="Viet" typeface="Arial"/>
         <a:font script="Uigh" typeface="Microsoft Uighur"/>
         <a:font script="Geor" typeface="Sylfaen"/>
-        <a:font script="Armn" typeface="Arial"/>
-        <a:font script="Bugi" typeface="Leelawadee UI"/>
-        <a:font script="Bopo" typeface="Microsoft JhengHei"/>
-        <a:font script="Java" typeface="Javanese Text"/>
-        <a:font script="Lisu" typeface="Segoe UI"/>
-        <a:font script="Mymr" typeface="Myanmar Text"/>
-        <a:font script="Nkoo" typeface="Ebrima"/>
-        <a:font script="Olck" typeface="Nirmala UI"/>
-        <a:font script="Osma" typeface="Ebrima"/>
-        <a:font script="Phag" typeface="Phagspa"/>
-        <a:font script="Syrn" typeface="Estrangelo Edessa"/>
-        <a:font script="Syrj" typeface="Estrangelo Edessa"/>
-        <a:font script="Syre" typeface="Estrangelo Edessa"/>
-        <a:font script="Sora" typeface="Nirmala UI"/>
-        <a:font script="Tale" typeface="Microsoft Tai Le"/>
-        <a:font script="Talu" typeface="Microsoft New Tai Lue"/>
-        <a:font script="Tfng" typeface="Ebrima"/>
       </a:minorFont>
     </a:fontScheme>
-    <a:fmtScheme name="Стандартная">
+    <a:fmtScheme name="След самолета">
       <a:fillStyleLst>
         <a:solidFill>
           <a:schemeClr val="phClr"/>
@@ -3900,23 +6435,24 @@
           <a:gsLst>
             <a:gs pos="0">
               <a:schemeClr val="phClr">
+                <a:tint val="69000"/>
+                <a:alpha val="100000"/>
+                <a:satMod val="109000"/>
                 <a:lumMod val="110000"/>
-                <a:satMod val="105000"/>
-                <a:tint val="67000"/>
               </a:schemeClr>
             </a:gs>
-            <a:gs pos="50000">
+            <a:gs pos="52000">
               <a:schemeClr val="phClr">
-                <a:lumMod val="105000"/>
-                <a:satMod val="103000"/>
-                <a:tint val="73000"/>
+                <a:tint val="74000"/>
+                <a:satMod val="100000"/>
+                <a:lumMod val="104000"/>
               </a:schemeClr>
             </a:gs>
             <a:gs pos="100000">
               <a:schemeClr val="phClr">
-                <a:lumMod val="105000"/>
-                <a:satMod val="109000"/>
-                <a:tint val="81000"/>
+                <a:tint val="78000"/>
+                <a:satMod val="100000"/>
+                <a:lumMod val="100000"/>
               </a:schemeClr>
             </a:gs>
           </a:gsLst>
@@ -3926,23 +6462,16 @@
           <a:gsLst>
             <a:gs pos="0">
               <a:schemeClr val="phClr">
-                <a:satMod val="103000"/>
-                <a:lumMod val="102000"/>
-                <a:tint val="94000"/>
+                <a:tint val="96000"/>
+                <a:satMod val="100000"/>
+                <a:lumMod val="104000"/>
               </a:schemeClr>
             </a:gs>
-            <a:gs pos="50000">
+            <a:gs pos="78000">
               <a:schemeClr val="phClr">
+                <a:shade val="100000"/>
                 <a:satMod val="110000"/>
                 <a:lumMod val="100000"/>
-                <a:shade val="100000"/>
-              </a:schemeClr>
-            </a:gs>
-            <a:gs pos="100000">
-              <a:schemeClr val="phClr">
-                <a:lumMod val="99000"/>
-                <a:satMod val="120000"/>
-                <a:shade val="78000"/>
               </a:schemeClr>
             </a:gs>
           </a:gsLst>
@@ -3950,26 +6479,23 @@
         </a:gradFill>
       </a:fillStyleLst>
       <a:lnStyleLst>
-        <a:ln w="6350" cap="flat" cmpd="sng" algn="ctr">
+        <a:ln w="9525" cap="flat" cmpd="sng" algn="ctr">
           <a:solidFill>
             <a:schemeClr val="phClr"/>
           </a:solidFill>
           <a:prstDash val="solid"/>
-          <a:miter lim="800000"/>
         </a:ln>
         <a:ln w="12700" cap="flat" cmpd="sng" algn="ctr">
           <a:solidFill>
             <a:schemeClr val="phClr"/>
           </a:solidFill>
           <a:prstDash val="solid"/>
-          <a:miter lim="800000"/>
         </a:ln>
         <a:ln w="19050" cap="flat" cmpd="sng" algn="ctr">
           <a:solidFill>
             <a:schemeClr val="phClr"/>
           </a:solidFill>
           <a:prstDash val="solid"/>
-          <a:miter lim="800000"/>
         </a:ln>
       </a:lnStyleLst>
       <a:effectStyleLst>
@@ -3978,15 +6504,33 @@
         </a:effectStyle>
         <a:effectStyle>
           <a:effectLst/>
+          <a:scene3d>
+            <a:camera prst="orthographicFront">
+              <a:rot lat="0" lon="0" rev="0"/>
+            </a:camera>
+            <a:lightRig rig="threePt" dir="t"/>
+          </a:scene3d>
+          <a:sp3d>
+            <a:bevelT w="25400" h="12700"/>
+          </a:sp3d>
         </a:effectStyle>
         <a:effectStyle>
           <a:effectLst>
             <a:outerShdw blurRad="57150" dist="19050" dir="5400000" algn="ctr" rotWithShape="0">
               <a:srgbClr val="000000">
-                <a:alpha val="63000"/>
+                <a:alpha val="48000"/>
               </a:srgbClr>
             </a:outerShdw>
           </a:effectLst>
+          <a:scene3d>
+            <a:camera prst="orthographicFront">
+              <a:rot lat="0" lon="0" rev="0"/>
+            </a:camera>
+            <a:lightRig rig="threePt" dir="t"/>
+          </a:scene3d>
+          <a:sp3d>
+            <a:bevelT w="50800" h="25400"/>
+          </a:sp3d>
         </a:effectStyle>
       </a:effectStyleLst>
       <a:bgFillStyleLst>
@@ -4004,16 +6548,16 @@
             <a:gs pos="0">
               <a:schemeClr val="phClr">
                 <a:tint val="93000"/>
+                <a:shade val="98000"/>
                 <a:satMod val="150000"/>
-                <a:shade val="98000"/>
                 <a:lumMod val="102000"/>
               </a:schemeClr>
             </a:gs>
             <a:gs pos="50000">
               <a:schemeClr val="phClr">
                 <a:tint val="98000"/>
+                <a:shade val="90000"/>
                 <a:satMod val="130000"/>
-                <a:shade val="90000"/>
                 <a:lumMod val="103000"/>
               </a:schemeClr>
             </a:gs>
@@ -4033,7 +6577,7 @@
   <a:extraClrSchemeLst/>
   <a:extLst>
     <a:ext uri="{05A4C25C-085E-4340-85A3-A5531E510DB2}">
-      <thm15:themeFamily xmlns:thm15="http://schemas.microsoft.com/office/thememl/2012/main" name="Office Theme" id="{62F939B6-93AF-4DB8-9C6B-D6C7DFDC589F}" vid="{4A3C46E8-61CC-4603-A589-7422A47A8E4A}"/>
+      <thm15:themeFamily xmlns:thm15="http://schemas.microsoft.com/office/thememl/2012/main" name="Vapor Trail" id="{4FDF2955-7D9C-493C-B9F9-C205151B46CD}" vid="{8F31A783-2159-4870-BC29-2BA7D038EA44}"/>
     </a:ext>
   </a:extLst>
 </a:theme>
